--- a/slides/Tag-1_4-Git-Remote_Light.pptx
+++ b/slides/Tag-1_4-Git-Remote_Light.pptx
@@ -7,25 +7,26 @@
     <p:sldMasterId id="2147483899" r:id="rId3"/>
   </p:sldMasterIdLst>
   <p:notesMasterIdLst>
-    <p:notesMasterId r:id="rId17"/>
+    <p:notesMasterId r:id="rId18"/>
   </p:notesMasterIdLst>
   <p:handoutMasterIdLst>
-    <p:handoutMasterId r:id="rId18"/>
+    <p:handoutMasterId r:id="rId19"/>
   </p:handoutMasterIdLst>
   <p:sldIdLst>
-    <p:sldId id="288" r:id="rId4"/>
-    <p:sldId id="387" r:id="rId5"/>
-    <p:sldId id="596" r:id="rId6"/>
-    <p:sldId id="371" r:id="rId7"/>
-    <p:sldId id="372" r:id="rId8"/>
-    <p:sldId id="373" r:id="rId9"/>
-    <p:sldId id="374" r:id="rId10"/>
-    <p:sldId id="375" r:id="rId11"/>
-    <p:sldId id="377" r:id="rId12"/>
-    <p:sldId id="376" r:id="rId13"/>
-    <p:sldId id="378" r:id="rId14"/>
-    <p:sldId id="379" r:id="rId15"/>
-    <p:sldId id="380" r:id="rId16"/>
+    <p:sldId id="604" r:id="rId4"/>
+    <p:sldId id="289" r:id="rId5"/>
+    <p:sldId id="598" r:id="rId6"/>
+    <p:sldId id="596" r:id="rId7"/>
+    <p:sldId id="371" r:id="rId8"/>
+    <p:sldId id="372" r:id="rId9"/>
+    <p:sldId id="373" r:id="rId10"/>
+    <p:sldId id="374" r:id="rId11"/>
+    <p:sldId id="375" r:id="rId12"/>
+    <p:sldId id="377" r:id="rId13"/>
+    <p:sldId id="376" r:id="rId14"/>
+    <p:sldId id="378" r:id="rId15"/>
+    <p:sldId id="379" r:id="rId16"/>
+    <p:sldId id="380" r:id="rId17"/>
   </p:sldIdLst>
   <p:sldSz cx="9144000" cy="6858000" type="screen4x3"/>
   <p:notesSz cx="6784975" cy="9921875"/>
@@ -2051,7 +2052,7 @@
                 </a:solidFill>
                 <a:latin typeface="Arial" charset="0"/>
               </a:rPr>
-              <a:t>&lt;Autor&gt;</a:t>
+              <a:t>Daniel Krämer &amp; Malte Fischer</a:t>
             </a:r>
           </a:p>
         </p:txBody>
@@ -2073,7 +2074,7 @@
         <p:spPr bwMode="auto">
           <a:xfrm>
             <a:off x="4252913" y="6424613"/>
-            <a:ext cx="1163637" cy="246062"/>
+            <a:ext cx="1978427" cy="246221"/>
           </a:xfrm>
           <a:prstGeom prst="rect">
             <a:avLst/>
@@ -2103,16 +2104,7 @@
                 </a:solidFill>
                 <a:latin typeface="Arial" charset="0"/>
               </a:rPr>
-              <a:t>&lt;Dateiname&gt;.</a:t>
-            </a:r>
-            <a:r>
-              <a:rPr lang="de-DE" sz="1000" dirty="0" err="1">
-                <a:solidFill>
-                  <a:schemeClr val="bg1"/>
-                </a:solidFill>
-                <a:latin typeface="Arial" charset="0"/>
-              </a:rPr>
-              <a:t>ppt</a:t>
+              <a:t>Tag-1_4-Git-Remote_Light.pptx</a:t>
             </a:r>
             <a:endParaRPr lang="de-DE" dirty="0">
               <a:solidFill>
@@ -4158,7 +4150,7 @@
                 </a:solidFill>
                 <a:latin typeface="Arial" charset="0"/>
               </a:rPr>
-              <a:t>&lt;Autor&gt;</a:t>
+              <a:t>Daniel Krämer &amp; Malte Fischer</a:t>
             </a:r>
           </a:p>
         </p:txBody>
@@ -4180,7 +4172,7 @@
         <p:spPr bwMode="auto">
           <a:xfrm>
             <a:off x="4252913" y="6424613"/>
-            <a:ext cx="1891865" cy="246221"/>
+            <a:ext cx="1978427" cy="246221"/>
           </a:xfrm>
           <a:prstGeom prst="rect">
             <a:avLst/>
@@ -4210,7 +4202,7 @@
                 </a:solidFill>
                 <a:latin typeface="Arial" charset="0"/>
               </a:rPr>
-              <a:t>Tag-3_2_1-GitLab-Runner.ppt</a:t>
+              <a:t>Tag-1_4-Git-Remote_Light.pptx</a:t>
             </a:r>
             <a:endParaRPr lang="de-DE" dirty="0">
               <a:solidFill>
@@ -5144,14 +5136,33 @@
           <a:p>
             <a:pPr algn="l" eaLnBrk="1" hangingPunct="1"/>
             <a:r>
-              <a:rPr lang="de-DE" altLang="de-DE" dirty="0" err="1"/>
+              <a:rPr lang="de-DE" altLang="de-DE" sz="3200" dirty="0"/>
+              <a:t>Tag 1: Einführung in </a:t>
+            </a:r>
+            <a:r>
+              <a:rPr lang="de-DE" altLang="de-DE" sz="3200" dirty="0" err="1"/>
               <a:t>Git</a:t>
             </a:r>
             <a:r>
-              <a:rPr lang="de-DE" altLang="de-DE"/>
-              <a:t>-Remote</a:t>
-            </a:r>
-            <a:endParaRPr lang="de-DE" altLang="de-DE" dirty="0"/>
+              <a:rPr lang="de-DE" altLang="de-DE" sz="3200" dirty="0"/>
+              <a:t> und </a:t>
+            </a:r>
+            <a:r>
+              <a:rPr lang="de-DE" altLang="de-DE" sz="3200" dirty="0" err="1"/>
+              <a:t>GitLab</a:t>
+            </a:r>
+            <a:r>
+              <a:rPr lang="de-DE" altLang="de-DE" sz="3200" dirty="0"/>
+              <a:t>, </a:t>
+            </a:r>
+            <a:r>
+              <a:rPr lang="de-DE" altLang="de-DE" sz="3200" dirty="0" err="1"/>
+              <a:t>Git</a:t>
+            </a:r>
+            <a:r>
+              <a:rPr lang="de-DE" altLang="de-DE" sz="3200" dirty="0"/>
+              <a:t>-Workflow im Team</a:t>
+            </a:r>
           </a:p>
         </p:txBody>
       </p:sp>
@@ -5173,8 +5184,8 @@
         </p:nvSpPr>
         <p:spPr bwMode="auto">
           <a:xfrm>
-            <a:off x="468313" y="4462463"/>
-            <a:ext cx="2159000" cy="622300"/>
+            <a:off x="468312" y="4462463"/>
+            <a:ext cx="4190603" cy="622300"/>
           </a:xfrm>
           <a:prstGeom prst="rect">
             <a:avLst/>
@@ -5209,8 +5220,8 @@
               <a:buNone/>
             </a:pPr>
             <a:r>
-              <a:rPr lang="de-DE" altLang="de-DE" sz="1600"/>
-              <a:t>&lt;Datum, Autor&gt;</a:t>
+              <a:rPr lang="de-DE" altLang="de-DE" sz="1600" dirty="0"/>
+              <a:t>17.06.2024, Daniel Krämer &amp; Malte Fischer</a:t>
             </a:r>
           </a:p>
         </p:txBody>
@@ -5363,18 +5374,54 @@
           </a:lstStyle>
           <a:p>
             <a:pPr eaLnBrk="1" hangingPunct="1"/>
-            <a:r>
-              <a:rPr lang="de-DE" altLang="de-DE" sz="4400">
-                <a:solidFill>
-                  <a:schemeClr val="tx2"/>
-                </a:solidFill>
-                <a:latin typeface="Arial" panose="020B0604020202020204" pitchFamily="34" charset="0"/>
-              </a:rPr>
-              <a:t>&lt;Kundenlogo&gt;</a:t>
-            </a:r>
+            <a:endParaRPr lang="de-DE" altLang="de-DE" sz="4400" dirty="0">
+              <a:solidFill>
+                <a:schemeClr val="tx2"/>
+              </a:solidFill>
+              <a:latin typeface="Arial" panose="020B0604020202020204" pitchFamily="34" charset="0"/>
+            </a:endParaRPr>
           </a:p>
         </p:txBody>
       </p:sp>
+      <p:pic>
+        <p:nvPicPr>
+          <p:cNvPr id="3" name="Grafik 2">
+            <a:extLst>
+              <a:ext uri="{FF2B5EF4-FFF2-40B4-BE49-F238E27FC236}">
+                <a16:creationId xmlns:a16="http://schemas.microsoft.com/office/drawing/2014/main" id="{F795EC6A-86ED-78D6-3916-EC81E8315965}"/>
+              </a:ext>
+            </a:extLst>
+          </p:cNvPr>
+          <p:cNvPicPr>
+            <a:picLocks noChangeAspect="1"/>
+          </p:cNvPicPr>
+          <p:nvPr/>
+        </p:nvPicPr>
+        <p:blipFill>
+          <a:blip r:embed="rId2">
+            <a:extLst>
+              <a:ext uri="{28A0092B-C50C-407E-A947-70E740481C1C}">
+                <a14:useLocalDpi xmlns:a14="http://schemas.microsoft.com/office/drawing/2010/main" val="0"/>
+              </a:ext>
+              <a:ext uri="{96DAC541-7B7A-43D3-8B79-37D633B846F1}">
+                <asvg:svgBlip xmlns:asvg="http://schemas.microsoft.com/office/drawing/2016/SVG/main" r:embed="rId3"/>
+              </a:ext>
+            </a:extLst>
+          </a:blip>
+          <a:stretch>
+            <a:fillRect/>
+          </a:stretch>
+        </p:blipFill>
+        <p:spPr>
+          <a:xfrm>
+            <a:off x="309959" y="263970"/>
+            <a:ext cx="4348957" cy="1508822"/>
+          </a:xfrm>
+          <a:prstGeom prst="rect">
+            <a:avLst/>
+          </a:prstGeom>
+        </p:spPr>
+      </p:pic>
     </p:spTree>
   </p:cSld>
   <p:clrMapOvr>
@@ -5426,43 +5473,415 @@
           <a:bodyPr/>
           <a:lstStyle/>
           <a:p>
+            <a:pPr marL="57150" indent="0">
+              <a:spcBef>
+                <a:spcPts val="600"/>
+              </a:spcBef>
+              <a:spcAft>
+                <a:spcPts val="300"/>
+              </a:spcAft>
+              <a:buNone/>
+            </a:pPr>
+            <a:r>
+              <a:rPr lang="de-DE" altLang="de-DE" b="1" dirty="0"/>
+              <a:t>Pull Befehl</a:t>
+            </a:r>
+          </a:p>
+          <a:p>
+            <a:pPr marL="400050">
+              <a:spcBef>
+                <a:spcPts val="600"/>
+              </a:spcBef>
+              <a:spcAft>
+                <a:spcPts val="300"/>
+              </a:spcAft>
+            </a:pPr>
+            <a:r>
+              <a:rPr lang="de-DE" altLang="de-DE" dirty="0" err="1">
+                <a:latin typeface="Consolas" panose="020B0609020204030204" pitchFamily="49" charset="0"/>
+              </a:rPr>
+              <a:t>git</a:t>
+            </a:r>
+            <a:r>
+              <a:rPr lang="de-DE" altLang="de-DE" dirty="0">
+                <a:latin typeface="Consolas" panose="020B0609020204030204" pitchFamily="49" charset="0"/>
+              </a:rPr>
+              <a:t> pull </a:t>
+            </a:r>
+            <a:r>
+              <a:rPr lang="de-DE" altLang="de-DE" dirty="0"/>
+              <a:t>als Kombination von </a:t>
+            </a:r>
+            <a:r>
+              <a:rPr lang="de-DE" altLang="de-DE" dirty="0" err="1">
+                <a:latin typeface="Consolas" panose="020B0609020204030204" pitchFamily="49" charset="0"/>
+              </a:rPr>
+              <a:t>git</a:t>
+            </a:r>
+            <a:r>
+              <a:rPr lang="de-DE" altLang="de-DE" dirty="0">
+                <a:latin typeface="Consolas" panose="020B0609020204030204" pitchFamily="49" charset="0"/>
+              </a:rPr>
+              <a:t> </a:t>
+            </a:r>
+            <a:r>
+              <a:rPr lang="de-DE" altLang="de-DE" dirty="0" err="1">
+                <a:latin typeface="Consolas" panose="020B0609020204030204" pitchFamily="49" charset="0"/>
+              </a:rPr>
+              <a:t>fetch</a:t>
+            </a:r>
+            <a:r>
+              <a:rPr lang="de-DE" altLang="de-DE" dirty="0">
+                <a:latin typeface="Consolas" panose="020B0609020204030204" pitchFamily="49" charset="0"/>
+              </a:rPr>
+              <a:t> </a:t>
+            </a:r>
+            <a:r>
+              <a:rPr lang="de-DE" altLang="de-DE" dirty="0"/>
+              <a:t>und </a:t>
+            </a:r>
+            <a:r>
+              <a:rPr lang="de-DE" altLang="de-DE" dirty="0" err="1">
+                <a:latin typeface="Consolas" panose="020B0609020204030204" pitchFamily="49" charset="0"/>
+              </a:rPr>
+              <a:t>git</a:t>
+            </a:r>
+            <a:r>
+              <a:rPr lang="de-DE" altLang="de-DE" dirty="0">
+                <a:latin typeface="Consolas" panose="020B0609020204030204" pitchFamily="49" charset="0"/>
+              </a:rPr>
+              <a:t> </a:t>
+            </a:r>
+            <a:r>
+              <a:rPr lang="de-DE" altLang="de-DE" dirty="0" err="1">
+                <a:latin typeface="Consolas" panose="020B0609020204030204" pitchFamily="49" charset="0"/>
+              </a:rPr>
+              <a:t>merge</a:t>
+            </a:r>
+            <a:r>
+              <a:rPr lang="de-DE" altLang="de-DE" dirty="0">
+                <a:latin typeface="Consolas" panose="020B0609020204030204" pitchFamily="49" charset="0"/>
+              </a:rPr>
+              <a:t> </a:t>
+            </a:r>
+            <a:r>
+              <a:rPr lang="de-DE" altLang="de-DE" dirty="0"/>
+              <a:t>oder </a:t>
+            </a:r>
+            <a:r>
+              <a:rPr lang="de-DE" altLang="de-DE" dirty="0" err="1">
+                <a:latin typeface="Consolas" panose="020B0609020204030204" pitchFamily="49" charset="0"/>
+              </a:rPr>
+              <a:t>git</a:t>
+            </a:r>
+            <a:r>
+              <a:rPr lang="de-DE" altLang="de-DE" dirty="0">
+                <a:latin typeface="Consolas" panose="020B0609020204030204" pitchFamily="49" charset="0"/>
+              </a:rPr>
+              <a:t> </a:t>
+            </a:r>
+            <a:r>
+              <a:rPr lang="de-DE" altLang="de-DE" dirty="0" err="1">
+                <a:latin typeface="Consolas" panose="020B0609020204030204" pitchFamily="49" charset="0"/>
+              </a:rPr>
+              <a:t>rebase</a:t>
+            </a:r>
+            <a:endParaRPr lang="de-DE" altLang="de-DE" dirty="0">
+              <a:latin typeface="Consolas" panose="020B0609020204030204" pitchFamily="49" charset="0"/>
+            </a:endParaRPr>
+          </a:p>
+          <a:p>
+            <a:pPr marL="57150" indent="0">
+              <a:spcBef>
+                <a:spcPts val="600"/>
+              </a:spcBef>
+              <a:spcAft>
+                <a:spcPts val="300"/>
+              </a:spcAft>
+              <a:buNone/>
+            </a:pPr>
+            <a:r>
+              <a:rPr lang="de-DE" altLang="de-DE" dirty="0">
+                <a:latin typeface="Consolas" panose="020B0609020204030204" pitchFamily="49" charset="0"/>
+              </a:rPr>
+              <a:t>	</a:t>
+            </a:r>
+            <a:r>
+              <a:rPr lang="de-DE" altLang="de-DE" dirty="0" err="1">
+                <a:latin typeface="Consolas" panose="020B0609020204030204" pitchFamily="49" charset="0"/>
+              </a:rPr>
+              <a:t>git</a:t>
+            </a:r>
+            <a:r>
+              <a:rPr lang="de-DE" altLang="de-DE" dirty="0">
+                <a:latin typeface="Consolas" panose="020B0609020204030204" pitchFamily="49" charset="0"/>
+              </a:rPr>
+              <a:t> pull</a:t>
+            </a:r>
+          </a:p>
+          <a:p>
+            <a:pPr marL="57150" indent="0">
+              <a:spcBef>
+                <a:spcPts val="600"/>
+              </a:spcBef>
+              <a:spcAft>
+                <a:spcPts val="300"/>
+              </a:spcAft>
+              <a:buNone/>
+            </a:pPr>
+            <a:r>
+              <a:rPr lang="de-DE" altLang="de-DE" dirty="0">
+                <a:latin typeface="Consolas" panose="020B0609020204030204" pitchFamily="49" charset="0"/>
+              </a:rPr>
+              <a:t>	</a:t>
+            </a:r>
+            <a:r>
+              <a:rPr lang="de-DE" altLang="de-DE" dirty="0" err="1">
+                <a:latin typeface="Consolas" panose="020B0609020204030204" pitchFamily="49" charset="0"/>
+              </a:rPr>
+              <a:t>git</a:t>
+            </a:r>
+            <a:r>
+              <a:rPr lang="de-DE" altLang="de-DE" dirty="0">
+                <a:latin typeface="Consolas" panose="020B0609020204030204" pitchFamily="49" charset="0"/>
+              </a:rPr>
+              <a:t> pull --</a:t>
+            </a:r>
+            <a:r>
+              <a:rPr lang="de-DE" altLang="de-DE" dirty="0" err="1">
+                <a:latin typeface="Consolas" panose="020B0609020204030204" pitchFamily="49" charset="0"/>
+              </a:rPr>
+              <a:t>merge</a:t>
+            </a:r>
+            <a:endParaRPr lang="de-DE" altLang="de-DE" dirty="0">
+              <a:latin typeface="Consolas" panose="020B0609020204030204" pitchFamily="49" charset="0"/>
+            </a:endParaRPr>
+          </a:p>
+          <a:p>
+            <a:pPr marL="57150" indent="0">
+              <a:spcBef>
+                <a:spcPts val="600"/>
+              </a:spcBef>
+              <a:spcAft>
+                <a:spcPts val="300"/>
+              </a:spcAft>
+              <a:buNone/>
+            </a:pPr>
+            <a:r>
+              <a:rPr lang="de-DE" altLang="de-DE" dirty="0">
+                <a:latin typeface="Consolas" panose="020B0609020204030204" pitchFamily="49" charset="0"/>
+              </a:rPr>
+              <a:t>	</a:t>
+            </a:r>
+            <a:r>
+              <a:rPr lang="de-DE" altLang="de-DE" dirty="0" err="1">
+                <a:latin typeface="Consolas" panose="020B0609020204030204" pitchFamily="49" charset="0"/>
+              </a:rPr>
+              <a:t>git</a:t>
+            </a:r>
+            <a:r>
+              <a:rPr lang="de-DE" altLang="de-DE" dirty="0">
+                <a:latin typeface="Consolas" panose="020B0609020204030204" pitchFamily="49" charset="0"/>
+              </a:rPr>
+              <a:t> pull --</a:t>
+            </a:r>
+            <a:r>
+              <a:rPr lang="de-DE" altLang="de-DE" dirty="0" err="1">
+                <a:latin typeface="Consolas" panose="020B0609020204030204" pitchFamily="49" charset="0"/>
+              </a:rPr>
+              <a:t>rebase</a:t>
+            </a:r>
+            <a:endParaRPr lang="de-DE" altLang="de-DE" dirty="0">
+              <a:latin typeface="Consolas" panose="020B0609020204030204" pitchFamily="49" charset="0"/>
+            </a:endParaRPr>
+          </a:p>
+          <a:p>
+            <a:pPr marL="400050">
+              <a:spcBef>
+                <a:spcPts val="600"/>
+              </a:spcBef>
+              <a:spcAft>
+                <a:spcPts val="300"/>
+              </a:spcAft>
+            </a:pPr>
+            <a:r>
+              <a:rPr lang="de-DE" altLang="de-DE" dirty="0"/>
+              <a:t>Default bei </a:t>
+            </a:r>
+            <a:r>
+              <a:rPr lang="de-DE" altLang="de-DE" dirty="0" err="1"/>
+              <a:t>git</a:t>
+            </a:r>
+            <a:r>
+              <a:rPr lang="de-DE" altLang="de-DE" dirty="0"/>
+              <a:t> pull ist </a:t>
+            </a:r>
+            <a:r>
+              <a:rPr lang="de-DE" altLang="de-DE" dirty="0" err="1"/>
+              <a:t>Merge</a:t>
+            </a:r>
+            <a:endParaRPr lang="de-DE" altLang="de-DE" dirty="0"/>
+          </a:p>
+          <a:p>
+            <a:pPr marL="400050">
+              <a:spcBef>
+                <a:spcPts val="600"/>
+              </a:spcBef>
+              <a:spcAft>
+                <a:spcPts val="300"/>
+              </a:spcAft>
+            </a:pPr>
+            <a:r>
+              <a:rPr lang="de-DE" altLang="de-DE" dirty="0"/>
+              <a:t>Kann in .</a:t>
+            </a:r>
+            <a:r>
+              <a:rPr lang="de-DE" altLang="de-DE" dirty="0" err="1"/>
+              <a:t>gitconfig</a:t>
+            </a:r>
+            <a:r>
+              <a:rPr lang="de-DE" altLang="de-DE" dirty="0"/>
+              <a:t> umgestellt werden</a:t>
+            </a:r>
+          </a:p>
+          <a:p>
+            <a:pPr marL="57150" indent="0">
+              <a:spcBef>
+                <a:spcPts val="600"/>
+              </a:spcBef>
+              <a:spcAft>
+                <a:spcPts val="300"/>
+              </a:spcAft>
+              <a:buNone/>
+            </a:pPr>
+            <a:r>
+              <a:rPr lang="de-DE" altLang="de-DE" dirty="0"/>
+              <a:t>	</a:t>
+            </a:r>
+            <a:r>
+              <a:rPr lang="en-US" altLang="de-DE" dirty="0">
+                <a:latin typeface="Consolas" panose="020B0609020204030204" pitchFamily="49" charset="0"/>
+              </a:rPr>
+              <a:t>git config --global </a:t>
+            </a:r>
+            <a:r>
+              <a:rPr lang="en-US" altLang="de-DE" dirty="0" err="1">
+                <a:latin typeface="Consolas" panose="020B0609020204030204" pitchFamily="49" charset="0"/>
+              </a:rPr>
+              <a:t>pull.rebase</a:t>
+            </a:r>
+            <a:r>
+              <a:rPr lang="en-US" altLang="de-DE" dirty="0">
+                <a:latin typeface="Consolas" panose="020B0609020204030204" pitchFamily="49" charset="0"/>
+              </a:rPr>
+              <a:t> false</a:t>
+            </a:r>
+            <a:r>
+              <a:rPr lang="en-US" altLang="de-DE" dirty="0"/>
+              <a:t> 	</a:t>
+            </a:r>
+            <a:r>
+              <a:rPr lang="en-US" altLang="de-DE" dirty="0">
+                <a:sym typeface="Wingdings" panose="05000000000000000000" pitchFamily="2" charset="2"/>
+              </a:rPr>
+              <a:t> Merge</a:t>
+            </a:r>
+          </a:p>
+          <a:p>
+            <a:pPr marL="57150" indent="0">
+              <a:spcBef>
+                <a:spcPts val="600"/>
+              </a:spcBef>
+              <a:spcAft>
+                <a:spcPts val="300"/>
+              </a:spcAft>
+              <a:buNone/>
+            </a:pPr>
+            <a:r>
+              <a:rPr lang="en-US" altLang="de-DE" dirty="0">
+                <a:sym typeface="Wingdings" panose="05000000000000000000" pitchFamily="2" charset="2"/>
+              </a:rPr>
+              <a:t>	</a:t>
+            </a:r>
+            <a:r>
+              <a:rPr lang="en-US" altLang="de-DE" dirty="0">
+                <a:latin typeface="Consolas" panose="020B0609020204030204" pitchFamily="49" charset="0"/>
+                <a:sym typeface="Wingdings" panose="05000000000000000000" pitchFamily="2" charset="2"/>
+              </a:rPr>
+              <a:t>git config --global </a:t>
+            </a:r>
+            <a:r>
+              <a:rPr lang="en-US" altLang="de-DE" dirty="0" err="1">
+                <a:latin typeface="Consolas" panose="020B0609020204030204" pitchFamily="49" charset="0"/>
+                <a:sym typeface="Wingdings" panose="05000000000000000000" pitchFamily="2" charset="2"/>
+              </a:rPr>
+              <a:t>pull.rebase</a:t>
+            </a:r>
+            <a:r>
+              <a:rPr lang="en-US" altLang="de-DE" dirty="0">
+                <a:latin typeface="Consolas" panose="020B0609020204030204" pitchFamily="49" charset="0"/>
+                <a:sym typeface="Wingdings" panose="05000000000000000000" pitchFamily="2" charset="2"/>
+              </a:rPr>
+              <a:t> true 	</a:t>
+            </a:r>
+            <a:r>
+              <a:rPr lang="en-US" altLang="de-DE" dirty="0">
+                <a:sym typeface="Wingdings" panose="05000000000000000000" pitchFamily="2" charset="2"/>
+              </a:rPr>
+              <a:t> Rebase</a:t>
+            </a:r>
+          </a:p>
+          <a:p>
             <a:pPr marL="400050">
               <a:spcAft>
                 <a:spcPts val="300"/>
               </a:spcAft>
             </a:pPr>
             <a:r>
-              <a:rPr lang="en-US" altLang="de-DE" dirty="0" err="1"/>
-              <a:t>Mergeverhalten</a:t>
-            </a:r>
-            <a:r>
-              <a:rPr lang="en-US" altLang="de-DE" dirty="0"/>
+              <a:rPr lang="en-US" altLang="de-DE" dirty="0" err="1">
+                <a:sym typeface="Wingdings" panose="05000000000000000000" pitchFamily="2" charset="2"/>
+              </a:rPr>
+              <a:t>Einstellung</a:t>
+            </a:r>
+            <a:r>
+              <a:rPr lang="en-US" altLang="de-DE" dirty="0">
+                <a:sym typeface="Wingdings" panose="05000000000000000000" pitchFamily="2" charset="2"/>
+              </a:rPr>
+              <a:t> für </a:t>
+            </a:r>
+            <a:r>
+              <a:rPr lang="en-US" altLang="de-DE" dirty="0" err="1">
+                <a:sym typeface="Wingdings" panose="05000000000000000000" pitchFamily="2" charset="2"/>
+              </a:rPr>
+              <a:t>einzelne</a:t>
+            </a:r>
+            <a:r>
+              <a:rPr lang="en-US" altLang="de-DE" dirty="0">
+                <a:sym typeface="Wingdings" panose="05000000000000000000" pitchFamily="2" charset="2"/>
+              </a:rPr>
+              <a:t> Branches </a:t>
+            </a:r>
+            <a:r>
+              <a:rPr lang="en-US" altLang="de-DE" dirty="0" err="1">
+                <a:sym typeface="Wingdings" panose="05000000000000000000" pitchFamily="2" charset="2"/>
+              </a:rPr>
+              <a:t>ebenfalls</a:t>
+            </a:r>
+            <a:r>
+              <a:rPr lang="en-US" altLang="de-DE" dirty="0">
+                <a:sym typeface="Wingdings" panose="05000000000000000000" pitchFamily="2" charset="2"/>
+              </a:rPr>
               <a:t> </a:t>
             </a:r>
             <a:r>
-              <a:rPr lang="en-US" altLang="de-DE" dirty="0" err="1"/>
-              <a:t>kann</a:t>
-            </a:r>
-            <a:r>
-              <a:rPr lang="en-US" altLang="de-DE" dirty="0"/>
-              <a:t> </a:t>
-            </a:r>
-            <a:r>
-              <a:rPr lang="en-US" altLang="de-DE" dirty="0" err="1"/>
-              <a:t>ebenfalls</a:t>
-            </a:r>
-            <a:r>
-              <a:rPr lang="en-US" altLang="de-DE" dirty="0"/>
-              <a:t> </a:t>
-            </a:r>
-            <a:r>
-              <a:rPr lang="en-US" altLang="de-DE" dirty="0" err="1"/>
-              <a:t>konfiguriert</a:t>
-            </a:r>
-            <a:r>
-              <a:rPr lang="en-US" altLang="de-DE" dirty="0"/>
-              <a:t> warden</a:t>
-            </a:r>
+              <a:rPr lang="en-US" altLang="de-DE" dirty="0" err="1">
+                <a:sym typeface="Wingdings" panose="05000000000000000000" pitchFamily="2" charset="2"/>
+              </a:rPr>
+              <a:t>möglich</a:t>
+            </a:r>
+            <a:endParaRPr lang="en-US" altLang="de-DE" dirty="0">
+              <a:sym typeface="Wingdings" panose="05000000000000000000" pitchFamily="2" charset="2"/>
+            </a:endParaRPr>
           </a:p>
           <a:p>
             <a:pPr marL="57150" indent="0">
@@ -5472,157 +5891,25 @@
               <a:buNone/>
             </a:pPr>
             <a:r>
-              <a:rPr lang="en-US" altLang="de-DE" dirty="0"/>
-              <a:t>	git config --global </a:t>
-            </a:r>
-            <a:r>
-              <a:rPr lang="en-US" altLang="de-DE" dirty="0" err="1"/>
-              <a:t>pull.ff</a:t>
-            </a:r>
-            <a:r>
-              <a:rPr lang="en-US" altLang="de-DE" dirty="0"/>
-              <a:t> [ true | only | false ]</a:t>
-            </a:r>
-          </a:p>
-          <a:p>
-            <a:pPr lvl="1">
+              <a:rPr lang="de-DE" altLang="de-DE" dirty="0"/>
+              <a:t>	</a:t>
+            </a:r>
+            <a:r>
+              <a:rPr lang="en-US" altLang="de-DE" dirty="0">
+                <a:latin typeface="Consolas" panose="020B0609020204030204" pitchFamily="49" charset="0"/>
+              </a:rPr>
+              <a:t>git config branch.&lt;branch-name&gt;.rebase true</a:t>
+            </a:r>
+            <a:endParaRPr lang="de-DE" altLang="de-DE" dirty="0">
+              <a:latin typeface="Consolas" panose="020B0609020204030204" pitchFamily="49" charset="0"/>
+            </a:endParaRPr>
+          </a:p>
+          <a:p>
+            <a:pPr marL="400050">
               <a:spcAft>
                 <a:spcPts val="300"/>
               </a:spcAft>
             </a:pPr>
-            <a:r>
-              <a:rPr lang="en-US" altLang="de-DE" b="1" dirty="0"/>
-              <a:t>true</a:t>
-            </a:r>
-            <a:r>
-              <a:rPr lang="en-US" altLang="de-DE" dirty="0"/>
-              <a:t> (Default) </a:t>
-            </a:r>
-            <a:br>
-              <a:rPr lang="en-US" altLang="de-DE" dirty="0"/>
-            </a:br>
-            <a:r>
-              <a:rPr lang="en-US" altLang="de-DE" dirty="0" err="1"/>
-              <a:t>Versucht</a:t>
-            </a:r>
-            <a:r>
-              <a:rPr lang="en-US" altLang="de-DE" dirty="0"/>
-              <a:t> Fast-Forward Merge </a:t>
-            </a:r>
-            <a:r>
-              <a:rPr lang="en-US" altLang="de-DE" dirty="0" err="1"/>
-              <a:t>durchzuführen</a:t>
-            </a:r>
-            <a:r>
-              <a:rPr lang="en-US" altLang="de-DE" dirty="0"/>
-              <a:t>, </a:t>
-            </a:r>
-            <a:r>
-              <a:rPr lang="en-US" altLang="de-DE" dirty="0" err="1"/>
-              <a:t>ansonsten</a:t>
-            </a:r>
-            <a:r>
-              <a:rPr lang="en-US" altLang="de-DE" dirty="0"/>
-              <a:t> Merge-Commit </a:t>
-            </a:r>
-            <a:r>
-              <a:rPr lang="en-US" altLang="de-DE" dirty="0" err="1"/>
-              <a:t>erstellen</a:t>
-            </a:r>
-            <a:endParaRPr lang="en-US" altLang="de-DE" dirty="0"/>
-          </a:p>
-          <a:p>
-            <a:pPr lvl="1">
-              <a:spcAft>
-                <a:spcPts val="300"/>
-              </a:spcAft>
-            </a:pPr>
-            <a:r>
-              <a:rPr lang="en-US" altLang="de-DE" b="1" dirty="0"/>
-              <a:t>false </a:t>
-            </a:r>
-            <a:br>
-              <a:rPr lang="en-US" altLang="de-DE" dirty="0"/>
-            </a:br>
-            <a:r>
-              <a:rPr lang="en-US" altLang="de-DE" dirty="0"/>
-              <a:t>Kein FF, Merge-Commit </a:t>
-            </a:r>
-            <a:r>
-              <a:rPr lang="en-US" altLang="de-DE" dirty="0" err="1"/>
-              <a:t>wird</a:t>
-            </a:r>
-            <a:r>
-              <a:rPr lang="en-US" altLang="de-DE" dirty="0"/>
-              <a:t> </a:t>
-            </a:r>
-            <a:r>
-              <a:rPr lang="en-US" altLang="de-DE" dirty="0" err="1"/>
-              <a:t>immer</a:t>
-            </a:r>
-            <a:r>
-              <a:rPr lang="en-US" altLang="de-DE" dirty="0"/>
-              <a:t> </a:t>
-            </a:r>
-            <a:r>
-              <a:rPr lang="en-US" altLang="de-DE" dirty="0" err="1"/>
-              <a:t>erstellt</a:t>
-            </a:r>
-            <a:endParaRPr lang="en-US" altLang="de-DE" dirty="0"/>
-          </a:p>
-          <a:p>
-            <a:pPr lvl="1">
-              <a:spcAft>
-                <a:spcPts val="300"/>
-              </a:spcAft>
-            </a:pPr>
-            <a:r>
-              <a:rPr lang="en-US" altLang="de-DE" b="1" dirty="0"/>
-              <a:t>only</a:t>
-            </a:r>
-            <a:br>
-              <a:rPr lang="en-US" altLang="de-DE" dirty="0"/>
-            </a:br>
-            <a:r>
-              <a:rPr lang="en-US" altLang="de-DE" dirty="0"/>
-              <a:t>Nur FF, </a:t>
-            </a:r>
-            <a:r>
-              <a:rPr lang="en-US" altLang="de-DE" dirty="0" err="1"/>
-              <a:t>wenn</a:t>
-            </a:r>
-            <a:r>
-              <a:rPr lang="en-US" altLang="de-DE" dirty="0"/>
-              <a:t> </a:t>
-            </a:r>
-            <a:r>
-              <a:rPr lang="en-US" altLang="de-DE" dirty="0" err="1"/>
-              <a:t>nicht</a:t>
-            </a:r>
-            <a:r>
-              <a:rPr lang="en-US" altLang="de-DE" dirty="0"/>
-              <a:t> </a:t>
-            </a:r>
-            <a:r>
-              <a:rPr lang="en-US" altLang="de-DE" dirty="0" err="1"/>
-              <a:t>möglich</a:t>
-            </a:r>
-            <a:r>
-              <a:rPr lang="en-US" altLang="de-DE" dirty="0"/>
-              <a:t> </a:t>
-            </a:r>
-            <a:r>
-              <a:rPr lang="en-US" altLang="de-DE" dirty="0" err="1"/>
-              <a:t>wird</a:t>
-            </a:r>
-            <a:r>
-              <a:rPr lang="en-US" altLang="de-DE" dirty="0"/>
-              <a:t> pull </a:t>
-            </a:r>
-            <a:r>
-              <a:rPr lang="en-US" altLang="de-DE" dirty="0" err="1"/>
-              <a:t>abgebrochen</a:t>
-            </a:r>
             <a:endParaRPr lang="en-US" altLang="de-DE" dirty="0"/>
           </a:p>
         </p:txBody>
@@ -5663,7 +5950,7 @@
     </p:spTree>
     <p:extLst>
       <p:ext uri="{BB962C8B-B14F-4D97-AF65-F5344CB8AC3E}">
-        <p14:creationId xmlns:p14="http://schemas.microsoft.com/office/powerpoint/2010/main" val="281920756"/>
+        <p14:creationId xmlns:p14="http://schemas.microsoft.com/office/powerpoint/2010/main" val="2131263901"/>
       </p:ext>
     </p:extLst>
   </p:cSld>
@@ -5716,168 +6003,42 @@
           <a:bodyPr/>
           <a:lstStyle/>
           <a:p>
-            <a:pPr marL="57150" indent="0">
-              <a:spcBef>
-                <a:spcPts val="600"/>
-              </a:spcBef>
-              <a:spcAft>
-                <a:spcPts val="300"/>
-              </a:spcAft>
-              <a:buNone/>
-            </a:pPr>
-            <a:r>
-              <a:rPr lang="de-DE" altLang="de-DE" b="1" dirty="0"/>
-              <a:t>Remote Branch</a:t>
-            </a:r>
-          </a:p>
-          <a:p>
-            <a:pPr marL="400050">
-              <a:spcBef>
-                <a:spcPts val="600"/>
-              </a:spcBef>
-              <a:spcAft>
-                <a:spcPts val="300"/>
-              </a:spcAft>
-            </a:pPr>
-            <a:r>
-              <a:rPr lang="de-DE" altLang="de-DE" dirty="0"/>
-              <a:t>Einem lokalen Branch einen Remote Upstream hinzufügen </a:t>
-            </a:r>
-          </a:p>
-          <a:p>
-            <a:pPr marL="57150" indent="0">
-              <a:spcBef>
-                <a:spcPts val="600"/>
-              </a:spcBef>
-              <a:spcAft>
-                <a:spcPts val="300"/>
-              </a:spcAft>
-              <a:buNone/>
-            </a:pPr>
-            <a:r>
-              <a:rPr lang="de-DE" altLang="de-DE" dirty="0"/>
-              <a:t>	</a:t>
-            </a:r>
-            <a:r>
-              <a:rPr lang="de-DE" altLang="de-DE" dirty="0" err="1">
-                <a:latin typeface="Consolas" panose="020B0609020204030204" pitchFamily="49" charset="0"/>
-              </a:rPr>
-              <a:t>git</a:t>
-            </a:r>
-            <a:r>
-              <a:rPr lang="de-DE" altLang="de-DE" dirty="0">
-                <a:latin typeface="Consolas" panose="020B0609020204030204" pitchFamily="49" charset="0"/>
-              </a:rPr>
-              <a:t> </a:t>
-            </a:r>
-            <a:r>
-              <a:rPr lang="de-DE" altLang="de-DE" dirty="0" err="1">
-                <a:latin typeface="Consolas" panose="020B0609020204030204" pitchFamily="49" charset="0"/>
-              </a:rPr>
-              <a:t>branch</a:t>
-            </a:r>
-            <a:r>
-              <a:rPr lang="de-DE" altLang="de-DE" dirty="0">
-                <a:latin typeface="Consolas" panose="020B0609020204030204" pitchFamily="49" charset="0"/>
-              </a:rPr>
-              <a:t> --set-</a:t>
-            </a:r>
-            <a:r>
-              <a:rPr lang="de-DE" altLang="de-DE" dirty="0" err="1">
-                <a:latin typeface="Consolas" panose="020B0609020204030204" pitchFamily="49" charset="0"/>
-              </a:rPr>
-              <a:t>upstream</a:t>
-            </a:r>
-            <a:r>
-              <a:rPr lang="de-DE" altLang="de-DE" dirty="0">
-                <a:latin typeface="Consolas" panose="020B0609020204030204" pitchFamily="49" charset="0"/>
-              </a:rPr>
-              <a:t> &lt;remote&gt; &lt;</a:t>
-            </a:r>
-            <a:r>
-              <a:rPr lang="de-DE" altLang="de-DE" dirty="0" err="1">
-                <a:latin typeface="Consolas" panose="020B0609020204030204" pitchFamily="49" charset="0"/>
-              </a:rPr>
-              <a:t>branch</a:t>
-            </a:r>
-            <a:r>
-              <a:rPr lang="de-DE" altLang="de-DE" dirty="0">
-                <a:latin typeface="Consolas" panose="020B0609020204030204" pitchFamily="49" charset="0"/>
-              </a:rPr>
-              <a:t>&gt;</a:t>
-            </a:r>
-          </a:p>
-          <a:p>
             <a:pPr marL="400050">
               <a:spcAft>
                 <a:spcPts val="300"/>
               </a:spcAft>
             </a:pPr>
             <a:r>
-              <a:rPr lang="de-DE" altLang="de-DE" dirty="0">
-                <a:latin typeface="Consolas" panose="020B0609020204030204" pitchFamily="49" charset="0"/>
-              </a:rPr>
-              <a:t>&lt;</a:t>
-            </a:r>
-            <a:r>
-              <a:rPr lang="de-DE" altLang="de-DE" dirty="0" err="1">
-                <a:latin typeface="Consolas" panose="020B0609020204030204" pitchFamily="49" charset="0"/>
-              </a:rPr>
-              <a:t>branch</a:t>
-            </a:r>
-            <a:r>
-              <a:rPr lang="de-DE" altLang="de-DE" dirty="0">
-                <a:latin typeface="Consolas" panose="020B0609020204030204" pitchFamily="49" charset="0"/>
-              </a:rPr>
-              <a:t>&gt; </a:t>
-            </a:r>
-            <a:r>
-              <a:rPr lang="de-DE" altLang="de-DE" dirty="0"/>
-              <a:t>ist optional</a:t>
-            </a:r>
-          </a:p>
-          <a:p>
-            <a:pPr marL="400050">
-              <a:spcAft>
-                <a:spcPts val="300"/>
-              </a:spcAft>
-            </a:pPr>
-            <a:r>
-              <a:rPr lang="de-DE" altLang="de-DE" dirty="0"/>
-              <a:t>Verknüpft lokalen Branch mit Remote Branch</a:t>
-            </a:r>
-          </a:p>
-          <a:p>
-            <a:pPr marL="400050">
-              <a:spcAft>
-                <a:spcPts val="300"/>
-              </a:spcAft>
-            </a:pPr>
-            <a:r>
-              <a:rPr lang="de-DE" altLang="de-DE" dirty="0"/>
-              <a:t>Lokaler Branch lässt sich mit </a:t>
-            </a:r>
-            <a:r>
-              <a:rPr lang="de-DE" altLang="de-DE" dirty="0" err="1">
-                <a:latin typeface="Consolas" panose="020B0609020204030204" pitchFamily="49" charset="0"/>
-              </a:rPr>
-              <a:t>git</a:t>
-            </a:r>
-            <a:r>
-              <a:rPr lang="de-DE" altLang="de-DE" dirty="0">
-                <a:latin typeface="Consolas" panose="020B0609020204030204" pitchFamily="49" charset="0"/>
-              </a:rPr>
+              <a:rPr lang="en-US" altLang="de-DE" dirty="0" err="1"/>
+              <a:t>Mergeverhalten</a:t>
+            </a:r>
+            <a:r>
+              <a:rPr lang="en-US" altLang="de-DE" dirty="0"/>
               <a:t> </a:t>
             </a:r>
             <a:r>
-              <a:rPr lang="de-DE" altLang="de-DE" dirty="0" err="1">
-                <a:latin typeface="Consolas" panose="020B0609020204030204" pitchFamily="49" charset="0"/>
-              </a:rPr>
-              <a:t>reset</a:t>
-            </a:r>
-            <a:r>
-              <a:rPr lang="de-DE" altLang="de-DE" dirty="0"/>
-              <a:t> auf den Remote Branch zurücksetzen</a:t>
+              <a:rPr lang="en-US" altLang="de-DE" dirty="0" err="1"/>
+              <a:t>kann</a:t>
+            </a:r>
+            <a:r>
+              <a:rPr lang="en-US" altLang="de-DE" dirty="0"/>
+              <a:t> </a:t>
+            </a:r>
+            <a:r>
+              <a:rPr lang="en-US" altLang="de-DE" dirty="0" err="1"/>
+              <a:t>ebenfalls</a:t>
+            </a:r>
+            <a:r>
+              <a:rPr lang="en-US" altLang="de-DE" dirty="0"/>
+              <a:t> </a:t>
+            </a:r>
+            <a:r>
+              <a:rPr lang="en-US" altLang="de-DE" dirty="0" err="1"/>
+              <a:t>konfiguriert</a:t>
+            </a:r>
+            <a:r>
+              <a:rPr lang="en-US" altLang="de-DE" dirty="0"/>
+              <a:t> warden</a:t>
             </a:r>
           </a:p>
           <a:p>
@@ -5888,57 +6049,158 @@
               <a:buNone/>
             </a:pPr>
             <a:r>
-              <a:rPr lang="de-DE" altLang="de-DE" dirty="0"/>
-              <a:t>	</a:t>
-            </a:r>
-            <a:r>
-              <a:rPr lang="de-DE" altLang="de-DE" dirty="0" err="1">
-                <a:latin typeface="Consolas" panose="020B0609020204030204" pitchFamily="49" charset="0"/>
-              </a:rPr>
-              <a:t>git</a:t>
-            </a:r>
-            <a:r>
-              <a:rPr lang="de-DE" altLang="de-DE" dirty="0">
-                <a:latin typeface="Consolas" panose="020B0609020204030204" pitchFamily="49" charset="0"/>
-              </a:rPr>
+              <a:rPr lang="en-US" altLang="de-DE" dirty="0"/>
+              <a:t>	git config --global </a:t>
+            </a:r>
+            <a:r>
+              <a:rPr lang="en-US" altLang="de-DE" dirty="0" err="1"/>
+              <a:t>pull.ff</a:t>
+            </a:r>
+            <a:r>
+              <a:rPr lang="en-US" altLang="de-DE" dirty="0"/>
+              <a:t> [ true | only | false ]</a:t>
+            </a:r>
+          </a:p>
+          <a:p>
+            <a:pPr lvl="1">
+              <a:spcAft>
+                <a:spcPts val="300"/>
+              </a:spcAft>
+            </a:pPr>
+            <a:r>
+              <a:rPr lang="en-US" altLang="de-DE" b="1" dirty="0"/>
+              <a:t>true</a:t>
+            </a:r>
+            <a:r>
+              <a:rPr lang="en-US" altLang="de-DE" dirty="0"/>
+              <a:t> (Default) </a:t>
+            </a:r>
+            <a:br>
+              <a:rPr lang="en-US" altLang="de-DE" dirty="0"/>
+            </a:br>
+            <a:r>
+              <a:rPr lang="en-US" altLang="de-DE" dirty="0" err="1"/>
+              <a:t>Versucht</a:t>
+            </a:r>
+            <a:r>
+              <a:rPr lang="en-US" altLang="de-DE" dirty="0"/>
+              <a:t> Fast-Forward Merge </a:t>
+            </a:r>
+            <a:r>
+              <a:rPr lang="en-US" altLang="de-DE" dirty="0" err="1"/>
+              <a:t>durchzuführen</a:t>
+            </a:r>
+            <a:r>
+              <a:rPr lang="en-US" altLang="de-DE" dirty="0"/>
+              <a:t>, </a:t>
+            </a:r>
+            <a:r>
+              <a:rPr lang="en-US" altLang="de-DE" dirty="0" err="1"/>
+              <a:t>ansonsten</a:t>
+            </a:r>
+            <a:r>
+              <a:rPr lang="en-US" altLang="de-DE" dirty="0"/>
+              <a:t> Merge-Commit </a:t>
+            </a:r>
+            <a:r>
+              <a:rPr lang="en-US" altLang="de-DE" dirty="0" err="1"/>
+              <a:t>erstellen</a:t>
+            </a:r>
+            <a:endParaRPr lang="en-US" altLang="de-DE" dirty="0"/>
+          </a:p>
+          <a:p>
+            <a:pPr lvl="1">
+              <a:spcAft>
+                <a:spcPts val="300"/>
+              </a:spcAft>
+            </a:pPr>
+            <a:r>
+              <a:rPr lang="en-US" altLang="de-DE" b="1" dirty="0"/>
+              <a:t>false </a:t>
+            </a:r>
+            <a:br>
+              <a:rPr lang="en-US" altLang="de-DE" dirty="0"/>
+            </a:br>
+            <a:r>
+              <a:rPr lang="en-US" altLang="de-DE" dirty="0"/>
+              <a:t>Kein FF, Merge-Commit </a:t>
+            </a:r>
+            <a:r>
+              <a:rPr lang="en-US" altLang="de-DE" dirty="0" err="1"/>
+              <a:t>wird</a:t>
+            </a:r>
+            <a:r>
+              <a:rPr lang="en-US" altLang="de-DE" dirty="0"/>
               <a:t> </a:t>
             </a:r>
             <a:r>
-              <a:rPr lang="de-DE" altLang="de-DE" dirty="0" err="1">
-                <a:latin typeface="Consolas" panose="020B0609020204030204" pitchFamily="49" charset="0"/>
-              </a:rPr>
-              <a:t>reset</a:t>
-            </a:r>
-            <a:r>
-              <a:rPr lang="de-DE" altLang="de-DE" dirty="0">
-                <a:latin typeface="Consolas" panose="020B0609020204030204" pitchFamily="49" charset="0"/>
-              </a:rPr>
-              <a:t> --</a:t>
-            </a:r>
-            <a:r>
-              <a:rPr lang="de-DE" altLang="de-DE" dirty="0" err="1">
-                <a:latin typeface="Consolas" panose="020B0609020204030204" pitchFamily="49" charset="0"/>
-              </a:rPr>
-              <a:t>hard</a:t>
-            </a:r>
-            <a:r>
-              <a:rPr lang="de-DE" altLang="de-DE" dirty="0">
-                <a:latin typeface="Consolas" panose="020B0609020204030204" pitchFamily="49" charset="0"/>
-              </a:rPr>
-              <a:t> &lt;remote&gt;/&lt;remote-</a:t>
-            </a:r>
-            <a:r>
-              <a:rPr lang="de-DE" altLang="de-DE" dirty="0" err="1">
-                <a:latin typeface="Consolas" panose="020B0609020204030204" pitchFamily="49" charset="0"/>
-              </a:rPr>
-              <a:t>branch</a:t>
-            </a:r>
-            <a:r>
-              <a:rPr lang="de-DE" altLang="de-DE" dirty="0">
-                <a:latin typeface="Consolas" panose="020B0609020204030204" pitchFamily="49" charset="0"/>
-              </a:rPr>
-              <a:t>&gt;</a:t>
-            </a:r>
+              <a:rPr lang="en-US" altLang="de-DE" dirty="0" err="1"/>
+              <a:t>immer</a:t>
+            </a:r>
+            <a:r>
+              <a:rPr lang="en-US" altLang="de-DE" dirty="0"/>
+              <a:t> </a:t>
+            </a:r>
+            <a:r>
+              <a:rPr lang="en-US" altLang="de-DE" dirty="0" err="1"/>
+              <a:t>erstellt</a:t>
+            </a:r>
+            <a:endParaRPr lang="en-US" altLang="de-DE" dirty="0"/>
+          </a:p>
+          <a:p>
+            <a:pPr lvl="1">
+              <a:spcAft>
+                <a:spcPts val="300"/>
+              </a:spcAft>
+            </a:pPr>
+            <a:r>
+              <a:rPr lang="en-US" altLang="de-DE" b="1" dirty="0"/>
+              <a:t>only</a:t>
+            </a:r>
+            <a:br>
+              <a:rPr lang="en-US" altLang="de-DE" dirty="0"/>
+            </a:br>
+            <a:r>
+              <a:rPr lang="en-US" altLang="de-DE" dirty="0"/>
+              <a:t>Nur FF, </a:t>
+            </a:r>
+            <a:r>
+              <a:rPr lang="en-US" altLang="de-DE" dirty="0" err="1"/>
+              <a:t>wenn</a:t>
+            </a:r>
+            <a:r>
+              <a:rPr lang="en-US" altLang="de-DE" dirty="0"/>
+              <a:t> </a:t>
+            </a:r>
+            <a:r>
+              <a:rPr lang="en-US" altLang="de-DE" dirty="0" err="1"/>
+              <a:t>nicht</a:t>
+            </a:r>
+            <a:r>
+              <a:rPr lang="en-US" altLang="de-DE" dirty="0"/>
+              <a:t> </a:t>
+            </a:r>
+            <a:r>
+              <a:rPr lang="en-US" altLang="de-DE" dirty="0" err="1"/>
+              <a:t>möglich</a:t>
+            </a:r>
+            <a:r>
+              <a:rPr lang="en-US" altLang="de-DE" dirty="0"/>
+              <a:t> </a:t>
+            </a:r>
+            <a:r>
+              <a:rPr lang="en-US" altLang="de-DE" dirty="0" err="1"/>
+              <a:t>wird</a:t>
+            </a:r>
+            <a:r>
+              <a:rPr lang="en-US" altLang="de-DE" dirty="0"/>
+              <a:t> pull </a:t>
+            </a:r>
+            <a:r>
+              <a:rPr lang="en-US" altLang="de-DE" dirty="0" err="1"/>
+              <a:t>abgebrochen</a:t>
+            </a:r>
+            <a:endParaRPr lang="en-US" altLang="de-DE" dirty="0"/>
           </a:p>
         </p:txBody>
       </p:sp>
@@ -5978,7 +6240,7 @@
     </p:spTree>
     <p:extLst>
       <p:ext uri="{BB962C8B-B14F-4D97-AF65-F5344CB8AC3E}">
-        <p14:creationId xmlns:p14="http://schemas.microsoft.com/office/powerpoint/2010/main" val="218934106"/>
+        <p14:creationId xmlns:p14="http://schemas.microsoft.com/office/powerpoint/2010/main" val="281920756"/>
       </p:ext>
     </p:extLst>
   </p:cSld>
@@ -6042,7 +6304,7 @@
             </a:pPr>
             <a:r>
               <a:rPr lang="de-DE" altLang="de-DE" b="1" dirty="0"/>
-              <a:t>Push Befehl</a:t>
+              <a:t>Remote Branch</a:t>
             </a:r>
           </a:p>
           <a:p>
@@ -6056,7 +6318,7 @@
             </a:pPr>
             <a:r>
               <a:rPr lang="de-DE" altLang="de-DE" dirty="0"/>
-              <a:t>Lokale Änderungen ins Remote Repository übertragen</a:t>
+              <a:t>Einem lokalen Branch einen Remote Upstream hinzufügen </a:t>
             </a:r>
           </a:p>
           <a:p>
@@ -6070,22 +6332,44 @@
               <a:buNone/>
             </a:pPr>
             <a:r>
+              <a:rPr lang="de-DE" altLang="de-DE" dirty="0"/>
+              <a:t>	</a:t>
+            </a:r>
+            <a:r>
+              <a:rPr lang="de-DE" altLang="de-DE" dirty="0" err="1">
+                <a:latin typeface="Consolas" panose="020B0609020204030204" pitchFamily="49" charset="0"/>
+              </a:rPr>
+              <a:t>git</a:t>
+            </a:r>
+            <a:r>
               <a:rPr lang="de-DE" altLang="de-DE" dirty="0">
                 <a:latin typeface="Consolas" panose="020B0609020204030204" pitchFamily="49" charset="0"/>
               </a:rPr>
-              <a:t>	</a:t>
+              <a:t> </a:t>
             </a:r>
             <a:r>
               <a:rPr lang="de-DE" altLang="de-DE" dirty="0" err="1">
                 <a:latin typeface="Consolas" panose="020B0609020204030204" pitchFamily="49" charset="0"/>
               </a:rPr>
-              <a:t>git</a:t>
+              <a:t>branch</a:t>
             </a:r>
             <a:r>
               <a:rPr lang="de-DE" altLang="de-DE" dirty="0">
                 <a:latin typeface="Consolas" panose="020B0609020204030204" pitchFamily="49" charset="0"/>
               </a:rPr>
-              <a:t> push &lt;remote&gt; &lt;remote-</a:t>
+              <a:t> --set-</a:t>
+            </a:r>
+            <a:r>
+              <a:rPr lang="de-DE" altLang="de-DE" dirty="0" err="1">
+                <a:latin typeface="Consolas" panose="020B0609020204030204" pitchFamily="49" charset="0"/>
+              </a:rPr>
+              <a:t>upstream</a:t>
+            </a:r>
+            <a:r>
+              <a:rPr lang="de-DE" altLang="de-DE" dirty="0">
+                <a:latin typeface="Consolas" panose="020B0609020204030204" pitchFamily="49" charset="0"/>
+              </a:rPr>
+              <a:t> &lt;remote&gt; &lt;</a:t>
             </a:r>
             <a:r>
               <a:rPr lang="de-DE" altLang="de-DE" dirty="0" err="1">
@@ -6107,40 +6391,26 @@
               </a:spcAft>
             </a:pPr>
             <a:r>
+              <a:rPr lang="de-DE" altLang="de-DE" dirty="0">
+                <a:latin typeface="Consolas" panose="020B0609020204030204" pitchFamily="49" charset="0"/>
+              </a:rPr>
+              <a:t>&lt;</a:t>
+            </a:r>
+            <a:r>
+              <a:rPr lang="de-DE" altLang="de-DE" dirty="0" err="1">
+                <a:latin typeface="Consolas" panose="020B0609020204030204" pitchFamily="49" charset="0"/>
+              </a:rPr>
+              <a:t>branch</a:t>
+            </a:r>
+            <a:r>
+              <a:rPr lang="de-DE" altLang="de-DE" dirty="0">
+                <a:latin typeface="Consolas" panose="020B0609020204030204" pitchFamily="49" charset="0"/>
+              </a:rPr>
+              <a:t>&gt; </a:t>
+            </a:r>
+            <a:r>
               <a:rPr lang="de-DE" altLang="de-DE" dirty="0"/>
-              <a:t>Ohne </a:t>
-            </a:r>
-            <a:r>
-              <a:rPr lang="de-DE" altLang="de-DE" dirty="0">
-                <a:latin typeface="Consolas" panose="020B0609020204030204" pitchFamily="49" charset="0"/>
-              </a:rPr>
-              <a:t>&lt;remote&gt;</a:t>
-            </a:r>
-            <a:r>
-              <a:rPr lang="de-DE" altLang="de-DE" dirty="0"/>
-              <a:t> und </a:t>
-            </a:r>
-            <a:r>
-              <a:rPr lang="de-DE" altLang="de-DE" dirty="0">
-                <a:latin typeface="Consolas" panose="020B0609020204030204" pitchFamily="49" charset="0"/>
-              </a:rPr>
-              <a:t>&lt;remote-</a:t>
-            </a:r>
-            <a:r>
-              <a:rPr lang="de-DE" altLang="de-DE" dirty="0" err="1">
-                <a:latin typeface="Consolas" panose="020B0609020204030204" pitchFamily="49" charset="0"/>
-              </a:rPr>
-              <a:t>branch</a:t>
-            </a:r>
-            <a:r>
-              <a:rPr lang="de-DE" altLang="de-DE" dirty="0">
-                <a:latin typeface="Consolas" panose="020B0609020204030204" pitchFamily="49" charset="0"/>
-              </a:rPr>
-              <a:t>&gt;</a:t>
-            </a:r>
-            <a:r>
-              <a:rPr lang="de-DE" altLang="de-DE" dirty="0"/>
-              <a:t> wird konfigurierte Upstream genutzt</a:t>
+              <a:t>ist optional</a:t>
             </a:r>
           </a:p>
           <a:p>
@@ -6151,17 +6421,40 @@
             </a:pPr>
             <a:r>
               <a:rPr lang="de-DE" altLang="de-DE" dirty="0"/>
-              <a:t>Mittels </a:t>
+              <a:t>Verknüpft lokalen Branch mit Remote Branch</a:t>
+            </a:r>
+          </a:p>
+          <a:p>
+            <a:pPr marL="400050">
+              <a:spcAft>
+                <a:spcPts val="300"/>
+              </a:spcAft>
+            </a:pPr>
+            <a:r>
+              <a:rPr lang="de-DE" altLang="de-DE" dirty="0"/>
+              <a:t>Lokaler Branch lässt sich mit </a:t>
+            </a:r>
+            <a:r>
+              <a:rPr lang="de-DE" altLang="de-DE" dirty="0" err="1">
+                <a:latin typeface="Consolas" panose="020B0609020204030204" pitchFamily="49" charset="0"/>
+              </a:rPr>
+              <a:t>git</a:t>
             </a:r>
             <a:r>
               <a:rPr lang="de-DE" altLang="de-DE" dirty="0">
                 <a:latin typeface="Consolas" panose="020B0609020204030204" pitchFamily="49" charset="0"/>
               </a:rPr>
-              <a:t>-u</a:t>
+              <a:t> </a:t>
+            </a:r>
+            <a:r>
+              <a:rPr lang="de-DE" altLang="de-DE" dirty="0" err="1">
+                <a:latin typeface="Consolas" panose="020B0609020204030204" pitchFamily="49" charset="0"/>
+              </a:rPr>
+              <a:t>reset</a:t>
             </a:r>
             <a:r>
               <a:rPr lang="de-DE" altLang="de-DE" dirty="0"/>
-              <a:t> kann auch beim push ein Upstream eingerichtet werden</a:t>
+              <a:t> auf den Remote Branch zurücksetzen</a:t>
             </a:r>
           </a:p>
           <a:p>
@@ -6185,12 +6478,36 @@
               <a:rPr lang="de-DE" altLang="de-DE" dirty="0">
                 <a:latin typeface="Consolas" panose="020B0609020204030204" pitchFamily="49" charset="0"/>
               </a:rPr>
-              <a:t> push -u &lt;remote&gt; &lt;remote-</a:t>
+              <a:t> </a:t>
             </a:r>
             <a:r>
               <a:rPr lang="de-DE" altLang="de-DE" dirty="0" err="1">
                 <a:latin typeface="Consolas" panose="020B0609020204030204" pitchFamily="49" charset="0"/>
               </a:rPr>
+              <a:t>reset</a:t>
+            </a:r>
+            <a:r>
+              <a:rPr lang="de-DE" altLang="de-DE" dirty="0">
+                <a:latin typeface="Consolas" panose="020B0609020204030204" pitchFamily="49" charset="0"/>
+              </a:rPr>
+              <a:t> --</a:t>
+            </a:r>
+            <a:r>
+              <a:rPr lang="de-DE" altLang="de-DE" dirty="0" err="1">
+                <a:latin typeface="Consolas" panose="020B0609020204030204" pitchFamily="49" charset="0"/>
+              </a:rPr>
+              <a:t>hard</a:t>
+            </a:r>
+            <a:r>
+              <a:rPr lang="de-DE" altLang="de-DE" dirty="0">
+                <a:latin typeface="Consolas" panose="020B0609020204030204" pitchFamily="49" charset="0"/>
+              </a:rPr>
+              <a:t> &lt;remote&gt;/&lt;remote-</a:t>
+            </a:r>
+            <a:r>
+              <a:rPr lang="de-DE" altLang="de-DE" dirty="0" err="1">
+                <a:latin typeface="Consolas" panose="020B0609020204030204" pitchFamily="49" charset="0"/>
+              </a:rPr>
               <a:t>branch</a:t>
             </a:r>
             <a:r>
@@ -6199,186 +6516,6 @@
               </a:rPr>
               <a:t>&gt;</a:t>
             </a:r>
-          </a:p>
-          <a:p>
-            <a:pPr marL="800100" lvl="1">
-              <a:spcAft>
-                <a:spcPts val="300"/>
-              </a:spcAft>
-            </a:pPr>
-            <a:r>
-              <a:rPr lang="de-DE" altLang="de-DE" dirty="0"/>
-              <a:t>Kurzform für </a:t>
-            </a:r>
-            <a:r>
-              <a:rPr lang="de-DE" altLang="de-DE" dirty="0" err="1">
-                <a:latin typeface="Consolas" panose="020B0609020204030204" pitchFamily="49" charset="0"/>
-              </a:rPr>
-              <a:t>git</a:t>
-            </a:r>
-            <a:r>
-              <a:rPr lang="de-DE" altLang="de-DE" dirty="0">
-                <a:latin typeface="Consolas" panose="020B0609020204030204" pitchFamily="49" charset="0"/>
-              </a:rPr>
-              <a:t> </a:t>
-            </a:r>
-            <a:r>
-              <a:rPr lang="de-DE" altLang="de-DE" dirty="0" err="1">
-                <a:latin typeface="Consolas" panose="020B0609020204030204" pitchFamily="49" charset="0"/>
-              </a:rPr>
-              <a:t>branch</a:t>
-            </a:r>
-            <a:r>
-              <a:rPr lang="de-DE" altLang="de-DE" dirty="0">
-                <a:latin typeface="Consolas" panose="020B0609020204030204" pitchFamily="49" charset="0"/>
-              </a:rPr>
-              <a:t> --set-</a:t>
-            </a:r>
-            <a:r>
-              <a:rPr lang="de-DE" altLang="de-DE" dirty="0" err="1">
-                <a:latin typeface="Consolas" panose="020B0609020204030204" pitchFamily="49" charset="0"/>
-              </a:rPr>
-              <a:t>upstream</a:t>
-            </a:r>
-            <a:r>
-              <a:rPr lang="de-DE" altLang="de-DE" dirty="0">
-                <a:latin typeface="Consolas" panose="020B0609020204030204" pitchFamily="49" charset="0"/>
-              </a:rPr>
-              <a:t> </a:t>
-            </a:r>
-            <a:r>
-              <a:rPr lang="de-DE" altLang="de-DE" dirty="0"/>
-              <a:t>und </a:t>
-            </a:r>
-            <a:r>
-              <a:rPr lang="de-DE" altLang="de-DE" dirty="0" err="1">
-                <a:latin typeface="Consolas" panose="020B0609020204030204" pitchFamily="49" charset="0"/>
-              </a:rPr>
-              <a:t>git</a:t>
-            </a:r>
-            <a:r>
-              <a:rPr lang="de-DE" altLang="de-DE" dirty="0">
-                <a:latin typeface="Consolas" panose="020B0609020204030204" pitchFamily="49" charset="0"/>
-              </a:rPr>
-              <a:t> push</a:t>
-            </a:r>
-          </a:p>
-          <a:p>
-            <a:pPr marL="800100" lvl="1">
-              <a:spcAft>
-                <a:spcPts val="300"/>
-              </a:spcAft>
-            </a:pPr>
-            <a:r>
-              <a:rPr lang="de-DE" altLang="de-DE" dirty="0"/>
-              <a:t>Üblich bei neuen </a:t>
-            </a:r>
-            <a:r>
-              <a:rPr lang="de-DE" altLang="de-DE" dirty="0" err="1"/>
-              <a:t>Branches</a:t>
-            </a:r>
-            <a:r>
-              <a:rPr lang="de-DE" altLang="de-DE" dirty="0"/>
-              <a:t>, die Remote noch nicht existieren</a:t>
-            </a:r>
-          </a:p>
-          <a:p>
-            <a:pPr marL="400050">
-              <a:spcAft>
-                <a:spcPts val="300"/>
-              </a:spcAft>
-            </a:pPr>
-            <a:r>
-              <a:rPr lang="de-DE" altLang="de-DE" dirty="0">
-                <a:latin typeface="Consolas" panose="020B0609020204030204" pitchFamily="49" charset="0"/>
-              </a:rPr>
-              <a:t>--all </a:t>
-            </a:r>
-            <a:r>
-              <a:rPr lang="de-DE" altLang="de-DE" dirty="0"/>
-              <a:t>ermöglicht pushen von allen </a:t>
-            </a:r>
-            <a:r>
-              <a:rPr lang="de-DE" altLang="de-DE" dirty="0" err="1"/>
-              <a:t>Branches</a:t>
-            </a:r>
-            <a:endParaRPr lang="de-DE" altLang="de-DE" dirty="0"/>
-          </a:p>
-          <a:p>
-            <a:pPr marL="400050">
-              <a:spcAft>
-                <a:spcPts val="300"/>
-              </a:spcAft>
-            </a:pPr>
-            <a:r>
-              <a:rPr lang="de-DE" altLang="de-DE" dirty="0">
-                <a:latin typeface="Consolas" panose="020B0609020204030204" pitchFamily="49" charset="0"/>
-              </a:rPr>
-              <a:t>--tags </a:t>
-            </a:r>
-            <a:r>
-              <a:rPr lang="de-DE" altLang="de-DE" dirty="0" err="1"/>
-              <a:t>pushed</a:t>
-            </a:r>
-            <a:r>
-              <a:rPr lang="de-DE" altLang="de-DE" dirty="0"/>
-              <a:t> zusätzlich zu dem </a:t>
-            </a:r>
-            <a:r>
-              <a:rPr lang="de-DE" altLang="de-DE" dirty="0" err="1"/>
-              <a:t>angebenen</a:t>
-            </a:r>
-            <a:r>
-              <a:rPr lang="de-DE" altLang="de-DE" dirty="0"/>
-              <a:t> Branch alle Tags</a:t>
-            </a:r>
-          </a:p>
-          <a:p>
-            <a:pPr marL="400050">
-              <a:spcAft>
-                <a:spcPts val="300"/>
-              </a:spcAft>
-            </a:pPr>
-            <a:r>
-              <a:rPr lang="de-DE" altLang="de-DE" dirty="0">
-                <a:latin typeface="Consolas" panose="020B0609020204030204" pitchFamily="49" charset="0"/>
-              </a:rPr>
-              <a:t>--</a:t>
-            </a:r>
-            <a:r>
-              <a:rPr lang="de-DE" altLang="de-DE" dirty="0" err="1">
-                <a:latin typeface="Consolas" panose="020B0609020204030204" pitchFamily="49" charset="0"/>
-              </a:rPr>
-              <a:t>force</a:t>
-            </a:r>
-            <a:r>
-              <a:rPr lang="de-DE" altLang="de-DE" dirty="0">
-                <a:latin typeface="Consolas" panose="020B0609020204030204" pitchFamily="49" charset="0"/>
-              </a:rPr>
-              <a:t> </a:t>
-            </a:r>
-            <a:r>
-              <a:rPr lang="de-DE" altLang="de-DE" dirty="0"/>
-              <a:t>oder </a:t>
-            </a:r>
-            <a:r>
-              <a:rPr lang="de-DE" altLang="de-DE" dirty="0">
-                <a:latin typeface="Consolas" panose="020B0609020204030204" pitchFamily="49" charset="0"/>
-              </a:rPr>
-              <a:t>-f</a:t>
-            </a:r>
-            <a:r>
-              <a:rPr lang="de-DE" altLang="de-DE" dirty="0"/>
-              <a:t> ermöglicht Push, auch wenn Commit-Historie nicht zusammenpasst</a:t>
-            </a:r>
-          </a:p>
-          <a:p>
-            <a:pPr marL="800100" lvl="1">
-              <a:spcAft>
-                <a:spcPts val="300"/>
-              </a:spcAft>
-            </a:pPr>
-            <a:endParaRPr lang="de-DE" altLang="de-DE" dirty="0"/>
           </a:p>
         </p:txBody>
       </p:sp>
@@ -6418,6 +6555,446 @@
     </p:spTree>
     <p:extLst>
       <p:ext uri="{BB962C8B-B14F-4D97-AF65-F5344CB8AC3E}">
+        <p14:creationId xmlns:p14="http://schemas.microsoft.com/office/powerpoint/2010/main" val="218934106"/>
+      </p:ext>
+    </p:extLst>
+  </p:cSld>
+  <p:clrMapOvr>
+    <a:masterClrMapping/>
+  </p:clrMapOvr>
+</p:sld>
+</file>
+
+<file path=ppt/slides/slide13.xml><?xml version="1.0" encoding="utf-8"?>
+<p:sld xmlns:a="http://schemas.openxmlformats.org/drawingml/2006/main" xmlns:r="http://schemas.openxmlformats.org/officeDocument/2006/relationships" xmlns:p="http://schemas.openxmlformats.org/presentationml/2006/main">
+  <p:cSld>
+    <p:spTree>
+      <p:nvGrpSpPr>
+        <p:cNvPr id="1" name=""/>
+        <p:cNvGrpSpPr/>
+        <p:nvPr/>
+      </p:nvGrpSpPr>
+      <p:grpSpPr>
+        <a:xfrm>
+          <a:off x="0" y="0"/>
+          <a:ext cx="0" cy="0"/>
+          <a:chOff x="0" y="0"/>
+          <a:chExt cx="0" cy="0"/>
+        </a:xfrm>
+      </p:grpSpPr>
+      <p:sp>
+        <p:nvSpPr>
+          <p:cNvPr id="6146" name="Inhaltsplatzhalter 18">
+            <a:extLst>
+              <a:ext uri="{FF2B5EF4-FFF2-40B4-BE49-F238E27FC236}">
+                <a16:creationId xmlns:a16="http://schemas.microsoft.com/office/drawing/2014/main" id="{BE3C4C95-FD5D-27F0-ED0C-AB8113CAC9F1}"/>
+              </a:ext>
+            </a:extLst>
+          </p:cNvPr>
+          <p:cNvSpPr>
+            <a:spLocks noGrp="1"/>
+          </p:cNvSpPr>
+          <p:nvPr>
+            <p:ph idx="1"/>
+          </p:nvPr>
+        </p:nvSpPr>
+        <p:spPr>
+          <a:xfrm>
+            <a:off x="303213" y="981075"/>
+            <a:ext cx="8517259" cy="5400675"/>
+          </a:xfrm>
+        </p:spPr>
+        <p:txBody>
+          <a:bodyPr/>
+          <a:lstStyle/>
+          <a:p>
+            <a:pPr marL="57150" indent="0">
+              <a:spcBef>
+                <a:spcPts val="600"/>
+              </a:spcBef>
+              <a:spcAft>
+                <a:spcPts val="300"/>
+              </a:spcAft>
+              <a:buNone/>
+            </a:pPr>
+            <a:r>
+              <a:rPr lang="de-DE" altLang="de-DE" b="1" dirty="0"/>
+              <a:t>Push Befehl</a:t>
+            </a:r>
+          </a:p>
+          <a:p>
+            <a:pPr marL="400050">
+              <a:spcBef>
+                <a:spcPts val="600"/>
+              </a:spcBef>
+              <a:spcAft>
+                <a:spcPts val="300"/>
+              </a:spcAft>
+            </a:pPr>
+            <a:r>
+              <a:rPr lang="de-DE" altLang="de-DE" dirty="0"/>
+              <a:t>Lokale Änderungen ins Remote Repository übertragen</a:t>
+            </a:r>
+          </a:p>
+          <a:p>
+            <a:pPr marL="57150" indent="0">
+              <a:spcBef>
+                <a:spcPts val="600"/>
+              </a:spcBef>
+              <a:spcAft>
+                <a:spcPts val="300"/>
+              </a:spcAft>
+              <a:buNone/>
+            </a:pPr>
+            <a:r>
+              <a:rPr lang="de-DE" altLang="de-DE" dirty="0">
+                <a:latin typeface="Consolas" panose="020B0609020204030204" pitchFamily="49" charset="0"/>
+              </a:rPr>
+              <a:t>	</a:t>
+            </a:r>
+            <a:r>
+              <a:rPr lang="de-DE" altLang="de-DE" dirty="0" err="1">
+                <a:latin typeface="Consolas" panose="020B0609020204030204" pitchFamily="49" charset="0"/>
+              </a:rPr>
+              <a:t>git</a:t>
+            </a:r>
+            <a:r>
+              <a:rPr lang="de-DE" altLang="de-DE" dirty="0">
+                <a:latin typeface="Consolas" panose="020B0609020204030204" pitchFamily="49" charset="0"/>
+              </a:rPr>
+              <a:t> push &lt;remote&gt; &lt;remote-</a:t>
+            </a:r>
+            <a:r>
+              <a:rPr lang="de-DE" altLang="de-DE" dirty="0" err="1">
+                <a:latin typeface="Consolas" panose="020B0609020204030204" pitchFamily="49" charset="0"/>
+              </a:rPr>
+              <a:t>branch</a:t>
+            </a:r>
+            <a:r>
+              <a:rPr lang="de-DE" altLang="de-DE" dirty="0">
+                <a:latin typeface="Consolas" panose="020B0609020204030204" pitchFamily="49" charset="0"/>
+              </a:rPr>
+              <a:t>&gt;</a:t>
+            </a:r>
+          </a:p>
+          <a:p>
+            <a:pPr marL="400050">
+              <a:spcAft>
+                <a:spcPts val="300"/>
+              </a:spcAft>
+            </a:pPr>
+            <a:r>
+              <a:rPr lang="de-DE" altLang="de-DE" dirty="0"/>
+              <a:t>Ohne </a:t>
+            </a:r>
+            <a:r>
+              <a:rPr lang="de-DE" altLang="de-DE" dirty="0">
+                <a:latin typeface="Consolas" panose="020B0609020204030204" pitchFamily="49" charset="0"/>
+              </a:rPr>
+              <a:t>&lt;remote&gt;</a:t>
+            </a:r>
+            <a:r>
+              <a:rPr lang="de-DE" altLang="de-DE" dirty="0"/>
+              <a:t> und </a:t>
+            </a:r>
+            <a:r>
+              <a:rPr lang="de-DE" altLang="de-DE" dirty="0">
+                <a:latin typeface="Consolas" panose="020B0609020204030204" pitchFamily="49" charset="0"/>
+              </a:rPr>
+              <a:t>&lt;remote-</a:t>
+            </a:r>
+            <a:r>
+              <a:rPr lang="de-DE" altLang="de-DE" dirty="0" err="1">
+                <a:latin typeface="Consolas" panose="020B0609020204030204" pitchFamily="49" charset="0"/>
+              </a:rPr>
+              <a:t>branch</a:t>
+            </a:r>
+            <a:r>
+              <a:rPr lang="de-DE" altLang="de-DE" dirty="0">
+                <a:latin typeface="Consolas" panose="020B0609020204030204" pitchFamily="49" charset="0"/>
+              </a:rPr>
+              <a:t>&gt;</a:t>
+            </a:r>
+            <a:r>
+              <a:rPr lang="de-DE" altLang="de-DE" dirty="0"/>
+              <a:t> wird konfigurierte Upstream genutzt</a:t>
+            </a:r>
+          </a:p>
+          <a:p>
+            <a:pPr marL="400050">
+              <a:spcAft>
+                <a:spcPts val="300"/>
+              </a:spcAft>
+            </a:pPr>
+            <a:r>
+              <a:rPr lang="de-DE" altLang="de-DE" dirty="0"/>
+              <a:t>Mittels </a:t>
+            </a:r>
+            <a:r>
+              <a:rPr lang="de-DE" altLang="de-DE" dirty="0">
+                <a:latin typeface="Consolas" panose="020B0609020204030204" pitchFamily="49" charset="0"/>
+              </a:rPr>
+              <a:t>-u</a:t>
+            </a:r>
+            <a:r>
+              <a:rPr lang="de-DE" altLang="de-DE" dirty="0"/>
+              <a:t> kann auch beim push ein Upstream eingerichtet werden</a:t>
+            </a:r>
+          </a:p>
+          <a:p>
+            <a:pPr marL="57150" indent="0">
+              <a:spcAft>
+                <a:spcPts val="300"/>
+              </a:spcAft>
+              <a:buNone/>
+            </a:pPr>
+            <a:r>
+              <a:rPr lang="de-DE" altLang="de-DE" dirty="0"/>
+              <a:t>	</a:t>
+            </a:r>
+            <a:r>
+              <a:rPr lang="de-DE" altLang="de-DE" dirty="0" err="1">
+                <a:latin typeface="Consolas" panose="020B0609020204030204" pitchFamily="49" charset="0"/>
+              </a:rPr>
+              <a:t>git</a:t>
+            </a:r>
+            <a:r>
+              <a:rPr lang="de-DE" altLang="de-DE" dirty="0">
+                <a:latin typeface="Consolas" panose="020B0609020204030204" pitchFamily="49" charset="0"/>
+              </a:rPr>
+              <a:t> push -u &lt;remote&gt; &lt;remote-</a:t>
+            </a:r>
+            <a:r>
+              <a:rPr lang="de-DE" altLang="de-DE" dirty="0" err="1">
+                <a:latin typeface="Consolas" panose="020B0609020204030204" pitchFamily="49" charset="0"/>
+              </a:rPr>
+              <a:t>branch</a:t>
+            </a:r>
+            <a:r>
+              <a:rPr lang="de-DE" altLang="de-DE" dirty="0">
+                <a:latin typeface="Consolas" panose="020B0609020204030204" pitchFamily="49" charset="0"/>
+              </a:rPr>
+              <a:t>&gt;</a:t>
+            </a:r>
+          </a:p>
+          <a:p>
+            <a:pPr marL="800100" lvl="1">
+              <a:spcAft>
+                <a:spcPts val="300"/>
+              </a:spcAft>
+            </a:pPr>
+            <a:r>
+              <a:rPr lang="de-DE" altLang="de-DE" dirty="0"/>
+              <a:t>Kurzform für </a:t>
+            </a:r>
+            <a:r>
+              <a:rPr lang="de-DE" altLang="de-DE" dirty="0" err="1">
+                <a:latin typeface="Consolas" panose="020B0609020204030204" pitchFamily="49" charset="0"/>
+              </a:rPr>
+              <a:t>git</a:t>
+            </a:r>
+            <a:r>
+              <a:rPr lang="de-DE" altLang="de-DE" dirty="0">
+                <a:latin typeface="Consolas" panose="020B0609020204030204" pitchFamily="49" charset="0"/>
+              </a:rPr>
+              <a:t> </a:t>
+            </a:r>
+            <a:r>
+              <a:rPr lang="de-DE" altLang="de-DE" dirty="0" err="1">
+                <a:latin typeface="Consolas" panose="020B0609020204030204" pitchFamily="49" charset="0"/>
+              </a:rPr>
+              <a:t>branch</a:t>
+            </a:r>
+            <a:r>
+              <a:rPr lang="de-DE" altLang="de-DE" dirty="0">
+                <a:latin typeface="Consolas" panose="020B0609020204030204" pitchFamily="49" charset="0"/>
+              </a:rPr>
+              <a:t> --set-</a:t>
+            </a:r>
+            <a:r>
+              <a:rPr lang="de-DE" altLang="de-DE" dirty="0" err="1">
+                <a:latin typeface="Consolas" panose="020B0609020204030204" pitchFamily="49" charset="0"/>
+              </a:rPr>
+              <a:t>upstream</a:t>
+            </a:r>
+            <a:r>
+              <a:rPr lang="de-DE" altLang="de-DE" dirty="0">
+                <a:latin typeface="Consolas" panose="020B0609020204030204" pitchFamily="49" charset="0"/>
+              </a:rPr>
+              <a:t> </a:t>
+            </a:r>
+            <a:r>
+              <a:rPr lang="de-DE" altLang="de-DE" dirty="0"/>
+              <a:t>und </a:t>
+            </a:r>
+            <a:r>
+              <a:rPr lang="de-DE" altLang="de-DE" dirty="0" err="1">
+                <a:latin typeface="Consolas" panose="020B0609020204030204" pitchFamily="49" charset="0"/>
+              </a:rPr>
+              <a:t>git</a:t>
+            </a:r>
+            <a:r>
+              <a:rPr lang="de-DE" altLang="de-DE" dirty="0">
+                <a:latin typeface="Consolas" panose="020B0609020204030204" pitchFamily="49" charset="0"/>
+              </a:rPr>
+              <a:t> push</a:t>
+            </a:r>
+          </a:p>
+          <a:p>
+            <a:pPr marL="800100" lvl="1">
+              <a:spcAft>
+                <a:spcPts val="300"/>
+              </a:spcAft>
+            </a:pPr>
+            <a:r>
+              <a:rPr lang="de-DE" altLang="de-DE" dirty="0"/>
+              <a:t>Üblich bei neuen </a:t>
+            </a:r>
+            <a:r>
+              <a:rPr lang="de-DE" altLang="de-DE" dirty="0" err="1"/>
+              <a:t>Branches</a:t>
+            </a:r>
+            <a:r>
+              <a:rPr lang="de-DE" altLang="de-DE" dirty="0"/>
+              <a:t>, die Remote noch nicht existieren</a:t>
+            </a:r>
+          </a:p>
+          <a:p>
+            <a:pPr marL="400050">
+              <a:spcAft>
+                <a:spcPts val="300"/>
+              </a:spcAft>
+            </a:pPr>
+            <a:r>
+              <a:rPr lang="de-DE" altLang="de-DE" dirty="0">
+                <a:latin typeface="Consolas" panose="020B0609020204030204" pitchFamily="49" charset="0"/>
+              </a:rPr>
+              <a:t>--all </a:t>
+            </a:r>
+            <a:r>
+              <a:rPr lang="de-DE" altLang="de-DE" dirty="0"/>
+              <a:t>ermöglicht pushen von allen </a:t>
+            </a:r>
+            <a:r>
+              <a:rPr lang="de-DE" altLang="de-DE" dirty="0" err="1"/>
+              <a:t>Branches</a:t>
+            </a:r>
+            <a:endParaRPr lang="de-DE" altLang="de-DE" dirty="0"/>
+          </a:p>
+          <a:p>
+            <a:pPr marL="400050">
+              <a:spcAft>
+                <a:spcPts val="300"/>
+              </a:spcAft>
+            </a:pPr>
+            <a:r>
+              <a:rPr lang="de-DE" altLang="de-DE" dirty="0">
+                <a:latin typeface="Consolas" panose="020B0609020204030204" pitchFamily="49" charset="0"/>
+              </a:rPr>
+              <a:t>--tags </a:t>
+            </a:r>
+            <a:r>
+              <a:rPr lang="de-DE" altLang="de-DE" dirty="0" err="1"/>
+              <a:t>pushed</a:t>
+            </a:r>
+            <a:r>
+              <a:rPr lang="de-DE" altLang="de-DE" dirty="0"/>
+              <a:t> zusätzlich zu dem </a:t>
+            </a:r>
+            <a:r>
+              <a:rPr lang="de-DE" altLang="de-DE" dirty="0" err="1"/>
+              <a:t>angebenen</a:t>
+            </a:r>
+            <a:r>
+              <a:rPr lang="de-DE" altLang="de-DE" dirty="0"/>
+              <a:t> Branch alle Tags</a:t>
+            </a:r>
+          </a:p>
+          <a:p>
+            <a:pPr marL="400050">
+              <a:spcAft>
+                <a:spcPts val="300"/>
+              </a:spcAft>
+            </a:pPr>
+            <a:r>
+              <a:rPr lang="de-DE" altLang="de-DE" dirty="0">
+                <a:latin typeface="Consolas" panose="020B0609020204030204" pitchFamily="49" charset="0"/>
+              </a:rPr>
+              <a:t>--</a:t>
+            </a:r>
+            <a:r>
+              <a:rPr lang="de-DE" altLang="de-DE" dirty="0" err="1">
+                <a:latin typeface="Consolas" panose="020B0609020204030204" pitchFamily="49" charset="0"/>
+              </a:rPr>
+              <a:t>force</a:t>
+            </a:r>
+            <a:r>
+              <a:rPr lang="de-DE" altLang="de-DE" dirty="0">
+                <a:latin typeface="Consolas" panose="020B0609020204030204" pitchFamily="49" charset="0"/>
+              </a:rPr>
+              <a:t> </a:t>
+            </a:r>
+            <a:r>
+              <a:rPr lang="de-DE" altLang="de-DE" dirty="0"/>
+              <a:t>oder </a:t>
+            </a:r>
+            <a:r>
+              <a:rPr lang="de-DE" altLang="de-DE" dirty="0">
+                <a:latin typeface="Consolas" panose="020B0609020204030204" pitchFamily="49" charset="0"/>
+              </a:rPr>
+              <a:t>-f</a:t>
+            </a:r>
+            <a:r>
+              <a:rPr lang="de-DE" altLang="de-DE" dirty="0"/>
+              <a:t> ermöglicht Push, auch wenn Commit-Historie nicht zusammenpasst</a:t>
+            </a:r>
+          </a:p>
+          <a:p>
+            <a:pPr marL="800100" lvl="1">
+              <a:spcAft>
+                <a:spcPts val="300"/>
+              </a:spcAft>
+            </a:pPr>
+            <a:endParaRPr lang="de-DE" altLang="de-DE" dirty="0"/>
+          </a:p>
+        </p:txBody>
+      </p:sp>
+      <p:sp>
+        <p:nvSpPr>
+          <p:cNvPr id="6147" name="Rectangle 1062">
+            <a:extLst>
+              <a:ext uri="{FF2B5EF4-FFF2-40B4-BE49-F238E27FC236}">
+                <a16:creationId xmlns:a16="http://schemas.microsoft.com/office/drawing/2014/main" id="{C46E9340-3256-8D55-A265-94F2F41E288E}"/>
+              </a:ext>
+            </a:extLst>
+          </p:cNvPr>
+          <p:cNvSpPr>
+            <a:spLocks noGrp="1" noChangeArrowheads="1"/>
+          </p:cNvSpPr>
+          <p:nvPr>
+            <p:ph type="title"/>
+          </p:nvPr>
+        </p:nvSpPr>
+        <p:spPr>
+          <a:xfrm>
+            <a:off x="285750" y="142875"/>
+            <a:ext cx="5654675" cy="706438"/>
+          </a:xfrm>
+        </p:spPr>
+        <p:txBody>
+          <a:bodyPr/>
+          <a:lstStyle/>
+          <a:p>
+            <a:r>
+              <a:rPr lang="de-DE" altLang="de-DE" dirty="0"/>
+              <a:t>Remote Repository</a:t>
+            </a:r>
+          </a:p>
+        </p:txBody>
+      </p:sp>
+    </p:spTree>
+    <p:extLst>
+      <p:ext uri="{BB962C8B-B14F-4D97-AF65-F5344CB8AC3E}">
         <p14:creationId xmlns:p14="http://schemas.microsoft.com/office/powerpoint/2010/main" val="2174251504"/>
       </p:ext>
     </p:extLst>
@@ -6428,7 +7005,7 @@
 </p:sld>
 </file>
 
-<file path=ppt/slides/slide13.xml><?xml version="1.0" encoding="utf-8"?>
+<file path=ppt/slides/slide14.xml><?xml version="1.0" encoding="utf-8"?>
 <p:sld xmlns:a="http://schemas.openxmlformats.org/drawingml/2006/main" xmlns:r="http://schemas.openxmlformats.org/officeDocument/2006/relationships" xmlns:p="http://schemas.openxmlformats.org/presentationml/2006/main">
   <p:cSld>
     <p:spTree>
@@ -6619,7 +7196,132 @@
               <a:buFont typeface="Arial" panose="020B0604020202020204" pitchFamily="34" charset="0"/>
               <a:buChar char="•"/>
             </a:pPr>
-            <a:endParaRPr lang="de-DE" altLang="de-DE" sz="1800" b="1" dirty="0"/>
+            <a:r>
+              <a:rPr lang="de-DE" altLang="de-DE" sz="1800" b="1" dirty="0"/>
+              <a:t>Tag 1 – Einführung in </a:t>
+            </a:r>
+            <a:r>
+              <a:rPr lang="de-DE" altLang="de-DE" sz="1800" b="1" dirty="0" err="1"/>
+              <a:t>Git</a:t>
+            </a:r>
+            <a:r>
+              <a:rPr lang="de-DE" altLang="de-DE" sz="1800" b="1" dirty="0"/>
+              <a:t> und </a:t>
+            </a:r>
+            <a:r>
+              <a:rPr lang="de-DE" altLang="de-DE" sz="1800" b="1" dirty="0" err="1"/>
+              <a:t>GitLab</a:t>
+            </a:r>
+            <a:r>
+              <a:rPr lang="de-DE" altLang="de-DE" sz="1800" b="1" dirty="0"/>
+              <a:t>, </a:t>
+            </a:r>
+            <a:r>
+              <a:rPr lang="de-DE" altLang="de-DE" sz="1800" b="1" dirty="0" err="1"/>
+              <a:t>Git</a:t>
+            </a:r>
+            <a:r>
+              <a:rPr lang="de-DE" altLang="de-DE" sz="1800" b="1" dirty="0"/>
+              <a:t>-Workflow im Team</a:t>
+            </a:r>
+          </a:p>
+          <a:p>
+            <a:pPr lvl="1">
+              <a:buFont typeface="Arial" panose="020B0604020202020204" pitchFamily="34" charset="0"/>
+              <a:buChar char="•"/>
+            </a:pPr>
+            <a:r>
+              <a:rPr lang="de-DE" altLang="de-DE" sz="1400" dirty="0"/>
+              <a:t>Einführung &amp; Kursüberblick</a:t>
+            </a:r>
+          </a:p>
+          <a:p>
+            <a:pPr lvl="1">
+              <a:buFont typeface="Arial" panose="020B0604020202020204" pitchFamily="34" charset="0"/>
+              <a:buChar char="•"/>
+            </a:pPr>
+            <a:r>
+              <a:rPr lang="de-DE" altLang="de-DE" sz="1400" dirty="0"/>
+              <a:t>Grundlagen von </a:t>
+            </a:r>
+            <a:r>
+              <a:rPr lang="de-DE" altLang="de-DE" sz="1400" dirty="0" err="1"/>
+              <a:t>Git</a:t>
+            </a:r>
+            <a:endParaRPr lang="de-DE" altLang="de-DE" sz="1400" dirty="0"/>
+          </a:p>
+          <a:p>
+            <a:pPr lvl="1">
+              <a:buFont typeface="Arial" panose="020B0604020202020204" pitchFamily="34" charset="0"/>
+              <a:buChar char="•"/>
+            </a:pPr>
+            <a:r>
+              <a:rPr lang="de-DE" altLang="de-DE" sz="1400" dirty="0" err="1"/>
+              <a:t>Git</a:t>
+            </a:r>
+            <a:r>
+              <a:rPr lang="de-DE" altLang="de-DE" sz="1400" dirty="0"/>
+              <a:t> </a:t>
+            </a:r>
+            <a:r>
+              <a:rPr lang="de-DE" altLang="de-DE" sz="1400" dirty="0" err="1"/>
+              <a:t>Rebase</a:t>
+            </a:r>
+            <a:r>
+              <a:rPr lang="de-DE" altLang="de-DE" sz="1400" dirty="0"/>
+              <a:t> und </a:t>
+            </a:r>
+            <a:r>
+              <a:rPr lang="de-DE" altLang="de-DE" sz="1400" dirty="0" err="1"/>
+              <a:t>Merge</a:t>
+            </a:r>
+            <a:r>
+              <a:rPr lang="de-DE" altLang="de-DE" sz="1400" dirty="0"/>
+              <a:t>-Strategien</a:t>
+            </a:r>
+          </a:p>
+          <a:p>
+            <a:pPr lvl="1">
+              <a:buFont typeface="Arial" panose="020B0604020202020204" pitchFamily="34" charset="0"/>
+              <a:buChar char="•"/>
+            </a:pPr>
+            <a:r>
+              <a:rPr lang="de-DE" altLang="de-DE" sz="1400" dirty="0" err="1"/>
+              <a:t>Git</a:t>
+            </a:r>
+            <a:r>
+              <a:rPr lang="de-DE" altLang="de-DE" sz="1400" dirty="0"/>
+              <a:t> Remote</a:t>
+            </a:r>
+          </a:p>
+          <a:p>
+            <a:pPr lvl="1">
+              <a:buFont typeface="Arial" panose="020B0604020202020204" pitchFamily="34" charset="0"/>
+              <a:buChar char="•"/>
+            </a:pPr>
+            <a:r>
+              <a:rPr lang="de-DE" altLang="de-DE" sz="1400" dirty="0"/>
+              <a:t>Grundlagen von </a:t>
+            </a:r>
+            <a:r>
+              <a:rPr lang="de-DE" altLang="de-DE" sz="1400" dirty="0" err="1"/>
+              <a:t>GitLab</a:t>
+            </a:r>
+            <a:endParaRPr lang="de-DE" altLang="de-DE" sz="1400" dirty="0"/>
+          </a:p>
+          <a:p>
+            <a:pPr lvl="1">
+              <a:buFont typeface="Arial" panose="020B0604020202020204" pitchFamily="34" charset="0"/>
+              <a:buChar char="•"/>
+            </a:pPr>
+            <a:r>
+              <a:rPr lang="de-DE" altLang="de-DE" sz="1400" dirty="0" err="1"/>
+              <a:t>Git</a:t>
+            </a:r>
+            <a:r>
+              <a:rPr lang="de-DE" altLang="de-DE" sz="1400" dirty="0"/>
+              <a:t>-Workflow im Team</a:t>
+            </a:r>
           </a:p>
           <a:p>
             <a:pPr>
@@ -6628,7 +7330,7 @@
             </a:pPr>
             <a:r>
               <a:rPr lang="de-DE" altLang="de-DE" sz="1800" b="1" dirty="0"/>
-              <a:t>Tag 1 – Einführung in </a:t>
+              <a:t>Tag 2 – Vertiefung </a:t>
             </a:r>
             <a:r>
               <a:rPr lang="de-DE" altLang="de-DE" sz="1800" b="1" dirty="0" err="1"/>
@@ -6636,7 +7338,7 @@
             </a:r>
             <a:r>
               <a:rPr lang="de-DE" altLang="de-DE" sz="1800" b="1" dirty="0"/>
-              <a:t> und </a:t>
+              <a:t>-Workflow, CI/CD &amp; </a:t>
             </a:r>
             <a:r>
               <a:rPr lang="de-DE" altLang="de-DE" sz="1800" b="1" dirty="0" err="1"/>
@@ -6644,15 +7346,7 @@
             </a:r>
             <a:r>
               <a:rPr lang="de-DE" altLang="de-DE" sz="1800" b="1" dirty="0"/>
-              <a:t>, </a:t>
-            </a:r>
-            <a:r>
-              <a:rPr lang="de-DE" altLang="de-DE" sz="1800" b="1" dirty="0" err="1"/>
-              <a:t>Git</a:t>
-            </a:r>
-            <a:r>
-              <a:rPr lang="de-DE" altLang="de-DE" sz="1800" b="1" dirty="0"/>
-              <a:t>-Workflow im Team</a:t>
+              <a:t> CI </a:t>
             </a:r>
           </a:p>
           <a:p>
@@ -6661,8 +7355,12 @@
               <a:buChar char="•"/>
             </a:pPr>
             <a:r>
+              <a:rPr lang="de-DE" altLang="de-DE" sz="1400" dirty="0" err="1"/>
+              <a:t>Gitflow</a:t>
+            </a:r>
+            <a:r>
               <a:rPr lang="de-DE" altLang="de-DE" sz="1400" dirty="0"/>
-              <a:t>Einführung &amp; Kursüberblick</a:t>
+              <a:t>-Workflow</a:t>
             </a:r>
           </a:p>
           <a:p>
@@ -6672,21 +7370,8 @@
             </a:pPr>
             <a:r>
               <a:rPr lang="de-DE" altLang="de-DE" sz="1400" dirty="0"/>
-              <a:t>Grundlagen von </a:t>
-            </a:r>
-            <a:r>
-              <a:rPr lang="de-DE" altLang="de-DE" sz="1400" dirty="0" err="1"/>
-              <a:t>Git</a:t>
-            </a:r>
-            <a:r>
-              <a:rPr lang="de-DE" altLang="de-DE" sz="1400" dirty="0"/>
-              <a:t> und </a:t>
-            </a:r>
-            <a:r>
-              <a:rPr lang="de-DE" altLang="de-DE" sz="1400" dirty="0" err="1"/>
-              <a:t>GitLab</a:t>
-            </a:r>
-            <a:endParaRPr lang="de-DE" altLang="de-DE" sz="1400" dirty="0"/>
+              <a:t>Tags, Releases &amp; deren Verwaltung</a:t>
+            </a:r>
           </a:p>
           <a:p>
             <a:pPr lvl="1">
@@ -6695,27 +7380,11 @@
             </a:pPr>
             <a:r>
               <a:rPr lang="de-DE" altLang="de-DE" sz="1400" dirty="0" err="1"/>
-              <a:t>Git</a:t>
+              <a:t>GitLab</a:t>
             </a:r>
             <a:r>
               <a:rPr lang="de-DE" altLang="de-DE" sz="1400" dirty="0"/>
-              <a:t> </a:t>
-            </a:r>
-            <a:r>
-              <a:rPr lang="de-DE" altLang="de-DE" sz="1400" dirty="0" err="1"/>
-              <a:t>Rebase</a:t>
-            </a:r>
-            <a:r>
-              <a:rPr lang="de-DE" altLang="de-DE" sz="1400" dirty="0"/>
-              <a:t> &amp; </a:t>
-            </a:r>
-            <a:r>
-              <a:rPr lang="de-DE" altLang="de-DE" sz="1400" dirty="0" err="1"/>
-              <a:t>Merge</a:t>
-            </a:r>
-            <a:r>
-              <a:rPr lang="de-DE" altLang="de-DE" sz="1400" dirty="0"/>
-              <a:t>-Strategien</a:t>
+              <a:t>-Runner</a:t>
             </a:r>
           </a:p>
           <a:p>
@@ -6724,12 +7393,47 @@
               <a:buChar char="•"/>
             </a:pPr>
             <a:r>
+              <a:rPr lang="de-DE" altLang="de-DE" sz="1400" dirty="0"/>
+              <a:t>Einführung in </a:t>
+            </a:r>
+            <a:r>
               <a:rPr lang="de-DE" altLang="de-DE" sz="1400" dirty="0" err="1"/>
-              <a:t>Git</a:t>
+              <a:t>GitLab</a:t>
             </a:r>
             <a:r>
               <a:rPr lang="de-DE" altLang="de-DE" sz="1400" dirty="0"/>
-              <a:t>-Workflow im Team</a:t>
+              <a:t> CI/CD &amp; </a:t>
+            </a:r>
+            <a:r>
+              <a:rPr lang="de-DE" altLang="de-DE" sz="1400" dirty="0" err="1"/>
+              <a:t>gitlab.yml</a:t>
+            </a:r>
+            <a:endParaRPr lang="de-DE" altLang="de-DE" sz="1400" dirty="0"/>
+          </a:p>
+          <a:p>
+            <a:pPr>
+              <a:buFont typeface="Arial" panose="020B0604020202020204" pitchFamily="34" charset="0"/>
+              <a:buChar char="•"/>
+            </a:pPr>
+            <a:r>
+              <a:rPr lang="de-DE" altLang="de-DE" sz="1800" b="1" dirty="0"/>
+              <a:t>Tag 3 – </a:t>
+            </a:r>
+            <a:r>
+              <a:rPr lang="de-DE" altLang="de-DE" sz="1800" b="1" dirty="0" err="1"/>
+              <a:t>GitOps</a:t>
+            </a:r>
+            <a:r>
+              <a:rPr lang="de-DE" altLang="de-DE" sz="1800" b="1" dirty="0"/>
+              <a:t>, Docker in der Entwicklung und </a:t>
+            </a:r>
+            <a:r>
+              <a:rPr lang="de-DE" altLang="de-DE" sz="1800" b="1" dirty="0" err="1"/>
+              <a:t>Deployment</a:t>
+            </a:r>
+            <a:r>
+              <a:rPr lang="de-DE" altLang="de-DE" sz="1800" b="1" dirty="0"/>
+              <a:t>-Strategien</a:t>
             </a:r>
           </a:p>
           <a:p>
@@ -6737,30 +7441,14 @@
               <a:buFont typeface="Arial" panose="020B0604020202020204" pitchFamily="34" charset="0"/>
               <a:buChar char="•"/>
             </a:pPr>
-            <a:endParaRPr lang="de-DE" altLang="de-DE" sz="1400" dirty="0"/>
-          </a:p>
-          <a:p>
-            <a:pPr>
-              <a:buFont typeface="Arial" panose="020B0604020202020204" pitchFamily="34" charset="0"/>
-              <a:buChar char="•"/>
-            </a:pPr>
-            <a:r>
-              <a:rPr lang="de-DE" altLang="de-DE" sz="1800" b="1" dirty="0"/>
-              <a:t>Tag 2 – Vertiefung </a:t>
-            </a:r>
-            <a:r>
-              <a:rPr lang="de-DE" altLang="de-DE" sz="1800" b="1" dirty="0" err="1"/>
-              <a:t>Git</a:t>
-            </a:r>
-            <a:r>
-              <a:rPr lang="de-DE" altLang="de-DE" sz="1800" b="1" dirty="0"/>
-              <a:t>-Workflow, CI/CD &amp; </a:t>
-            </a:r>
-            <a:r>
-              <a:rPr lang="de-DE" altLang="de-DE" sz="1800" b="1" dirty="0" err="1"/>
+            <a:r>
+              <a:rPr lang="de-DE" altLang="de-DE" sz="1400" dirty="0" err="1"/>
               <a:t>GitOps</a:t>
             </a:r>
-            <a:endParaRPr lang="de-DE" altLang="de-DE" sz="1800" b="1" dirty="0"/>
+            <a:r>
+              <a:rPr lang="de-DE" altLang="de-DE" sz="1400" dirty="0"/>
+              <a:t> Grundlagen</a:t>
+            </a:r>
           </a:p>
           <a:p>
             <a:pPr lvl="1">
@@ -6768,12 +7456,8 @@
               <a:buChar char="•"/>
             </a:pPr>
             <a:r>
-              <a:rPr lang="de-DE" altLang="de-DE" sz="1400" dirty="0" err="1"/>
-              <a:t>Gitflow</a:t>
-            </a:r>
-            <a:r>
               <a:rPr lang="de-DE" altLang="de-DE" sz="1400" dirty="0"/>
-              <a:t>-Workflow</a:t>
+              <a:t>Lokale Entwicklung mit Docker</a:t>
             </a:r>
           </a:p>
           <a:p>
@@ -6783,7 +7467,7 @@
             </a:pPr>
             <a:r>
               <a:rPr lang="de-DE" altLang="de-DE" sz="1400" dirty="0"/>
-              <a:t>Tags, Releases &amp; deren Verwaltung</a:t>
+              <a:t>Container/Docker-Registry</a:t>
             </a:r>
           </a:p>
           <a:p>
@@ -6793,21 +7477,16 @@
             </a:pPr>
             <a:r>
               <a:rPr lang="de-DE" altLang="de-DE" sz="1400" dirty="0"/>
-              <a:t>Einführung in </a:t>
+              <a:t>Erstellen von Release- und </a:t>
             </a:r>
             <a:r>
               <a:rPr lang="de-DE" altLang="de-DE" sz="1400" dirty="0" err="1"/>
-              <a:t>GitLab</a:t>
+              <a:t>Tagged</a:t>
             </a:r>
             <a:r>
               <a:rPr lang="de-DE" altLang="de-DE" sz="1400" dirty="0"/>
-              <a:t> CI/CD &amp; </a:t>
-            </a:r>
-            <a:r>
-              <a:rPr lang="de-DE" altLang="de-DE" sz="1400" dirty="0" err="1"/>
-              <a:t>gitlab.yml</a:t>
-            </a:r>
-            <a:endParaRPr lang="de-DE" altLang="de-DE" sz="1400" dirty="0"/>
+              <a:t>-Images</a:t>
+            </a:r>
           </a:p>
           <a:p>
             <a:pPr lvl="1">
@@ -6816,105 +7495,25 @@
             </a:pPr>
             <a:r>
               <a:rPr lang="de-DE" altLang="de-DE" sz="1400" dirty="0"/>
-              <a:t>Grundlagen von </a:t>
+              <a:t>Möglichkeiten des </a:t>
             </a:r>
             <a:r>
               <a:rPr lang="de-DE" altLang="de-DE" sz="1400" dirty="0" err="1"/>
-              <a:t>GitOps</a:t>
-            </a:r>
-            <a:endParaRPr lang="de-DE" altLang="de-DE" sz="1400" dirty="0"/>
+              <a:t>Deployments</a:t>
+            </a:r>
+            <a:r>
+              <a:rPr lang="de-DE" altLang="de-DE" sz="1400" dirty="0"/>
+              <a:t> &amp; Verwaltung von Konfiguration</a:t>
+            </a:r>
           </a:p>
           <a:p>
             <a:pPr lvl="1">
               <a:buFont typeface="Arial" panose="020B0604020202020204" pitchFamily="34" charset="0"/>
               <a:buChar char="•"/>
             </a:pPr>
-            <a:endParaRPr lang="de-DE" altLang="de-DE" sz="1400" dirty="0"/>
-          </a:p>
-          <a:p>
-            <a:pPr>
-              <a:buFont typeface="Arial" panose="020B0604020202020204" pitchFamily="34" charset="0"/>
-              <a:buChar char="•"/>
-            </a:pPr>
-            <a:r>
-              <a:rPr lang="de-DE" altLang="de-DE" sz="1800" b="1" dirty="0"/>
-              <a:t>Tag 3 – Docker in der Entwicklung, </a:t>
-            </a:r>
-            <a:r>
-              <a:rPr lang="de-DE" altLang="de-DE" sz="1800" b="1" dirty="0" err="1"/>
-              <a:t>GitLab</a:t>
-            </a:r>
-            <a:r>
-              <a:rPr lang="de-DE" altLang="de-DE" sz="1800" b="1" dirty="0"/>
-              <a:t> CI und </a:t>
-            </a:r>
-            <a:r>
-              <a:rPr lang="de-DE" altLang="de-DE" sz="1800" b="1" dirty="0" err="1"/>
-              <a:t>Deployment</a:t>
-            </a:r>
-            <a:r>
-              <a:rPr lang="de-DE" altLang="de-DE" sz="1800" b="1" dirty="0"/>
-              <a:t>-Strategien</a:t>
-            </a:r>
-          </a:p>
-          <a:p>
-            <a:pPr lvl="1">
-              <a:buFont typeface="Arial" panose="020B0604020202020204" pitchFamily="34" charset="0"/>
-              <a:buChar char="•"/>
-            </a:pPr>
             <a:r>
               <a:rPr lang="de-DE" altLang="de-DE" sz="1400" dirty="0"/>
-              <a:t>Lokale Entwicklung mit Docker</a:t>
-            </a:r>
-          </a:p>
-          <a:p>
-            <a:pPr lvl="1">
-              <a:buFont typeface="Arial" panose="020B0604020202020204" pitchFamily="34" charset="0"/>
-              <a:buChar char="•"/>
-            </a:pPr>
-            <a:r>
-              <a:rPr lang="de-DE" altLang="de-DE" sz="1400" dirty="0" err="1"/>
-              <a:t>GitLab</a:t>
-            </a:r>
-            <a:r>
-              <a:rPr lang="de-DE" altLang="de-DE" sz="1400" dirty="0"/>
-              <a:t>-Runner &amp; Docker-Registry</a:t>
-            </a:r>
-          </a:p>
-          <a:p>
-            <a:pPr lvl="1">
-              <a:buFont typeface="Arial" panose="020B0604020202020204" pitchFamily="34" charset="0"/>
-              <a:buChar char="•"/>
-            </a:pPr>
-            <a:r>
-              <a:rPr lang="de-DE" altLang="de-DE" sz="1400" dirty="0"/>
-              <a:t>Erstellen von Release- und </a:t>
-            </a:r>
-            <a:r>
-              <a:rPr lang="de-DE" altLang="de-DE" sz="1400" dirty="0" err="1"/>
-              <a:t>Tagged</a:t>
-            </a:r>
-            <a:r>
-              <a:rPr lang="de-DE" altLang="de-DE" sz="1400" dirty="0"/>
-              <a:t>-Images</a:t>
-            </a:r>
-          </a:p>
-          <a:p>
-            <a:pPr lvl="1">
-              <a:buFont typeface="Arial" panose="020B0604020202020204" pitchFamily="34" charset="0"/>
-              <a:buChar char="•"/>
-            </a:pPr>
-            <a:r>
-              <a:rPr lang="de-DE" altLang="de-DE" sz="1400" dirty="0"/>
-              <a:t>Möglichkeiten des </a:t>
-            </a:r>
-            <a:r>
-              <a:rPr lang="de-DE" altLang="de-DE" sz="1400" dirty="0" err="1"/>
-              <a:t>Deployments</a:t>
-            </a:r>
-            <a:r>
-              <a:rPr lang="de-DE" altLang="de-DE" sz="1400" dirty="0"/>
-              <a:t> &amp; Verwaltung von Konfiguration</a:t>
+              <a:t>Abschlussübung &amp; Diskussion</a:t>
             </a:r>
           </a:p>
           <a:p>
@@ -6968,85 +7567,6 @@
 </file>
 
 <file path=ppt/slides/slide3.xml><?xml version="1.0" encoding="utf-8"?>
-<p:sld xmlns:a="http://schemas.openxmlformats.org/drawingml/2006/main" xmlns:r="http://schemas.openxmlformats.org/officeDocument/2006/relationships" xmlns:p="http://schemas.openxmlformats.org/presentationml/2006/main">
-  <p:cSld>
-    <p:spTree>
-      <p:nvGrpSpPr>
-        <p:cNvPr id="1" name=""/>
-        <p:cNvGrpSpPr/>
-        <p:nvPr/>
-      </p:nvGrpSpPr>
-      <p:grpSpPr>
-        <a:xfrm>
-          <a:off x="0" y="0"/>
-          <a:ext cx="0" cy="0"/>
-          <a:chOff x="0" y="0"/>
-          <a:chExt cx="0" cy="0"/>
-        </a:xfrm>
-      </p:grpSpPr>
-      <p:sp>
-        <p:nvSpPr>
-          <p:cNvPr id="2" name="Titel 1"/>
-          <p:cNvSpPr>
-            <a:spLocks noGrp="1"/>
-          </p:cNvSpPr>
-          <p:nvPr>
-            <p:ph type="title"/>
-          </p:nvPr>
-        </p:nvSpPr>
-        <p:spPr/>
-        <p:txBody>
-          <a:bodyPr/>
-          <a:lstStyle/>
-          <a:p>
-            <a:r>
-              <a:rPr lang="de-DE" cap="none" dirty="0"/>
-              <a:t>Remote Repository</a:t>
-            </a:r>
-          </a:p>
-        </p:txBody>
-      </p:sp>
-      <p:sp>
-        <p:nvSpPr>
-          <p:cNvPr id="3" name="Untertitel 2"/>
-          <p:cNvSpPr>
-            <a:spLocks noGrp="1"/>
-          </p:cNvSpPr>
-          <p:nvPr>
-            <p:ph type="body" idx="1"/>
-          </p:nvPr>
-        </p:nvSpPr>
-        <p:spPr/>
-        <p:txBody>
-          <a:bodyPr/>
-          <a:lstStyle/>
-          <a:p>
-            <a:r>
-              <a:rPr lang="de-DE" dirty="0"/>
-              <a:t>Arbeiten mit einem </a:t>
-            </a:r>
-            <a:r>
-              <a:rPr lang="de-DE" dirty="0" err="1"/>
-              <a:t>Git</a:t>
-            </a:r>
-            <a:endParaRPr lang="de-DE" dirty="0"/>
-          </a:p>
-        </p:txBody>
-      </p:sp>
-    </p:spTree>
-    <p:extLst>
-      <p:ext uri="{BB962C8B-B14F-4D97-AF65-F5344CB8AC3E}">
-        <p14:creationId xmlns:p14="http://schemas.microsoft.com/office/powerpoint/2010/main" val="3092047359"/>
-      </p:ext>
-    </p:extLst>
-  </p:cSld>
-  <p:clrMapOvr>
-    <a:masterClrMapping/>
-  </p:clrMapOvr>
-</p:sld>
-</file>
-
-<file path=ppt/slides/slide4.xml><?xml version="1.0" encoding="utf-8"?>
 <p:sld xmlns:a="http://schemas.openxmlformats.org/drawingml/2006/main" xmlns:r="http://schemas.openxmlformats.org/officeDocument/2006/relationships" xmlns:p="http://schemas.openxmlformats.org/presentationml/2006/main">
   <p:cSld>
     <p:spTree>
@@ -7079,182 +7599,341 @@
             <p:ph idx="1"/>
           </p:nvPr>
         </p:nvSpPr>
-        <p:spPr>
-          <a:xfrm>
-            <a:off x="303214" y="981075"/>
-            <a:ext cx="8517258" cy="5400675"/>
-          </a:xfrm>
-        </p:spPr>
+        <p:spPr/>
         <p:txBody>
           <a:bodyPr/>
           <a:lstStyle/>
           <a:p>
-            <a:r>
-              <a:rPr lang="de-DE" altLang="de-DE" dirty="0"/>
-              <a:t>Remote Repository ist eine zentrale Komponente in der Nutzung von </a:t>
-            </a:r>
-            <a:r>
-              <a:rPr lang="de-DE" altLang="de-DE" dirty="0" err="1"/>
+            <a:pPr>
+              <a:buFont typeface="Arial" panose="020B0604020202020204" pitchFamily="34" charset="0"/>
+              <a:buChar char="•"/>
+            </a:pPr>
+            <a:r>
+              <a:rPr lang="de-DE" altLang="de-DE" sz="1800" b="1" dirty="0"/>
+              <a:t>Tag 1 – Einführung in </a:t>
+            </a:r>
+            <a:r>
+              <a:rPr lang="de-DE" altLang="de-DE" sz="1800" b="1" dirty="0" err="1"/>
               <a:t>Git</a:t>
             </a:r>
             <a:r>
-              <a:rPr lang="de-DE" altLang="de-DE" dirty="0"/>
-              <a:t> mit mehreren Personen</a:t>
-            </a:r>
-          </a:p>
-          <a:p>
-            <a:r>
-              <a:rPr lang="de-DE" altLang="de-DE" dirty="0">
-                <a:sym typeface="Wingdings" panose="05000000000000000000" pitchFamily="2" charset="2"/>
-              </a:rPr>
-              <a:t>Oft einfach als Remote bezeichnet</a:t>
-            </a:r>
-          </a:p>
-          <a:p>
-            <a:r>
-              <a:rPr lang="de-DE" altLang="de-DE" dirty="0">
-                <a:sym typeface="Wingdings" panose="05000000000000000000" pitchFamily="2" charset="2"/>
-              </a:rPr>
-              <a:t>Wird im Netzwerk gehostet</a:t>
-            </a:r>
-          </a:p>
-          <a:p>
-            <a:pPr lvl="1"/>
-            <a:r>
-              <a:rPr lang="de-DE" altLang="de-DE" dirty="0">
-                <a:sym typeface="Wingdings" panose="05000000000000000000" pitchFamily="2" charset="2"/>
-              </a:rPr>
-              <a:t>Einfaches </a:t>
-            </a:r>
-            <a:r>
-              <a:rPr lang="de-DE" altLang="de-DE" dirty="0" err="1">
-                <a:sym typeface="Wingdings" panose="05000000000000000000" pitchFamily="2" charset="2"/>
-              </a:rPr>
+              <a:rPr lang="de-DE" altLang="de-DE" sz="1800" b="1" dirty="0"/>
+              <a:t> und </a:t>
+            </a:r>
+            <a:r>
+              <a:rPr lang="de-DE" altLang="de-DE" sz="1800" b="1" dirty="0" err="1"/>
+              <a:t>GitLab</a:t>
+            </a:r>
+            <a:r>
+              <a:rPr lang="de-DE" altLang="de-DE" sz="1800" b="1" dirty="0"/>
+              <a:t>, </a:t>
+            </a:r>
+            <a:r>
+              <a:rPr lang="de-DE" altLang="de-DE" sz="1800" b="1" dirty="0" err="1"/>
               <a:t>Git</a:t>
             </a:r>
             <a:r>
-              <a:rPr lang="de-DE" altLang="de-DE" dirty="0">
-                <a:sym typeface="Wingdings" panose="05000000000000000000" pitchFamily="2" charset="2"/>
-              </a:rPr>
-              <a:t> Repository auf eigenem Server</a:t>
-            </a:r>
-          </a:p>
-          <a:p>
-            <a:pPr lvl="1"/>
-            <a:r>
-              <a:rPr lang="de-DE" altLang="de-DE" dirty="0">
-                <a:sym typeface="Wingdings" panose="05000000000000000000" pitchFamily="2" charset="2"/>
-              </a:rPr>
-              <a:t>Konzepte wie </a:t>
-            </a:r>
-            <a:r>
-              <a:rPr lang="de-DE" altLang="de-DE" dirty="0" err="1">
-                <a:sym typeface="Wingdings" panose="05000000000000000000" pitchFamily="2" charset="2"/>
-              </a:rPr>
+              <a:rPr lang="de-DE" altLang="de-DE" sz="1800" b="1" dirty="0"/>
+              <a:t>-Workflow im Team</a:t>
+            </a:r>
+          </a:p>
+          <a:p>
+            <a:pPr lvl="1">
+              <a:buFont typeface="Arial" panose="020B0604020202020204" pitchFamily="34" charset="0"/>
+              <a:buChar char="•"/>
+            </a:pPr>
+            <a:r>
+              <a:rPr lang="de-DE" altLang="de-DE" sz="1400" dirty="0"/>
+              <a:t>Einführung &amp; Kursüberblick</a:t>
+            </a:r>
+          </a:p>
+          <a:p>
+            <a:pPr lvl="1">
+              <a:buFont typeface="Arial" panose="020B0604020202020204" pitchFamily="34" charset="0"/>
+              <a:buChar char="•"/>
+            </a:pPr>
+            <a:r>
+              <a:rPr lang="de-DE" altLang="de-DE" sz="1400" dirty="0"/>
+              <a:t>Grundlagen von </a:t>
+            </a:r>
+            <a:r>
+              <a:rPr lang="de-DE" altLang="de-DE" sz="1400" dirty="0" err="1"/>
+              <a:t>Git</a:t>
+            </a:r>
+            <a:endParaRPr lang="de-DE" altLang="de-DE" sz="1400" dirty="0"/>
+          </a:p>
+          <a:p>
+            <a:pPr lvl="1">
+              <a:buFont typeface="Arial" panose="020B0604020202020204" pitchFamily="34" charset="0"/>
+              <a:buChar char="•"/>
+            </a:pPr>
+            <a:r>
+              <a:rPr lang="de-DE" altLang="de-DE" sz="1400" dirty="0" err="1"/>
+              <a:t>Git</a:t>
+            </a:r>
+            <a:r>
+              <a:rPr lang="de-DE" altLang="de-DE" sz="1400" dirty="0"/>
+              <a:t> </a:t>
+            </a:r>
+            <a:r>
+              <a:rPr lang="de-DE" altLang="de-DE" sz="1400" dirty="0" err="1"/>
+              <a:t>Rebase</a:t>
+            </a:r>
+            <a:r>
+              <a:rPr lang="de-DE" altLang="de-DE" sz="1400" dirty="0"/>
+              <a:t> und </a:t>
+            </a:r>
+            <a:r>
+              <a:rPr lang="de-DE" altLang="de-DE" sz="1400" dirty="0" err="1"/>
+              <a:t>Merge</a:t>
+            </a:r>
+            <a:r>
+              <a:rPr lang="de-DE" altLang="de-DE" sz="1400" dirty="0"/>
+              <a:t>-Strategien</a:t>
+            </a:r>
+          </a:p>
+          <a:p>
+            <a:pPr lvl="1">
+              <a:buFont typeface="Arial" panose="020B0604020202020204" pitchFamily="34" charset="0"/>
+              <a:buChar char="•"/>
+            </a:pPr>
+            <a:r>
+              <a:rPr lang="de-DE" altLang="de-DE" sz="1400" u="sng" dirty="0" err="1"/>
+              <a:t>Git</a:t>
+            </a:r>
+            <a:r>
+              <a:rPr lang="de-DE" altLang="de-DE" sz="1400" u="sng" dirty="0"/>
+              <a:t> Remote</a:t>
+            </a:r>
+          </a:p>
+          <a:p>
+            <a:pPr lvl="1">
+              <a:buFont typeface="Arial" panose="020B0604020202020204" pitchFamily="34" charset="0"/>
+              <a:buChar char="•"/>
+            </a:pPr>
+            <a:r>
+              <a:rPr lang="de-DE" altLang="de-DE" sz="1400" dirty="0"/>
+              <a:t>Grundlagen von </a:t>
+            </a:r>
+            <a:r>
+              <a:rPr lang="de-DE" altLang="de-DE" sz="1400" dirty="0" err="1"/>
               <a:t>GitLab</a:t>
             </a:r>
-            <a:r>
-              <a:rPr lang="de-DE" altLang="de-DE" dirty="0">
-                <a:sym typeface="Wingdings" panose="05000000000000000000" pitchFamily="2" charset="2"/>
-              </a:rPr>
-              <a:t>, GitHub, </a:t>
-            </a:r>
-            <a:r>
-              <a:rPr lang="de-DE" altLang="de-DE" dirty="0" err="1">
-                <a:sym typeface="Wingdings" panose="05000000000000000000" pitchFamily="2" charset="2"/>
-              </a:rPr>
-              <a:t>BitBucket</a:t>
-            </a:r>
-            <a:r>
-              <a:rPr lang="de-DE" altLang="de-DE" dirty="0">
-                <a:sym typeface="Wingdings" panose="05000000000000000000" pitchFamily="2" charset="2"/>
-              </a:rPr>
-              <a:t> usw. ergänzen Hosting um viele Features</a:t>
-            </a:r>
-          </a:p>
-          <a:p>
-            <a:r>
-              <a:rPr lang="de-DE" altLang="de-DE" dirty="0">
-                <a:sym typeface="Wingdings" panose="05000000000000000000" pitchFamily="2" charset="2"/>
-              </a:rPr>
-              <a:t>Unterscheidet sich technisch nicht von einem lokalen Repository</a:t>
-            </a:r>
-          </a:p>
-          <a:p>
-            <a:pPr lvl="1"/>
-            <a:r>
-              <a:rPr lang="de-DE" altLang="de-DE" dirty="0">
-                <a:sym typeface="Wingdings" panose="05000000000000000000" pitchFamily="2" charset="2"/>
-              </a:rPr>
-              <a:t>Remote </a:t>
-            </a:r>
-            <a:r>
-              <a:rPr lang="de-DE" altLang="de-DE" dirty="0" err="1">
-                <a:sym typeface="Wingdings" panose="05000000000000000000" pitchFamily="2" charset="2"/>
-              </a:rPr>
-              <a:t>Repositories</a:t>
-            </a:r>
-            <a:r>
-              <a:rPr lang="de-DE" altLang="de-DE" dirty="0">
-                <a:sym typeface="Wingdings" panose="05000000000000000000" pitchFamily="2" charset="2"/>
-              </a:rPr>
-              <a:t> sind häufig </a:t>
-            </a:r>
-            <a:r>
-              <a:rPr lang="de-DE" altLang="de-DE" b="1" dirty="0">
-                <a:sym typeface="Wingdings" panose="05000000000000000000" pitchFamily="2" charset="2"/>
-              </a:rPr>
-              <a:t>Bare</a:t>
-            </a:r>
-            <a:r>
-              <a:rPr lang="de-DE" altLang="de-DE" dirty="0">
-                <a:sym typeface="Wingdings" panose="05000000000000000000" pitchFamily="2" charset="2"/>
-              </a:rPr>
-              <a:t> </a:t>
-            </a:r>
-            <a:r>
-              <a:rPr lang="de-DE" altLang="de-DE" dirty="0" err="1">
-                <a:sym typeface="Wingdings" panose="05000000000000000000" pitchFamily="2" charset="2"/>
-              </a:rPr>
-              <a:t>Repositories</a:t>
-            </a:r>
-            <a:endParaRPr lang="de-DE" altLang="de-DE" dirty="0">
-              <a:sym typeface="Wingdings" panose="05000000000000000000" pitchFamily="2" charset="2"/>
-            </a:endParaRPr>
-          </a:p>
-          <a:p>
-            <a:r>
-              <a:rPr lang="de-DE" altLang="de-DE" dirty="0">
-                <a:sym typeface="Wingdings" panose="05000000000000000000" pitchFamily="2" charset="2"/>
-              </a:rPr>
-              <a:t>Mehrere </a:t>
-            </a:r>
-            <a:r>
-              <a:rPr lang="de-DE" altLang="de-DE" dirty="0" err="1">
-                <a:sym typeface="Wingdings" panose="05000000000000000000" pitchFamily="2" charset="2"/>
-              </a:rPr>
-              <a:t>Remotes</a:t>
-            </a:r>
-            <a:r>
-              <a:rPr lang="de-DE" altLang="de-DE" dirty="0">
-                <a:sym typeface="Wingdings" panose="05000000000000000000" pitchFamily="2" charset="2"/>
-              </a:rPr>
-              <a:t> zu einem lokalen Repository möglich</a:t>
-            </a:r>
-          </a:p>
-          <a:p>
-            <a:pPr lvl="1"/>
-            <a:endParaRPr lang="de-DE" altLang="de-DE" dirty="0">
-              <a:sym typeface="Wingdings" panose="05000000000000000000" pitchFamily="2" charset="2"/>
-            </a:endParaRPr>
-          </a:p>
-          <a:p>
-            <a:pPr marL="358775" indent="0">
-              <a:buNone/>
-            </a:pPr>
-            <a:endParaRPr lang="de-DE" altLang="de-DE" dirty="0">
-              <a:sym typeface="Wingdings" panose="05000000000000000000" pitchFamily="2" charset="2"/>
-            </a:endParaRPr>
+            <a:endParaRPr lang="de-DE" altLang="de-DE" sz="1400" dirty="0"/>
+          </a:p>
+          <a:p>
+            <a:pPr lvl="1">
+              <a:buFont typeface="Arial" panose="020B0604020202020204" pitchFamily="34" charset="0"/>
+              <a:buChar char="•"/>
+            </a:pPr>
+            <a:r>
+              <a:rPr lang="de-DE" altLang="de-DE" sz="1400" dirty="0" err="1"/>
+              <a:t>Git</a:t>
+            </a:r>
+            <a:r>
+              <a:rPr lang="de-DE" altLang="de-DE" sz="1400" dirty="0"/>
+              <a:t>-Workflow im Team</a:t>
+            </a:r>
+          </a:p>
+          <a:p>
+            <a:pPr>
+              <a:buFont typeface="Arial" panose="020B0604020202020204" pitchFamily="34" charset="0"/>
+              <a:buChar char="•"/>
+            </a:pPr>
+            <a:r>
+              <a:rPr lang="de-DE" altLang="de-DE" sz="1800" b="1" dirty="0"/>
+              <a:t>Tag 2 – Vertiefung </a:t>
+            </a:r>
+            <a:r>
+              <a:rPr lang="de-DE" altLang="de-DE" sz="1800" b="1" dirty="0" err="1"/>
+              <a:t>Git</a:t>
+            </a:r>
+            <a:r>
+              <a:rPr lang="de-DE" altLang="de-DE" sz="1800" b="1" dirty="0"/>
+              <a:t>-Workflow, CI/CD &amp; </a:t>
+            </a:r>
+            <a:r>
+              <a:rPr lang="de-DE" altLang="de-DE" sz="1800" b="1" dirty="0" err="1"/>
+              <a:t>GitLab</a:t>
+            </a:r>
+            <a:r>
+              <a:rPr lang="de-DE" altLang="de-DE" sz="1800" b="1" dirty="0"/>
+              <a:t> CI </a:t>
+            </a:r>
+          </a:p>
+          <a:p>
+            <a:pPr lvl="1">
+              <a:buFont typeface="Arial" panose="020B0604020202020204" pitchFamily="34" charset="0"/>
+              <a:buChar char="•"/>
+            </a:pPr>
+            <a:r>
+              <a:rPr lang="de-DE" altLang="de-DE" sz="1400" dirty="0" err="1"/>
+              <a:t>Gitflow</a:t>
+            </a:r>
+            <a:r>
+              <a:rPr lang="de-DE" altLang="de-DE" sz="1400" dirty="0"/>
+              <a:t>-Workflow</a:t>
+            </a:r>
+          </a:p>
+          <a:p>
+            <a:pPr lvl="1">
+              <a:buFont typeface="Arial" panose="020B0604020202020204" pitchFamily="34" charset="0"/>
+              <a:buChar char="•"/>
+            </a:pPr>
+            <a:r>
+              <a:rPr lang="de-DE" altLang="de-DE" sz="1400" dirty="0"/>
+              <a:t>Tags, Releases &amp; deren Verwaltung</a:t>
+            </a:r>
+          </a:p>
+          <a:p>
+            <a:pPr lvl="1">
+              <a:buFont typeface="Arial" panose="020B0604020202020204" pitchFamily="34" charset="0"/>
+              <a:buChar char="•"/>
+            </a:pPr>
+            <a:r>
+              <a:rPr lang="de-DE" altLang="de-DE" sz="1400" dirty="0" err="1"/>
+              <a:t>GitLab</a:t>
+            </a:r>
+            <a:r>
+              <a:rPr lang="de-DE" altLang="de-DE" sz="1400" dirty="0"/>
+              <a:t>-Runner</a:t>
+            </a:r>
+          </a:p>
+          <a:p>
+            <a:pPr lvl="1">
+              <a:buFont typeface="Arial" panose="020B0604020202020204" pitchFamily="34" charset="0"/>
+              <a:buChar char="•"/>
+            </a:pPr>
+            <a:r>
+              <a:rPr lang="de-DE" altLang="de-DE" sz="1400" dirty="0"/>
+              <a:t>Einführung in </a:t>
+            </a:r>
+            <a:r>
+              <a:rPr lang="de-DE" altLang="de-DE" sz="1400" dirty="0" err="1"/>
+              <a:t>GitLab</a:t>
+            </a:r>
+            <a:r>
+              <a:rPr lang="de-DE" altLang="de-DE" sz="1400" dirty="0"/>
+              <a:t> CI/CD &amp; </a:t>
+            </a:r>
+            <a:r>
+              <a:rPr lang="de-DE" altLang="de-DE" sz="1400" dirty="0" err="1"/>
+              <a:t>gitlab.yml</a:t>
+            </a:r>
+            <a:endParaRPr lang="de-DE" altLang="de-DE" sz="1400" dirty="0"/>
+          </a:p>
+          <a:p>
+            <a:pPr>
+              <a:buFont typeface="Arial" panose="020B0604020202020204" pitchFamily="34" charset="0"/>
+              <a:buChar char="•"/>
+            </a:pPr>
+            <a:r>
+              <a:rPr lang="de-DE" altLang="de-DE" sz="1800" b="1" dirty="0"/>
+              <a:t>Tag 3 – </a:t>
+            </a:r>
+            <a:r>
+              <a:rPr lang="de-DE" altLang="de-DE" sz="1800" b="1" dirty="0" err="1"/>
+              <a:t>GitOps</a:t>
+            </a:r>
+            <a:r>
+              <a:rPr lang="de-DE" altLang="de-DE" sz="1800" b="1" dirty="0"/>
+              <a:t>, Docker in der Entwicklung und </a:t>
+            </a:r>
+            <a:r>
+              <a:rPr lang="de-DE" altLang="de-DE" sz="1800" b="1" dirty="0" err="1"/>
+              <a:t>Deployment</a:t>
+            </a:r>
+            <a:r>
+              <a:rPr lang="de-DE" altLang="de-DE" sz="1800" b="1" dirty="0"/>
+              <a:t>-Strategien</a:t>
+            </a:r>
+          </a:p>
+          <a:p>
+            <a:pPr lvl="1">
+              <a:buFont typeface="Arial" panose="020B0604020202020204" pitchFamily="34" charset="0"/>
+              <a:buChar char="•"/>
+            </a:pPr>
+            <a:r>
+              <a:rPr lang="de-DE" altLang="de-DE" sz="1400" dirty="0" err="1"/>
+              <a:t>GitOps</a:t>
+            </a:r>
+            <a:r>
+              <a:rPr lang="de-DE" altLang="de-DE" sz="1400" dirty="0"/>
+              <a:t> Grundlagen</a:t>
+            </a:r>
+          </a:p>
+          <a:p>
+            <a:pPr lvl="1">
+              <a:buFont typeface="Arial" panose="020B0604020202020204" pitchFamily="34" charset="0"/>
+              <a:buChar char="•"/>
+            </a:pPr>
+            <a:r>
+              <a:rPr lang="de-DE" altLang="de-DE" sz="1400" dirty="0"/>
+              <a:t>Lokale Entwicklung mit Docker</a:t>
+            </a:r>
+          </a:p>
+          <a:p>
+            <a:pPr lvl="1">
+              <a:buFont typeface="Arial" panose="020B0604020202020204" pitchFamily="34" charset="0"/>
+              <a:buChar char="•"/>
+            </a:pPr>
+            <a:r>
+              <a:rPr lang="de-DE" altLang="de-DE" sz="1400" dirty="0"/>
+              <a:t>Container/Docker-Registry</a:t>
+            </a:r>
+          </a:p>
+          <a:p>
+            <a:pPr lvl="1">
+              <a:buFont typeface="Arial" panose="020B0604020202020204" pitchFamily="34" charset="0"/>
+              <a:buChar char="•"/>
+            </a:pPr>
+            <a:r>
+              <a:rPr lang="de-DE" altLang="de-DE" sz="1400" dirty="0"/>
+              <a:t>Erstellen von Release- und </a:t>
+            </a:r>
+            <a:r>
+              <a:rPr lang="de-DE" altLang="de-DE" sz="1400" dirty="0" err="1"/>
+              <a:t>Tagged</a:t>
+            </a:r>
+            <a:r>
+              <a:rPr lang="de-DE" altLang="de-DE" sz="1400" dirty="0"/>
+              <a:t>-Images</a:t>
+            </a:r>
+          </a:p>
+          <a:p>
+            <a:pPr lvl="1">
+              <a:buFont typeface="Arial" panose="020B0604020202020204" pitchFamily="34" charset="0"/>
+              <a:buChar char="•"/>
+            </a:pPr>
+            <a:r>
+              <a:rPr lang="de-DE" altLang="de-DE" sz="1400" dirty="0"/>
+              <a:t>Möglichkeiten des </a:t>
+            </a:r>
+            <a:r>
+              <a:rPr lang="de-DE" altLang="de-DE" sz="1400" dirty="0" err="1"/>
+              <a:t>Deployments</a:t>
+            </a:r>
+            <a:r>
+              <a:rPr lang="de-DE" altLang="de-DE" sz="1400" dirty="0"/>
+              <a:t> &amp; Verwaltung von Konfiguration</a:t>
+            </a:r>
+          </a:p>
+          <a:p>
+            <a:pPr lvl="1">
+              <a:buFont typeface="Arial" panose="020B0604020202020204" pitchFamily="34" charset="0"/>
+              <a:buChar char="•"/>
+            </a:pPr>
+            <a:r>
+              <a:rPr lang="de-DE" altLang="de-DE" sz="1400" dirty="0"/>
+              <a:t>Abschlussübung &amp; Diskussion</a:t>
+            </a:r>
+          </a:p>
+          <a:p>
+            <a:pPr lvl="1">
+              <a:buFont typeface="Arial" panose="020B0604020202020204" pitchFamily="34" charset="0"/>
+              <a:buChar char="•"/>
+            </a:pPr>
+            <a:endParaRPr lang="de-DE" altLang="de-DE" sz="1400" dirty="0"/>
           </a:p>
         </p:txBody>
       </p:sp>
@@ -7286,15 +7965,89 @@
           <a:p>
             <a:r>
               <a:rPr lang="de-DE" altLang="de-DE" dirty="0"/>
+              <a:t>Agenda</a:t>
+            </a:r>
+          </a:p>
+        </p:txBody>
+      </p:sp>
+    </p:spTree>
+  </p:cSld>
+  <p:clrMapOvr>
+    <a:masterClrMapping/>
+  </p:clrMapOvr>
+</p:sld>
+</file>
+
+<file path=ppt/slides/slide4.xml><?xml version="1.0" encoding="utf-8"?>
+<p:sld xmlns:a="http://schemas.openxmlformats.org/drawingml/2006/main" xmlns:r="http://schemas.openxmlformats.org/officeDocument/2006/relationships" xmlns:p="http://schemas.openxmlformats.org/presentationml/2006/main">
+  <p:cSld>
+    <p:spTree>
+      <p:nvGrpSpPr>
+        <p:cNvPr id="1" name=""/>
+        <p:cNvGrpSpPr/>
+        <p:nvPr/>
+      </p:nvGrpSpPr>
+      <p:grpSpPr>
+        <a:xfrm>
+          <a:off x="0" y="0"/>
+          <a:ext cx="0" cy="0"/>
+          <a:chOff x="0" y="0"/>
+          <a:chExt cx="0" cy="0"/>
+        </a:xfrm>
+      </p:grpSpPr>
+      <p:sp>
+        <p:nvSpPr>
+          <p:cNvPr id="2" name="Titel 1"/>
+          <p:cNvSpPr>
+            <a:spLocks noGrp="1"/>
+          </p:cNvSpPr>
+          <p:nvPr>
+            <p:ph type="title"/>
+          </p:nvPr>
+        </p:nvSpPr>
+        <p:spPr/>
+        <p:txBody>
+          <a:bodyPr/>
+          <a:lstStyle/>
+          <a:p>
+            <a:r>
+              <a:rPr lang="de-DE" cap="none" dirty="0"/>
               <a:t>Remote Repository</a:t>
             </a:r>
+          </a:p>
+        </p:txBody>
+      </p:sp>
+      <p:sp>
+        <p:nvSpPr>
+          <p:cNvPr id="3" name="Untertitel 2"/>
+          <p:cNvSpPr>
+            <a:spLocks noGrp="1"/>
+          </p:cNvSpPr>
+          <p:nvPr>
+            <p:ph type="body" idx="1"/>
+          </p:nvPr>
+        </p:nvSpPr>
+        <p:spPr/>
+        <p:txBody>
+          <a:bodyPr/>
+          <a:lstStyle/>
+          <a:p>
+            <a:r>
+              <a:rPr lang="de-DE" dirty="0"/>
+              <a:t>Arbeiten mit einem </a:t>
+            </a:r>
+            <a:r>
+              <a:rPr lang="de-DE" dirty="0" err="1"/>
+              <a:t>Git</a:t>
+            </a:r>
+            <a:endParaRPr lang="de-DE" dirty="0"/>
           </a:p>
         </p:txBody>
       </p:sp>
     </p:spTree>
     <p:extLst>
       <p:ext uri="{BB962C8B-B14F-4D97-AF65-F5344CB8AC3E}">
-        <p14:creationId xmlns:p14="http://schemas.microsoft.com/office/powerpoint/2010/main" val="123332739"/>
+        <p14:creationId xmlns:p14="http://schemas.microsoft.com/office/powerpoint/2010/main" val="3092047359"/>
       </p:ext>
     </p:extLst>
   </p:cSld>
@@ -7339,264 +8092,180 @@
         </p:nvSpPr>
         <p:spPr>
           <a:xfrm>
-            <a:off x="303213" y="981075"/>
-            <a:ext cx="8517259" cy="5400675"/>
+            <a:off x="303214" y="981075"/>
+            <a:ext cx="8517258" cy="5400675"/>
           </a:xfrm>
         </p:spPr>
         <p:txBody>
           <a:bodyPr/>
           <a:lstStyle/>
           <a:p>
-            <a:pPr marL="57150" indent="0">
-              <a:spcBef>
-                <a:spcPts val="600"/>
-              </a:spcBef>
-              <a:spcAft>
-                <a:spcPts val="300"/>
-              </a:spcAft>
+            <a:r>
+              <a:rPr lang="de-DE" altLang="de-DE" dirty="0"/>
+              <a:t>Remote Repository ist eine zentrale Komponente in der Nutzung von </a:t>
+            </a:r>
+            <a:r>
+              <a:rPr lang="de-DE" altLang="de-DE" dirty="0" err="1"/>
+              <a:t>Git</a:t>
+            </a:r>
+            <a:r>
+              <a:rPr lang="de-DE" altLang="de-DE" dirty="0"/>
+              <a:t> mit mehreren Personen</a:t>
+            </a:r>
+          </a:p>
+          <a:p>
+            <a:r>
+              <a:rPr lang="de-DE" altLang="de-DE" dirty="0">
+                <a:sym typeface="Wingdings" panose="05000000000000000000" pitchFamily="2" charset="2"/>
+              </a:rPr>
+              <a:t>Oft einfach als Remote bezeichnet</a:t>
+            </a:r>
+          </a:p>
+          <a:p>
+            <a:r>
+              <a:rPr lang="de-DE" altLang="de-DE" dirty="0">
+                <a:sym typeface="Wingdings" panose="05000000000000000000" pitchFamily="2" charset="2"/>
+              </a:rPr>
+              <a:t>Wird im Netzwerk gehostet</a:t>
+            </a:r>
+          </a:p>
+          <a:p>
+            <a:pPr lvl="1"/>
+            <a:r>
+              <a:rPr lang="de-DE" altLang="de-DE" dirty="0">
+                <a:sym typeface="Wingdings" panose="05000000000000000000" pitchFamily="2" charset="2"/>
+              </a:rPr>
+              <a:t>Einfaches </a:t>
+            </a:r>
+            <a:r>
+              <a:rPr lang="de-DE" altLang="de-DE" dirty="0" err="1">
+                <a:sym typeface="Wingdings" panose="05000000000000000000" pitchFamily="2" charset="2"/>
+              </a:rPr>
+              <a:t>Git</a:t>
+            </a:r>
+            <a:r>
+              <a:rPr lang="de-DE" altLang="de-DE" dirty="0">
+                <a:sym typeface="Wingdings" panose="05000000000000000000" pitchFamily="2" charset="2"/>
+              </a:rPr>
+              <a:t> Repository auf eigenem Server</a:t>
+            </a:r>
+          </a:p>
+          <a:p>
+            <a:pPr lvl="1"/>
+            <a:r>
+              <a:rPr lang="de-DE" altLang="de-DE" dirty="0">
+                <a:sym typeface="Wingdings" panose="05000000000000000000" pitchFamily="2" charset="2"/>
+              </a:rPr>
+              <a:t>Konzepte wie </a:t>
+            </a:r>
+            <a:r>
+              <a:rPr lang="de-DE" altLang="de-DE" dirty="0" err="1">
+                <a:sym typeface="Wingdings" panose="05000000000000000000" pitchFamily="2" charset="2"/>
+              </a:rPr>
+              <a:t>GitLab</a:t>
+            </a:r>
+            <a:r>
+              <a:rPr lang="de-DE" altLang="de-DE" dirty="0">
+                <a:sym typeface="Wingdings" panose="05000000000000000000" pitchFamily="2" charset="2"/>
+              </a:rPr>
+              <a:t>, GitHub, </a:t>
+            </a:r>
+            <a:r>
+              <a:rPr lang="de-DE" altLang="de-DE" dirty="0" err="1">
+                <a:sym typeface="Wingdings" panose="05000000000000000000" pitchFamily="2" charset="2"/>
+              </a:rPr>
+              <a:t>BitBucket</a:t>
+            </a:r>
+            <a:r>
+              <a:rPr lang="de-DE" altLang="de-DE" dirty="0">
+                <a:sym typeface="Wingdings" panose="05000000000000000000" pitchFamily="2" charset="2"/>
+              </a:rPr>
+              <a:t> usw. ergänzen Hosting um viele Features</a:t>
+            </a:r>
+          </a:p>
+          <a:p>
+            <a:r>
+              <a:rPr lang="de-DE" altLang="de-DE" dirty="0">
+                <a:sym typeface="Wingdings" panose="05000000000000000000" pitchFamily="2" charset="2"/>
+              </a:rPr>
+              <a:t>Unterscheidet sich technisch nicht von einem lokalen Repository</a:t>
+            </a:r>
+          </a:p>
+          <a:p>
+            <a:pPr lvl="1"/>
+            <a:r>
+              <a:rPr lang="de-DE" altLang="de-DE" dirty="0">
+                <a:sym typeface="Wingdings" panose="05000000000000000000" pitchFamily="2" charset="2"/>
+              </a:rPr>
+              <a:t>Remote </a:t>
+            </a:r>
+            <a:r>
+              <a:rPr lang="de-DE" altLang="de-DE" dirty="0" err="1">
+                <a:sym typeface="Wingdings" panose="05000000000000000000" pitchFamily="2" charset="2"/>
+              </a:rPr>
+              <a:t>Repositories</a:t>
+            </a:r>
+            <a:r>
+              <a:rPr lang="de-DE" altLang="de-DE" dirty="0">
+                <a:sym typeface="Wingdings" panose="05000000000000000000" pitchFamily="2" charset="2"/>
+              </a:rPr>
+              <a:t> sind häufig </a:t>
+            </a:r>
+            <a:r>
+              <a:rPr lang="de-DE" altLang="de-DE" b="1" dirty="0">
+                <a:sym typeface="Wingdings" panose="05000000000000000000" pitchFamily="2" charset="2"/>
+              </a:rPr>
+              <a:t>Bare</a:t>
+            </a:r>
+            <a:r>
+              <a:rPr lang="de-DE" altLang="de-DE" dirty="0">
+                <a:sym typeface="Wingdings" panose="05000000000000000000" pitchFamily="2" charset="2"/>
+              </a:rPr>
+              <a:t> </a:t>
+            </a:r>
+            <a:r>
+              <a:rPr lang="de-DE" altLang="de-DE" dirty="0" err="1">
+                <a:sym typeface="Wingdings" panose="05000000000000000000" pitchFamily="2" charset="2"/>
+              </a:rPr>
+              <a:t>Repositories</a:t>
+            </a:r>
+            <a:endParaRPr lang="de-DE" altLang="de-DE" dirty="0">
+              <a:sym typeface="Wingdings" panose="05000000000000000000" pitchFamily="2" charset="2"/>
+            </a:endParaRPr>
+          </a:p>
+          <a:p>
+            <a:r>
+              <a:rPr lang="de-DE" altLang="de-DE" dirty="0">
+                <a:sym typeface="Wingdings" panose="05000000000000000000" pitchFamily="2" charset="2"/>
+              </a:rPr>
+              <a:t>Mehrere </a:t>
+            </a:r>
+            <a:r>
+              <a:rPr lang="de-DE" altLang="de-DE" dirty="0" err="1">
+                <a:sym typeface="Wingdings" panose="05000000000000000000" pitchFamily="2" charset="2"/>
+              </a:rPr>
+              <a:t>Remotes</a:t>
+            </a:r>
+            <a:r>
+              <a:rPr lang="de-DE" altLang="de-DE" dirty="0">
+                <a:sym typeface="Wingdings" panose="05000000000000000000" pitchFamily="2" charset="2"/>
+              </a:rPr>
+              <a:t> zu einem lokalen Repository möglich</a:t>
+            </a:r>
+          </a:p>
+          <a:p>
+            <a:pPr lvl="1"/>
+            <a:endParaRPr lang="de-DE" altLang="de-DE" dirty="0">
+              <a:sym typeface="Wingdings" panose="05000000000000000000" pitchFamily="2" charset="2"/>
+            </a:endParaRPr>
+          </a:p>
+          <a:p>
+            <a:pPr marL="358775" indent="0">
               <a:buNone/>
             </a:pPr>
-            <a:r>
-              <a:rPr lang="de-DE" altLang="de-DE" b="1" dirty="0" err="1"/>
-              <a:t>Clonen</a:t>
-            </a:r>
-            <a:r>
-              <a:rPr lang="de-DE" altLang="de-DE" b="1" dirty="0"/>
-              <a:t> eines vorhandenen Remote </a:t>
-            </a:r>
-            <a:r>
-              <a:rPr lang="de-DE" altLang="de-DE" b="1" dirty="0" err="1"/>
-              <a:t>Repositories</a:t>
-            </a:r>
-            <a:endParaRPr lang="de-DE" altLang="de-DE" b="1" dirty="0"/>
-          </a:p>
-          <a:p>
-            <a:pPr marL="400050">
-              <a:spcBef>
-                <a:spcPts val="600"/>
-              </a:spcBef>
-              <a:spcAft>
-                <a:spcPts val="300"/>
-              </a:spcAft>
-            </a:pPr>
-            <a:r>
-              <a:rPr lang="de-DE" altLang="de-DE" dirty="0"/>
-              <a:t>Erzeugt lokale Kopie (</a:t>
-            </a:r>
-            <a:r>
-              <a:rPr lang="de-DE" altLang="de-DE" b="1" dirty="0" err="1"/>
-              <a:t>local</a:t>
-            </a:r>
-            <a:r>
-              <a:rPr lang="de-DE" altLang="de-DE" dirty="0"/>
-              <a:t>) eines Remote Repository (</a:t>
-            </a:r>
-            <a:r>
-              <a:rPr lang="de-DE" altLang="de-DE" b="1" dirty="0" err="1"/>
-              <a:t>origin</a:t>
-            </a:r>
-            <a:r>
-              <a:rPr lang="de-DE" altLang="de-DE" dirty="0"/>
-              <a:t>) mittels</a:t>
-            </a:r>
-          </a:p>
-          <a:p>
-            <a:pPr marL="57150" indent="0">
-              <a:spcBef>
-                <a:spcPts val="600"/>
-              </a:spcBef>
-              <a:spcAft>
-                <a:spcPts val="300"/>
-              </a:spcAft>
-              <a:buNone/>
-            </a:pPr>
-            <a:r>
-              <a:rPr lang="de-DE" altLang="de-DE" dirty="0"/>
-              <a:t>	</a:t>
-            </a:r>
-            <a:r>
-              <a:rPr lang="de-DE" altLang="de-DE" dirty="0" err="1">
-                <a:latin typeface="Consolas" panose="020B0609020204030204" pitchFamily="49" charset="0"/>
-              </a:rPr>
-              <a:t>git</a:t>
-            </a:r>
-            <a:r>
-              <a:rPr lang="de-DE" altLang="de-DE" dirty="0">
-                <a:latin typeface="Consolas" panose="020B0609020204030204" pitchFamily="49" charset="0"/>
-              </a:rPr>
-              <a:t> </a:t>
-            </a:r>
-            <a:r>
-              <a:rPr lang="de-DE" altLang="de-DE" dirty="0" err="1">
-                <a:latin typeface="Consolas" panose="020B0609020204030204" pitchFamily="49" charset="0"/>
-              </a:rPr>
-              <a:t>clone</a:t>
-            </a:r>
-            <a:r>
-              <a:rPr lang="de-DE" altLang="de-DE" dirty="0">
-                <a:latin typeface="Consolas" panose="020B0609020204030204" pitchFamily="49" charset="0"/>
-              </a:rPr>
-              <a:t> &lt;remote-</a:t>
-            </a:r>
-            <a:r>
-              <a:rPr lang="de-DE" altLang="de-DE" dirty="0" err="1">
-                <a:latin typeface="Consolas" panose="020B0609020204030204" pitchFamily="49" charset="0"/>
-              </a:rPr>
-              <a:t>refernce</a:t>
-            </a:r>
-            <a:r>
-              <a:rPr lang="de-DE" altLang="de-DE" dirty="0">
-                <a:latin typeface="Consolas" panose="020B0609020204030204" pitchFamily="49" charset="0"/>
-              </a:rPr>
-              <a:t>&gt;</a:t>
-            </a:r>
-          </a:p>
-          <a:p>
-            <a:pPr marL="400050">
-              <a:spcBef>
-                <a:spcPts val="600"/>
-              </a:spcBef>
-              <a:spcAft>
-                <a:spcPts val="300"/>
-              </a:spcAft>
-            </a:pPr>
-            <a:r>
-              <a:rPr lang="de-DE" altLang="de-DE" dirty="0"/>
-              <a:t>Erstellt Verknüpfung zwischen </a:t>
-            </a:r>
-            <a:r>
-              <a:rPr lang="de-DE" altLang="de-DE" b="1" dirty="0" err="1"/>
-              <a:t>local</a:t>
-            </a:r>
-            <a:r>
-              <a:rPr lang="de-DE" altLang="de-DE" dirty="0"/>
-              <a:t> und </a:t>
-            </a:r>
-            <a:r>
-              <a:rPr lang="de-DE" altLang="de-DE" b="1" dirty="0" err="1"/>
-              <a:t>origin</a:t>
-            </a:r>
-            <a:r>
-              <a:rPr lang="de-DE" altLang="de-DE" dirty="0"/>
-              <a:t> </a:t>
-            </a:r>
-            <a:br>
-              <a:rPr lang="de-DE" altLang="de-DE" dirty="0"/>
-            </a:br>
-            <a:r>
-              <a:rPr lang="de-DE" altLang="de-DE" dirty="0"/>
-              <a:t>(</a:t>
-            </a:r>
-            <a:r>
-              <a:rPr lang="de-DE" altLang="de-DE" dirty="0">
-                <a:latin typeface="Consolas" panose="020B0609020204030204" pitchFamily="49" charset="0"/>
-              </a:rPr>
-              <a:t>push</a:t>
-            </a:r>
-            <a:r>
-              <a:rPr lang="de-DE" altLang="de-DE" dirty="0"/>
-              <a:t>,</a:t>
-            </a:r>
-            <a:r>
-              <a:rPr lang="de-DE" altLang="de-DE" dirty="0">
-                <a:latin typeface="Consolas" panose="020B0609020204030204" pitchFamily="49" charset="0"/>
-              </a:rPr>
-              <a:t> pull</a:t>
-            </a:r>
-            <a:r>
-              <a:rPr lang="de-DE" altLang="de-DE" dirty="0"/>
-              <a:t>,</a:t>
-            </a:r>
-            <a:r>
-              <a:rPr lang="de-DE" altLang="de-DE" dirty="0">
-                <a:latin typeface="Consolas" panose="020B0609020204030204" pitchFamily="49" charset="0"/>
-              </a:rPr>
-              <a:t> </a:t>
-            </a:r>
-            <a:r>
-              <a:rPr lang="de-DE" altLang="de-DE" dirty="0" err="1">
-                <a:latin typeface="Consolas" panose="020B0609020204030204" pitchFamily="49" charset="0"/>
-              </a:rPr>
-              <a:t>fetch</a:t>
-            </a:r>
-            <a:r>
-              <a:rPr lang="de-DE" altLang="de-DE" dirty="0"/>
-              <a:t>, …)</a:t>
-            </a:r>
-          </a:p>
-          <a:p>
-            <a:pPr marL="400050">
-              <a:spcBef>
-                <a:spcPts val="600"/>
-              </a:spcBef>
-              <a:spcAft>
-                <a:spcPts val="300"/>
-              </a:spcAft>
-            </a:pPr>
-            <a:r>
-              <a:rPr lang="de-DE" altLang="de-DE" b="1" dirty="0" err="1"/>
-              <a:t>local</a:t>
-            </a:r>
-            <a:r>
-              <a:rPr lang="de-DE" altLang="de-DE" dirty="0"/>
-              <a:t> besteht zunächst nur aus </a:t>
-            </a:r>
-            <a:r>
-              <a:rPr lang="de-DE" altLang="de-DE" b="1" dirty="0" err="1"/>
-              <a:t>default</a:t>
-            </a:r>
-            <a:r>
-              <a:rPr lang="de-DE" altLang="de-DE" dirty="0"/>
-              <a:t> Branch</a:t>
-            </a:r>
-          </a:p>
-          <a:p>
-            <a:pPr marL="400050">
-              <a:spcBef>
-                <a:spcPts val="600"/>
-              </a:spcBef>
-              <a:spcAft>
-                <a:spcPts val="300"/>
-              </a:spcAft>
-            </a:pPr>
-            <a:r>
-              <a:rPr lang="de-DE" altLang="de-DE" b="1" dirty="0"/>
-              <a:t>Upstream</a:t>
-            </a:r>
-            <a:r>
-              <a:rPr lang="de-DE" altLang="de-DE" dirty="0"/>
-              <a:t> definiert den zu einem lokalen Branch zugehörigen Branch, auf dem beim </a:t>
-            </a:r>
-            <a:r>
-              <a:rPr lang="de-DE" altLang="de-DE" dirty="0" err="1">
-                <a:latin typeface="Consolas" panose="020B0609020204030204" pitchFamily="49" charset="0"/>
-              </a:rPr>
-              <a:t>fetch</a:t>
-            </a:r>
-            <a:r>
-              <a:rPr lang="de-DE" altLang="de-DE" dirty="0"/>
-              <a:t>, </a:t>
-            </a:r>
-            <a:r>
-              <a:rPr lang="de-DE" altLang="de-DE" dirty="0">
-                <a:latin typeface="Consolas" panose="020B0609020204030204" pitchFamily="49" charset="0"/>
-              </a:rPr>
-              <a:t>pull</a:t>
-            </a:r>
-            <a:r>
-              <a:rPr lang="de-DE" altLang="de-DE" dirty="0"/>
-              <a:t> oder </a:t>
-            </a:r>
-            <a:r>
-              <a:rPr lang="de-DE" altLang="de-DE" dirty="0">
-                <a:latin typeface="Consolas" panose="020B0609020204030204" pitchFamily="49" charset="0"/>
-              </a:rPr>
-              <a:t>push</a:t>
-            </a:r>
-            <a:r>
-              <a:rPr lang="de-DE" altLang="de-DE" dirty="0"/>
-              <a:t> zugegriffen wird</a:t>
-            </a:r>
+            <a:endParaRPr lang="de-DE" altLang="de-DE" dirty="0">
+              <a:sym typeface="Wingdings" panose="05000000000000000000" pitchFamily="2" charset="2"/>
+            </a:endParaRPr>
           </a:p>
         </p:txBody>
       </p:sp>
@@ -7636,7 +8305,7 @@
     </p:spTree>
     <p:extLst>
       <p:ext uri="{BB962C8B-B14F-4D97-AF65-F5344CB8AC3E}">
-        <p14:creationId xmlns:p14="http://schemas.microsoft.com/office/powerpoint/2010/main" val="4293719170"/>
+        <p14:creationId xmlns:p14="http://schemas.microsoft.com/office/powerpoint/2010/main" val="123332739"/>
       </p:ext>
     </p:extLst>
   </p:cSld>
@@ -7693,236 +8362,252 @@
               <a:spcBef>
                 <a:spcPts val="600"/>
               </a:spcBef>
+              <a:spcAft>
+                <a:spcPts val="300"/>
+              </a:spcAft>
               <a:buNone/>
             </a:pPr>
             <a:r>
+              <a:rPr lang="de-DE" altLang="de-DE" b="1" dirty="0" err="1"/>
+              <a:t>Clonen</a:t>
+            </a:r>
+            <a:r>
               <a:rPr lang="de-DE" altLang="de-DE" b="1" dirty="0"/>
-              <a:t>Beispiel </a:t>
-            </a:r>
-            <a:r>
-              <a:rPr lang="de-DE" altLang="de-DE" dirty="0" err="1"/>
-              <a:t>clonen</a:t>
-            </a:r>
-            <a:r>
-              <a:rPr lang="de-DE" altLang="de-DE" dirty="0"/>
-              <a:t> eines Projektes</a:t>
-            </a:r>
-          </a:p>
-          <a:p>
-            <a:pPr marL="514350" lvl="1" indent="0">
-              <a:buNone/>
-            </a:pPr>
-            <a:endParaRPr lang="de-DE" altLang="de-DE" sz="1200" dirty="0">
-              <a:latin typeface="Consolas" panose="020B0609020204030204" pitchFamily="49" charset="0"/>
-            </a:endParaRPr>
-          </a:p>
-          <a:p>
-            <a:pPr marL="514350" lvl="1" indent="0">
-              <a:buNone/>
-            </a:pPr>
-            <a:r>
-              <a:rPr lang="de-DE" altLang="de-DE" sz="1200" dirty="0">
-                <a:latin typeface="Consolas" panose="020B0609020204030204" pitchFamily="49" charset="0"/>
-              </a:rPr>
-              <a:t>$ </a:t>
-            </a:r>
-            <a:r>
-              <a:rPr lang="de-DE" altLang="de-DE" sz="1200" dirty="0" err="1">
-                <a:latin typeface="Consolas" panose="020B0609020204030204" pitchFamily="49" charset="0"/>
-              </a:rPr>
-              <a:t>git</a:t>
-            </a:r>
-            <a:r>
-              <a:rPr lang="de-DE" altLang="de-DE" sz="1200" dirty="0">
-                <a:latin typeface="Consolas" panose="020B0609020204030204" pitchFamily="49" charset="0"/>
-              </a:rPr>
-              <a:t> </a:t>
-            </a:r>
-            <a:r>
-              <a:rPr lang="de-DE" altLang="de-DE" sz="1200" dirty="0" err="1">
-                <a:latin typeface="Consolas" panose="020B0609020204030204" pitchFamily="49" charset="0"/>
-              </a:rPr>
-              <a:t>clone</a:t>
-            </a:r>
-            <a:r>
-              <a:rPr lang="de-DE" altLang="de-DE" sz="1200" dirty="0">
-                <a:latin typeface="Consolas" panose="020B0609020204030204" pitchFamily="49" charset="0"/>
-              </a:rPr>
-              <a:t> </a:t>
-            </a:r>
-            <a:r>
-              <a:rPr lang="de-DE" altLang="de-DE" sz="1200" dirty="0" err="1">
-                <a:latin typeface="Consolas" panose="020B0609020204030204" pitchFamily="49" charset="0"/>
-              </a:rPr>
-              <a:t>gituser@gitlab.example.de:git_demo</a:t>
-            </a:r>
-            <a:endParaRPr lang="de-DE" altLang="de-DE" sz="1200" dirty="0">
-              <a:latin typeface="Consolas" panose="020B0609020204030204" pitchFamily="49" charset="0"/>
-            </a:endParaRPr>
-          </a:p>
-          <a:p>
-            <a:pPr marL="514350" lvl="1" indent="0">
-              <a:buNone/>
-            </a:pPr>
-            <a:r>
-              <a:rPr lang="de-DE" altLang="de-DE" sz="1200" dirty="0">
-                <a:latin typeface="Consolas" panose="020B0609020204030204" pitchFamily="49" charset="0"/>
-              </a:rPr>
-              <a:t>$ </a:t>
-            </a:r>
-            <a:r>
-              <a:rPr lang="de-DE" altLang="de-DE" sz="1200" dirty="0" err="1">
-                <a:latin typeface="Consolas" panose="020B0609020204030204" pitchFamily="49" charset="0"/>
-              </a:rPr>
-              <a:t>git</a:t>
-            </a:r>
-            <a:r>
-              <a:rPr lang="de-DE" altLang="de-DE" sz="1200" dirty="0">
-                <a:latin typeface="Consolas" panose="020B0609020204030204" pitchFamily="49" charset="0"/>
-              </a:rPr>
-              <a:t> </a:t>
-            </a:r>
-            <a:r>
-              <a:rPr lang="de-DE" altLang="de-DE" sz="1200" dirty="0" err="1">
-                <a:latin typeface="Consolas" panose="020B0609020204030204" pitchFamily="49" charset="0"/>
-              </a:rPr>
-              <a:t>branch</a:t>
-            </a:r>
-            <a:endParaRPr lang="de-DE" altLang="de-DE" sz="1200" dirty="0">
-              <a:latin typeface="Consolas" panose="020B0609020204030204" pitchFamily="49" charset="0"/>
-            </a:endParaRPr>
-          </a:p>
-          <a:p>
-            <a:pPr marL="514350" lvl="1" indent="0">
-              <a:buNone/>
-            </a:pPr>
-            <a:r>
-              <a:rPr lang="de-DE" altLang="de-DE" sz="1200" dirty="0">
-                <a:latin typeface="Consolas" panose="020B0609020204030204" pitchFamily="49" charset="0"/>
-              </a:rPr>
-              <a:t>* Main</a:t>
-            </a:r>
-          </a:p>
-          <a:p>
-            <a:pPr marL="514350" lvl="1" indent="0">
-              <a:buNone/>
-            </a:pPr>
-            <a:endParaRPr lang="de-DE" altLang="de-DE" sz="1200" dirty="0">
-              <a:latin typeface="Consolas" panose="020B0609020204030204" pitchFamily="49" charset="0"/>
-            </a:endParaRPr>
+              <a:t> eines vorhandenen Remote </a:t>
+            </a:r>
+            <a:r>
+              <a:rPr lang="de-DE" altLang="de-DE" b="1" dirty="0" err="1"/>
+              <a:t>Repositories</a:t>
+            </a:r>
+            <a:endParaRPr lang="de-DE" altLang="de-DE" b="1" dirty="0"/>
           </a:p>
           <a:p>
             <a:pPr marL="400050">
               <a:spcBef>
                 <a:spcPts val="600"/>
               </a:spcBef>
+              <a:spcAft>
+                <a:spcPts val="300"/>
+              </a:spcAft>
             </a:pPr>
             <a:r>
               <a:rPr lang="de-DE" altLang="de-DE" dirty="0"/>
-              <a:t>Alle Remote </a:t>
-            </a:r>
-            <a:r>
-              <a:rPr lang="de-DE" altLang="de-DE" dirty="0" err="1"/>
-              <a:t>Branches</a:t>
+              <a:t>Erzeugt lokale Kopie (</a:t>
+            </a:r>
+            <a:r>
+              <a:rPr lang="de-DE" altLang="de-DE" b="1" dirty="0" err="1"/>
+              <a:t>local</a:t>
             </a:r>
             <a:r>
               <a:rPr lang="de-DE" altLang="de-DE" dirty="0"/>
-              <a:t> anzeigen</a:t>
-            </a:r>
-          </a:p>
-          <a:p>
-            <a:pPr marL="457200" lvl="1" indent="0">
-              <a:buNone/>
-            </a:pPr>
-            <a:endParaRPr lang="en-US" altLang="de-DE" sz="1200" dirty="0">
-              <a:latin typeface="Consolas" panose="020B0609020204030204" pitchFamily="49" charset="0"/>
-            </a:endParaRPr>
-          </a:p>
-          <a:p>
-            <a:pPr marL="457200" lvl="1" indent="0">
-              <a:buNone/>
-            </a:pPr>
-            <a:r>
-              <a:rPr lang="en-US" altLang="de-DE" sz="1200" dirty="0">
-                <a:latin typeface="Consolas" panose="020B0609020204030204" pitchFamily="49" charset="0"/>
-              </a:rPr>
-              <a:t>$ git branch --all </a:t>
-            </a:r>
-          </a:p>
-          <a:p>
-            <a:pPr marL="457200" lvl="1" indent="0">
-              <a:buNone/>
-            </a:pPr>
-            <a:r>
-              <a:rPr lang="en-US" altLang="de-DE" sz="1200" dirty="0">
-                <a:latin typeface="Consolas" panose="020B0609020204030204" pitchFamily="49" charset="0"/>
-              </a:rPr>
-              <a:t>* main </a:t>
-            </a:r>
-          </a:p>
-          <a:p>
-            <a:pPr marL="457200" lvl="1" indent="0">
-              <a:buNone/>
-            </a:pPr>
-            <a:r>
-              <a:rPr lang="en-US" altLang="de-DE" sz="1200" dirty="0">
-                <a:latin typeface="Consolas" panose="020B0609020204030204" pitchFamily="49" charset="0"/>
-              </a:rPr>
-              <a:t>remotes/origin/HEAD -&gt; origin/main </a:t>
-            </a:r>
-            <a:br>
-              <a:rPr lang="en-US" altLang="de-DE" sz="1200" dirty="0">
-                <a:latin typeface="Consolas" panose="020B0609020204030204" pitchFamily="49" charset="0"/>
-              </a:rPr>
-            </a:br>
-            <a:r>
-              <a:rPr lang="en-US" altLang="de-DE" sz="1200" dirty="0">
-                <a:latin typeface="Consolas" panose="020B0609020204030204" pitchFamily="49" charset="0"/>
-              </a:rPr>
-              <a:t>remotes/origin/feature1</a:t>
-            </a:r>
-            <a:br>
-              <a:rPr lang="en-US" altLang="de-DE" sz="1200" dirty="0">
-                <a:latin typeface="Consolas" panose="020B0609020204030204" pitchFamily="49" charset="0"/>
-              </a:rPr>
-            </a:br>
-            <a:r>
-              <a:rPr lang="en-US" altLang="de-DE" sz="1200" dirty="0">
-                <a:latin typeface="Consolas" panose="020B0609020204030204" pitchFamily="49" charset="0"/>
-              </a:rPr>
-              <a:t>remotes/origin/feature2</a:t>
-            </a:r>
-            <a:br>
-              <a:rPr lang="en-US" altLang="de-DE" sz="1200" dirty="0">
-                <a:latin typeface="Consolas" panose="020B0609020204030204" pitchFamily="49" charset="0"/>
-              </a:rPr>
-            </a:br>
-            <a:r>
-              <a:rPr lang="en-US" altLang="de-DE" sz="1200" dirty="0">
-                <a:latin typeface="Consolas" panose="020B0609020204030204" pitchFamily="49" charset="0"/>
-              </a:rPr>
-              <a:t>...</a:t>
-            </a:r>
-          </a:p>
-          <a:p>
-            <a:pPr marL="457200" lvl="1" indent="0">
+              <a:t>) eines Remote Repository (</a:t>
+            </a:r>
+            <a:r>
+              <a:rPr lang="de-DE" altLang="de-DE" b="1" dirty="0" err="1"/>
+              <a:t>origin</a:t>
+            </a:r>
+            <a:r>
+              <a:rPr lang="de-DE" altLang="de-DE" dirty="0"/>
+              <a:t>) mittels</a:t>
+            </a:r>
+          </a:p>
+          <a:p>
+            <a:pPr marL="57150" indent="0">
+              <a:spcBef>
+                <a:spcPts val="600"/>
+              </a:spcBef>
               <a:spcAft>
                 <a:spcPts val="300"/>
               </a:spcAft>
               <a:buNone/>
             </a:pPr>
-            <a:endParaRPr lang="en-US" altLang="de-DE" sz="1200" dirty="0">
-              <a:latin typeface="Consolas" panose="020B0609020204030204" pitchFamily="49" charset="0"/>
-            </a:endParaRPr>
-          </a:p>
-          <a:p>
-            <a:pPr marL="457200" lvl="1" indent="0">
+            <a:r>
+              <a:rPr lang="de-DE" altLang="de-DE" dirty="0"/>
+              <a:t>	</a:t>
+            </a:r>
+            <a:r>
+              <a:rPr lang="de-DE" altLang="de-DE" dirty="0" err="1">
+                <a:latin typeface="Consolas" panose="020B0609020204030204" pitchFamily="49" charset="0"/>
+              </a:rPr>
+              <a:t>git</a:t>
+            </a:r>
+            <a:r>
+              <a:rPr lang="de-DE" altLang="de-DE" dirty="0">
+                <a:latin typeface="Consolas" panose="020B0609020204030204" pitchFamily="49" charset="0"/>
+              </a:rPr>
+              <a:t> </a:t>
+            </a:r>
+            <a:r>
+              <a:rPr lang="de-DE" altLang="de-DE" dirty="0" err="1">
+                <a:latin typeface="Consolas" panose="020B0609020204030204" pitchFamily="49" charset="0"/>
+              </a:rPr>
+              <a:t>clone</a:t>
+            </a:r>
+            <a:r>
+              <a:rPr lang="de-DE" altLang="de-DE" dirty="0">
+                <a:latin typeface="Consolas" panose="020B0609020204030204" pitchFamily="49" charset="0"/>
+              </a:rPr>
+              <a:t> &lt;remote-</a:t>
+            </a:r>
+            <a:r>
+              <a:rPr lang="de-DE" altLang="de-DE" dirty="0" err="1">
+                <a:latin typeface="Consolas" panose="020B0609020204030204" pitchFamily="49" charset="0"/>
+              </a:rPr>
+              <a:t>refernce</a:t>
+            </a:r>
+            <a:r>
+              <a:rPr lang="de-DE" altLang="de-DE" dirty="0">
+                <a:latin typeface="Consolas" panose="020B0609020204030204" pitchFamily="49" charset="0"/>
+              </a:rPr>
+              <a:t>&gt;</a:t>
+            </a:r>
+          </a:p>
+          <a:p>
+            <a:pPr marL="400050">
+              <a:spcBef>
+                <a:spcPts val="600"/>
+              </a:spcBef>
               <a:spcAft>
                 <a:spcPts val="300"/>
               </a:spcAft>
-              <a:buNone/>
-            </a:pPr>
-            <a:endParaRPr lang="de-DE" altLang="de-DE" dirty="0"/>
+            </a:pPr>
+            <a:r>
+              <a:rPr lang="de-DE" altLang="de-DE" dirty="0"/>
+              <a:t>Erstellt Verknüpfung zwischen </a:t>
+            </a:r>
+            <a:r>
+              <a:rPr lang="de-DE" altLang="de-DE" b="1" dirty="0" err="1"/>
+              <a:t>local</a:t>
+            </a:r>
+            <a:r>
+              <a:rPr lang="de-DE" altLang="de-DE" dirty="0"/>
+              <a:t> und </a:t>
+            </a:r>
+            <a:r>
+              <a:rPr lang="de-DE" altLang="de-DE" b="1" dirty="0" err="1"/>
+              <a:t>origin</a:t>
+            </a:r>
+            <a:r>
+              <a:rPr lang="de-DE" altLang="de-DE" dirty="0"/>
+              <a:t> </a:t>
+            </a:r>
+            <a:br>
+              <a:rPr lang="de-DE" altLang="de-DE" dirty="0"/>
+            </a:br>
+            <a:r>
+              <a:rPr lang="de-DE" altLang="de-DE" dirty="0"/>
+              <a:t>(</a:t>
+            </a:r>
+            <a:r>
+              <a:rPr lang="de-DE" altLang="de-DE" dirty="0">
+                <a:latin typeface="Consolas" panose="020B0609020204030204" pitchFamily="49" charset="0"/>
+              </a:rPr>
+              <a:t>push</a:t>
+            </a:r>
+            <a:r>
+              <a:rPr lang="de-DE" altLang="de-DE" dirty="0"/>
+              <a:t>,</a:t>
+            </a:r>
+            <a:r>
+              <a:rPr lang="de-DE" altLang="de-DE" dirty="0">
+                <a:latin typeface="Consolas" panose="020B0609020204030204" pitchFamily="49" charset="0"/>
+              </a:rPr>
+              <a:t> pull</a:t>
+            </a:r>
+            <a:r>
+              <a:rPr lang="de-DE" altLang="de-DE" dirty="0"/>
+              <a:t>,</a:t>
+            </a:r>
+            <a:r>
+              <a:rPr lang="de-DE" altLang="de-DE" dirty="0">
+                <a:latin typeface="Consolas" panose="020B0609020204030204" pitchFamily="49" charset="0"/>
+              </a:rPr>
+              <a:t> </a:t>
+            </a:r>
+            <a:r>
+              <a:rPr lang="de-DE" altLang="de-DE" dirty="0" err="1">
+                <a:latin typeface="Consolas" panose="020B0609020204030204" pitchFamily="49" charset="0"/>
+              </a:rPr>
+              <a:t>fetch</a:t>
+            </a:r>
+            <a:r>
+              <a:rPr lang="de-DE" altLang="de-DE" dirty="0"/>
+              <a:t>, …)</a:t>
+            </a:r>
+          </a:p>
+          <a:p>
+            <a:pPr marL="400050">
+              <a:spcBef>
+                <a:spcPts val="600"/>
+              </a:spcBef>
+              <a:spcAft>
+                <a:spcPts val="300"/>
+              </a:spcAft>
+            </a:pPr>
+            <a:r>
+              <a:rPr lang="de-DE" altLang="de-DE" b="1" dirty="0" err="1"/>
+              <a:t>local</a:t>
+            </a:r>
+            <a:r>
+              <a:rPr lang="de-DE" altLang="de-DE" dirty="0"/>
+              <a:t> besteht zunächst nur aus </a:t>
+            </a:r>
+            <a:r>
+              <a:rPr lang="de-DE" altLang="de-DE" b="1" dirty="0" err="1"/>
+              <a:t>default</a:t>
+            </a:r>
+            <a:r>
+              <a:rPr lang="de-DE" altLang="de-DE" dirty="0"/>
+              <a:t> Branch</a:t>
+            </a:r>
+          </a:p>
+          <a:p>
+            <a:pPr marL="400050">
+              <a:spcBef>
+                <a:spcPts val="600"/>
+              </a:spcBef>
+              <a:spcAft>
+                <a:spcPts val="300"/>
+              </a:spcAft>
+            </a:pPr>
+            <a:r>
+              <a:rPr lang="de-DE" altLang="de-DE" b="1" dirty="0"/>
+              <a:t>Upstream</a:t>
+            </a:r>
+            <a:r>
+              <a:rPr lang="de-DE" altLang="de-DE" dirty="0"/>
+              <a:t> definiert den zu einem lokalen Branch zugehörigen Branch, auf dem beim </a:t>
+            </a:r>
+            <a:r>
+              <a:rPr lang="de-DE" altLang="de-DE" dirty="0" err="1">
+                <a:latin typeface="Consolas" panose="020B0609020204030204" pitchFamily="49" charset="0"/>
+              </a:rPr>
+              <a:t>fetch</a:t>
+            </a:r>
+            <a:r>
+              <a:rPr lang="de-DE" altLang="de-DE" dirty="0"/>
+              <a:t>, </a:t>
+            </a:r>
+            <a:r>
+              <a:rPr lang="de-DE" altLang="de-DE" dirty="0">
+                <a:latin typeface="Consolas" panose="020B0609020204030204" pitchFamily="49" charset="0"/>
+              </a:rPr>
+              <a:t>pull</a:t>
+            </a:r>
+            <a:r>
+              <a:rPr lang="de-DE" altLang="de-DE" dirty="0"/>
+              <a:t> oder </a:t>
+            </a:r>
+            <a:r>
+              <a:rPr lang="de-DE" altLang="de-DE" dirty="0">
+                <a:latin typeface="Consolas" panose="020B0609020204030204" pitchFamily="49" charset="0"/>
+              </a:rPr>
+              <a:t>push</a:t>
+            </a:r>
+            <a:r>
+              <a:rPr lang="de-DE" altLang="de-DE" dirty="0"/>
+              <a:t> zugegriffen wird</a:t>
+            </a:r>
           </a:p>
         </p:txBody>
       </p:sp>
@@ -7962,7 +8647,7 @@
     </p:spTree>
     <p:extLst>
       <p:ext uri="{BB962C8B-B14F-4D97-AF65-F5344CB8AC3E}">
-        <p14:creationId xmlns:p14="http://schemas.microsoft.com/office/powerpoint/2010/main" val="2739601707"/>
+        <p14:creationId xmlns:p14="http://schemas.microsoft.com/office/powerpoint/2010/main" val="4293719170"/>
       </p:ext>
     </p:extLst>
   </p:cSld>
@@ -8019,286 +8704,236 @@
               <a:spcBef>
                 <a:spcPts val="600"/>
               </a:spcBef>
+              <a:buNone/>
+            </a:pPr>
+            <a:r>
+              <a:rPr lang="de-DE" altLang="de-DE" b="1" dirty="0"/>
+              <a:t>Beispiel </a:t>
+            </a:r>
+            <a:r>
+              <a:rPr lang="de-DE" altLang="de-DE" dirty="0" err="1"/>
+              <a:t>clonen</a:t>
+            </a:r>
+            <a:r>
+              <a:rPr lang="de-DE" altLang="de-DE" dirty="0"/>
+              <a:t> eines Projektes</a:t>
+            </a:r>
+          </a:p>
+          <a:p>
+            <a:pPr marL="514350" lvl="1" indent="0">
+              <a:buNone/>
+            </a:pPr>
+            <a:endParaRPr lang="de-DE" altLang="de-DE" sz="1200" dirty="0">
+              <a:latin typeface="Consolas" panose="020B0609020204030204" pitchFamily="49" charset="0"/>
+            </a:endParaRPr>
+          </a:p>
+          <a:p>
+            <a:pPr marL="514350" lvl="1" indent="0">
+              <a:buNone/>
+            </a:pPr>
+            <a:r>
+              <a:rPr lang="de-DE" altLang="de-DE" sz="1200" dirty="0">
+                <a:latin typeface="Consolas" panose="020B0609020204030204" pitchFamily="49" charset="0"/>
+              </a:rPr>
+              <a:t>$ </a:t>
+            </a:r>
+            <a:r>
+              <a:rPr lang="de-DE" altLang="de-DE" sz="1200" dirty="0" err="1">
+                <a:latin typeface="Consolas" panose="020B0609020204030204" pitchFamily="49" charset="0"/>
+              </a:rPr>
+              <a:t>git</a:t>
+            </a:r>
+            <a:r>
+              <a:rPr lang="de-DE" altLang="de-DE" sz="1200" dirty="0">
+                <a:latin typeface="Consolas" panose="020B0609020204030204" pitchFamily="49" charset="0"/>
+              </a:rPr>
+              <a:t> </a:t>
+            </a:r>
+            <a:r>
+              <a:rPr lang="de-DE" altLang="de-DE" sz="1200" dirty="0" err="1">
+                <a:latin typeface="Consolas" panose="020B0609020204030204" pitchFamily="49" charset="0"/>
+              </a:rPr>
+              <a:t>clone</a:t>
+            </a:r>
+            <a:r>
+              <a:rPr lang="de-DE" altLang="de-DE" sz="1200" dirty="0">
+                <a:latin typeface="Consolas" panose="020B0609020204030204" pitchFamily="49" charset="0"/>
+              </a:rPr>
+              <a:t> </a:t>
+            </a:r>
+            <a:r>
+              <a:rPr lang="de-DE" altLang="de-DE" sz="1200" dirty="0" err="1">
+                <a:latin typeface="Consolas" panose="020B0609020204030204" pitchFamily="49" charset="0"/>
+              </a:rPr>
+              <a:t>gituser@gitlab.example.de:git_demo</a:t>
+            </a:r>
+            <a:endParaRPr lang="de-DE" altLang="de-DE" sz="1200" dirty="0">
+              <a:latin typeface="Consolas" panose="020B0609020204030204" pitchFamily="49" charset="0"/>
+            </a:endParaRPr>
+          </a:p>
+          <a:p>
+            <a:pPr marL="514350" lvl="1" indent="0">
+              <a:buNone/>
+            </a:pPr>
+            <a:r>
+              <a:rPr lang="de-DE" altLang="de-DE" sz="1200" dirty="0">
+                <a:latin typeface="Consolas" panose="020B0609020204030204" pitchFamily="49" charset="0"/>
+              </a:rPr>
+              <a:t>$ </a:t>
+            </a:r>
+            <a:r>
+              <a:rPr lang="de-DE" altLang="de-DE" sz="1200" dirty="0" err="1">
+                <a:latin typeface="Consolas" panose="020B0609020204030204" pitchFamily="49" charset="0"/>
+              </a:rPr>
+              <a:t>git</a:t>
+            </a:r>
+            <a:r>
+              <a:rPr lang="de-DE" altLang="de-DE" sz="1200" dirty="0">
+                <a:latin typeface="Consolas" panose="020B0609020204030204" pitchFamily="49" charset="0"/>
+              </a:rPr>
+              <a:t> </a:t>
+            </a:r>
+            <a:r>
+              <a:rPr lang="de-DE" altLang="de-DE" sz="1200" dirty="0" err="1">
+                <a:latin typeface="Consolas" panose="020B0609020204030204" pitchFamily="49" charset="0"/>
+              </a:rPr>
+              <a:t>branch</a:t>
+            </a:r>
+            <a:endParaRPr lang="de-DE" altLang="de-DE" sz="1200" dirty="0">
+              <a:latin typeface="Consolas" panose="020B0609020204030204" pitchFamily="49" charset="0"/>
+            </a:endParaRPr>
+          </a:p>
+          <a:p>
+            <a:pPr marL="514350" lvl="1" indent="0">
+              <a:buNone/>
+            </a:pPr>
+            <a:r>
+              <a:rPr lang="de-DE" altLang="de-DE" sz="1200" dirty="0">
+                <a:latin typeface="Consolas" panose="020B0609020204030204" pitchFamily="49" charset="0"/>
+              </a:rPr>
+              <a:t>* Main</a:t>
+            </a:r>
+          </a:p>
+          <a:p>
+            <a:pPr marL="514350" lvl="1" indent="0">
+              <a:buNone/>
+            </a:pPr>
+            <a:endParaRPr lang="de-DE" altLang="de-DE" sz="1200" dirty="0">
+              <a:latin typeface="Consolas" panose="020B0609020204030204" pitchFamily="49" charset="0"/>
+            </a:endParaRPr>
+          </a:p>
+          <a:p>
+            <a:pPr marL="400050">
+              <a:spcBef>
+                <a:spcPts val="600"/>
+              </a:spcBef>
+            </a:pPr>
+            <a:r>
+              <a:rPr lang="de-DE" altLang="de-DE" dirty="0"/>
+              <a:t>Alle Remote </a:t>
+            </a:r>
+            <a:r>
+              <a:rPr lang="de-DE" altLang="de-DE" dirty="0" err="1"/>
+              <a:t>Branches</a:t>
+            </a:r>
+            <a:r>
+              <a:rPr lang="de-DE" altLang="de-DE" dirty="0"/>
+              <a:t> anzeigen</a:t>
+            </a:r>
+          </a:p>
+          <a:p>
+            <a:pPr marL="457200" lvl="1" indent="0">
+              <a:buNone/>
+            </a:pPr>
+            <a:endParaRPr lang="en-US" altLang="de-DE" sz="1200" dirty="0">
+              <a:latin typeface="Consolas" panose="020B0609020204030204" pitchFamily="49" charset="0"/>
+            </a:endParaRPr>
+          </a:p>
+          <a:p>
+            <a:pPr marL="457200" lvl="1" indent="0">
+              <a:buNone/>
+            </a:pPr>
+            <a:r>
+              <a:rPr lang="en-US" altLang="de-DE" sz="1200" dirty="0">
+                <a:latin typeface="Consolas" panose="020B0609020204030204" pitchFamily="49" charset="0"/>
+              </a:rPr>
+              <a:t>$ git branch --all </a:t>
+            </a:r>
+          </a:p>
+          <a:p>
+            <a:pPr marL="457200" lvl="1" indent="0">
+              <a:buNone/>
+            </a:pPr>
+            <a:r>
+              <a:rPr lang="en-US" altLang="de-DE" sz="1200" dirty="0">
+                <a:latin typeface="Consolas" panose="020B0609020204030204" pitchFamily="49" charset="0"/>
+              </a:rPr>
+              <a:t>* main </a:t>
+            </a:r>
+          </a:p>
+          <a:p>
+            <a:pPr marL="457200" lvl="1" indent="0">
+              <a:buNone/>
+            </a:pPr>
+            <a:r>
+              <a:rPr lang="en-US" altLang="de-DE" sz="1200" dirty="0">
+                <a:latin typeface="Consolas" panose="020B0609020204030204" pitchFamily="49" charset="0"/>
+              </a:rPr>
+              <a:t>remotes/origin/HEAD -&gt; origin/main </a:t>
+            </a:r>
+            <a:br>
+              <a:rPr lang="en-US" altLang="de-DE" sz="1200" dirty="0">
+                <a:latin typeface="Consolas" panose="020B0609020204030204" pitchFamily="49" charset="0"/>
+              </a:rPr>
+            </a:br>
+            <a:r>
+              <a:rPr lang="en-US" altLang="de-DE" sz="1200" dirty="0">
+                <a:latin typeface="Consolas" panose="020B0609020204030204" pitchFamily="49" charset="0"/>
+              </a:rPr>
+              <a:t>remotes/origin/feature1</a:t>
+            </a:r>
+            <a:br>
+              <a:rPr lang="en-US" altLang="de-DE" sz="1200" dirty="0">
+                <a:latin typeface="Consolas" panose="020B0609020204030204" pitchFamily="49" charset="0"/>
+              </a:rPr>
+            </a:br>
+            <a:r>
+              <a:rPr lang="en-US" altLang="de-DE" sz="1200" dirty="0">
+                <a:latin typeface="Consolas" panose="020B0609020204030204" pitchFamily="49" charset="0"/>
+              </a:rPr>
+              <a:t>remotes/origin/feature2</a:t>
+            </a:r>
+            <a:br>
+              <a:rPr lang="en-US" altLang="de-DE" sz="1200" dirty="0">
+                <a:latin typeface="Consolas" panose="020B0609020204030204" pitchFamily="49" charset="0"/>
+              </a:rPr>
+            </a:br>
+            <a:r>
+              <a:rPr lang="en-US" altLang="de-DE" sz="1200" dirty="0">
+                <a:latin typeface="Consolas" panose="020B0609020204030204" pitchFamily="49" charset="0"/>
+              </a:rPr>
+              <a:t>...</a:t>
+            </a:r>
+          </a:p>
+          <a:p>
+            <a:pPr marL="457200" lvl="1" indent="0">
               <a:spcAft>
                 <a:spcPts val="300"/>
               </a:spcAft>
               <a:buNone/>
             </a:pPr>
-            <a:r>
-              <a:rPr lang="de-DE" altLang="de-DE" b="1" dirty="0"/>
-              <a:t>Hinzufügen eines Remote Repository</a:t>
-            </a:r>
-          </a:p>
-          <a:p>
-            <a:pPr marL="400050">
-              <a:spcBef>
-                <a:spcPts val="600"/>
-              </a:spcBef>
-              <a:spcAft>
-                <a:spcPts val="300"/>
-              </a:spcAft>
-            </a:pPr>
-            <a:r>
-              <a:rPr lang="de-DE" altLang="de-DE" dirty="0"/>
-              <a:t>Remote zu lokalen Repository hinzuzufügen </a:t>
-            </a:r>
-          </a:p>
-          <a:p>
-            <a:pPr marL="57150" indent="0">
-              <a:spcBef>
-                <a:spcPts val="600"/>
-              </a:spcBef>
+            <a:endParaRPr lang="en-US" altLang="de-DE" sz="1200" dirty="0">
+              <a:latin typeface="Consolas" panose="020B0609020204030204" pitchFamily="49" charset="0"/>
+            </a:endParaRPr>
+          </a:p>
+          <a:p>
+            <a:pPr marL="457200" lvl="1" indent="0">
               <a:spcAft>
                 <a:spcPts val="300"/>
               </a:spcAft>
               <a:buNone/>
             </a:pPr>
-            <a:r>
-              <a:rPr lang="de-DE" altLang="de-DE" dirty="0"/>
-              <a:t>	</a:t>
-            </a:r>
-            <a:r>
-              <a:rPr lang="de-DE" altLang="de-DE" dirty="0" err="1">
-                <a:latin typeface="Consolas" panose="020B0609020204030204" pitchFamily="49" charset="0"/>
-              </a:rPr>
-              <a:t>git</a:t>
-            </a:r>
-            <a:r>
-              <a:rPr lang="de-DE" altLang="de-DE" dirty="0">
-                <a:latin typeface="Consolas" panose="020B0609020204030204" pitchFamily="49" charset="0"/>
-              </a:rPr>
-              <a:t> remote </a:t>
-            </a:r>
-            <a:r>
-              <a:rPr lang="de-DE" altLang="de-DE" dirty="0" err="1">
-                <a:latin typeface="Consolas" panose="020B0609020204030204" pitchFamily="49" charset="0"/>
-              </a:rPr>
-              <a:t>add</a:t>
-            </a:r>
-            <a:r>
-              <a:rPr lang="de-DE" altLang="de-DE" dirty="0">
-                <a:latin typeface="Consolas" panose="020B0609020204030204" pitchFamily="49" charset="0"/>
-              </a:rPr>
-              <a:t> &lt;</a:t>
-            </a:r>
-            <a:r>
-              <a:rPr lang="de-DE" altLang="de-DE" dirty="0" err="1">
-                <a:latin typeface="Consolas" panose="020B0609020204030204" pitchFamily="49" charset="0"/>
-              </a:rPr>
-              <a:t>name</a:t>
-            </a:r>
-            <a:r>
-              <a:rPr lang="de-DE" altLang="de-DE" dirty="0">
-                <a:latin typeface="Consolas" panose="020B0609020204030204" pitchFamily="49" charset="0"/>
-              </a:rPr>
-              <a:t>&gt; &lt;remote-</a:t>
-            </a:r>
-            <a:r>
-              <a:rPr lang="de-DE" altLang="de-DE" dirty="0" err="1">
-                <a:latin typeface="Consolas" panose="020B0609020204030204" pitchFamily="49" charset="0"/>
-              </a:rPr>
-              <a:t>uri</a:t>
-            </a:r>
-            <a:r>
-              <a:rPr lang="de-DE" altLang="de-DE" dirty="0">
-                <a:latin typeface="Consolas" panose="020B0609020204030204" pitchFamily="49" charset="0"/>
-              </a:rPr>
-              <a:t>&gt;</a:t>
-            </a:r>
-          </a:p>
-          <a:p>
-            <a:pPr marL="400050">
-              <a:spcAft>
-                <a:spcPts val="300"/>
-              </a:spcAft>
-            </a:pPr>
-            <a:r>
-              <a:rPr lang="de-DE" altLang="de-DE" dirty="0" err="1">
-                <a:latin typeface="Consolas" panose="020B0609020204030204" pitchFamily="49" charset="0"/>
-              </a:rPr>
-              <a:t>git</a:t>
-            </a:r>
-            <a:r>
-              <a:rPr lang="de-DE" altLang="de-DE" dirty="0">
-                <a:latin typeface="Consolas" panose="020B0609020204030204" pitchFamily="49" charset="0"/>
-              </a:rPr>
-              <a:t> remote </a:t>
-            </a:r>
-            <a:r>
-              <a:rPr lang="de-DE" altLang="de-DE" dirty="0" err="1">
-                <a:latin typeface="Consolas" panose="020B0609020204030204" pitchFamily="49" charset="0"/>
-              </a:rPr>
-              <a:t>add</a:t>
-            </a:r>
-            <a:r>
-              <a:rPr lang="de-DE" altLang="de-DE" dirty="0"/>
-              <a:t> legt alias für die Remote </a:t>
-            </a:r>
-            <a:r>
-              <a:rPr lang="de-DE" altLang="de-DE" dirty="0" err="1"/>
-              <a:t>Addresse</a:t>
-            </a:r>
-            <a:r>
-              <a:rPr lang="de-DE" altLang="de-DE" dirty="0"/>
-              <a:t> an</a:t>
-            </a:r>
-          </a:p>
-          <a:p>
-            <a:pPr marL="400050">
-              <a:spcAft>
-                <a:spcPts val="300"/>
-              </a:spcAft>
-            </a:pPr>
-            <a:r>
-              <a:rPr lang="de-DE" altLang="de-DE" dirty="0"/>
-              <a:t>Ruft Informationen über verfügbare </a:t>
-            </a:r>
-            <a:r>
-              <a:rPr lang="de-DE" altLang="de-DE" dirty="0" err="1"/>
-              <a:t>Branches</a:t>
-            </a:r>
-            <a:r>
-              <a:rPr lang="de-DE" altLang="de-DE" dirty="0"/>
-              <a:t> ab</a:t>
-            </a:r>
-          </a:p>
-          <a:p>
-            <a:pPr marL="400050">
-              <a:spcAft>
-                <a:spcPts val="300"/>
-              </a:spcAft>
-            </a:pPr>
-            <a:r>
-              <a:rPr lang="de-DE" altLang="de-DE" dirty="0"/>
-              <a:t>Beispiel</a:t>
-            </a:r>
-          </a:p>
-          <a:p>
-            <a:pPr marL="514350" lvl="1" indent="0">
-              <a:buNone/>
-            </a:pPr>
-            <a:r>
-              <a:rPr lang="en-US" sz="1200" dirty="0">
-                <a:latin typeface="Consolas" panose="020B0609020204030204" pitchFamily="49" charset="0"/>
-              </a:rPr>
-              <a:t>$ git remote add </a:t>
-            </a:r>
-            <a:r>
-              <a:rPr lang="en-US" sz="1200" dirty="0">
-                <a:solidFill>
-                  <a:srgbClr val="0249FC"/>
-                </a:solidFill>
-                <a:latin typeface="Consolas" panose="020B0609020204030204" pitchFamily="49" charset="0"/>
-              </a:rPr>
-              <a:t>other</a:t>
-            </a:r>
-            <a:r>
-              <a:rPr lang="en-US" sz="1200" dirty="0">
-                <a:latin typeface="Consolas" panose="020B0609020204030204" pitchFamily="49" charset="0"/>
-              </a:rPr>
-              <a:t> git@gitlab.example.de:git_demo_2 </a:t>
-            </a:r>
-          </a:p>
-          <a:p>
-            <a:pPr marL="514350" lvl="1" indent="0">
-              <a:buNone/>
-            </a:pPr>
-            <a:r>
-              <a:rPr lang="en-US" sz="1200" dirty="0">
-                <a:latin typeface="Consolas" panose="020B0609020204030204" pitchFamily="49" charset="0"/>
-              </a:rPr>
-              <a:t>$ git branch --all </a:t>
-            </a:r>
-          </a:p>
-          <a:p>
-            <a:pPr marL="514350" lvl="1" indent="0">
-              <a:buNone/>
-            </a:pPr>
-            <a:r>
-              <a:rPr lang="en-US" sz="1200" dirty="0">
-                <a:latin typeface="Consolas" panose="020B0609020204030204" pitchFamily="49" charset="0"/>
-              </a:rPr>
-              <a:t>* main </a:t>
-            </a:r>
-            <a:br>
-              <a:rPr lang="en-US" sz="1200" dirty="0">
-                <a:latin typeface="Consolas" panose="020B0609020204030204" pitchFamily="49" charset="0"/>
-              </a:rPr>
-            </a:br>
-            <a:r>
-              <a:rPr lang="en-US" sz="1200" dirty="0">
-                <a:latin typeface="Consolas" panose="020B0609020204030204" pitchFamily="49" charset="0"/>
-              </a:rPr>
-              <a:t>remotes/origin/HEAD -&gt; origin/main </a:t>
-            </a:r>
-            <a:br>
-              <a:rPr lang="en-US" sz="1200" dirty="0">
-                <a:latin typeface="Consolas" panose="020B0609020204030204" pitchFamily="49" charset="0"/>
-              </a:rPr>
-            </a:br>
-            <a:r>
-              <a:rPr lang="en-US" sz="1200" dirty="0">
-                <a:latin typeface="Consolas" panose="020B0609020204030204" pitchFamily="49" charset="0"/>
-              </a:rPr>
-              <a:t>remotes/origin/feature1 </a:t>
-            </a:r>
-            <a:br>
-              <a:rPr lang="en-US" sz="1200" dirty="0">
-                <a:latin typeface="Consolas" panose="020B0609020204030204" pitchFamily="49" charset="0"/>
-              </a:rPr>
-            </a:br>
-            <a:r>
-              <a:rPr lang="en-US" sz="1200" dirty="0">
-                <a:latin typeface="Consolas" panose="020B0609020204030204" pitchFamily="49" charset="0"/>
-              </a:rPr>
-              <a:t>remotes/origin/feature2 </a:t>
-            </a:r>
-            <a:br>
-              <a:rPr lang="en-US" sz="1200" dirty="0">
-                <a:latin typeface="Consolas" panose="020B0609020204030204" pitchFamily="49" charset="0"/>
-              </a:rPr>
-            </a:br>
-            <a:r>
-              <a:rPr lang="en-US" sz="1200" dirty="0">
-                <a:latin typeface="Consolas" panose="020B0609020204030204" pitchFamily="49" charset="0"/>
-              </a:rPr>
-              <a:t>…</a:t>
-            </a:r>
-            <a:br>
-              <a:rPr lang="en-US" sz="1200" dirty="0">
-                <a:latin typeface="Consolas" panose="020B0609020204030204" pitchFamily="49" charset="0"/>
-              </a:rPr>
-            </a:br>
-            <a:r>
-              <a:rPr lang="en-US" sz="1200" dirty="0">
-                <a:latin typeface="Consolas" panose="020B0609020204030204" pitchFamily="49" charset="0"/>
-              </a:rPr>
-              <a:t>remotes/</a:t>
-            </a:r>
-            <a:r>
-              <a:rPr lang="en-US" sz="1200" dirty="0">
-                <a:solidFill>
-                  <a:srgbClr val="0249FC"/>
-                </a:solidFill>
-                <a:latin typeface="Consolas" panose="020B0609020204030204" pitchFamily="49" charset="0"/>
-              </a:rPr>
-              <a:t>other</a:t>
-            </a:r>
-            <a:r>
-              <a:rPr lang="en-US" sz="1200" dirty="0">
-                <a:latin typeface="Consolas" panose="020B0609020204030204" pitchFamily="49" charset="0"/>
-              </a:rPr>
-              <a:t>/</a:t>
-            </a:r>
-            <a:r>
-              <a:rPr lang="en-US" sz="1200" dirty="0" err="1">
-                <a:latin typeface="Consolas" panose="020B0609020204030204" pitchFamily="49" charset="0"/>
-              </a:rPr>
-              <a:t>other_feature</a:t>
-            </a:r>
-            <a:endParaRPr lang="de-DE" altLang="de-DE" sz="1200" dirty="0">
-              <a:latin typeface="Consolas" panose="020B0609020204030204" pitchFamily="49" charset="0"/>
-            </a:endParaRPr>
+            <a:endParaRPr lang="de-DE" altLang="de-DE" dirty="0"/>
           </a:p>
         </p:txBody>
       </p:sp>
@@ -8338,7 +8973,7 @@
     </p:spTree>
     <p:extLst>
       <p:ext uri="{BB962C8B-B14F-4D97-AF65-F5344CB8AC3E}">
-        <p14:creationId xmlns:p14="http://schemas.microsoft.com/office/powerpoint/2010/main" val="995659121"/>
+        <p14:creationId xmlns:p14="http://schemas.microsoft.com/office/powerpoint/2010/main" val="2739601707"/>
       </p:ext>
     </p:extLst>
   </p:cSld>
@@ -8402,7 +9037,7 @@
             </a:pPr>
             <a:r>
               <a:rPr lang="de-DE" altLang="de-DE" b="1" dirty="0"/>
-              <a:t>Abrufen von Änderungen aus Remote Repository</a:t>
+              <a:t>Hinzufügen eines Remote Repository</a:t>
             </a:r>
           </a:p>
           <a:p>
@@ -8416,23 +9051,7 @@
             </a:pPr>
             <a:r>
               <a:rPr lang="de-DE" altLang="de-DE" dirty="0"/>
-              <a:t>Informationen über </a:t>
-            </a:r>
-            <a:r>
-              <a:rPr lang="de-DE" altLang="de-DE" dirty="0" err="1"/>
-              <a:t>Commits</a:t>
-            </a:r>
-            <a:r>
-              <a:rPr lang="de-DE" altLang="de-DE" dirty="0"/>
-              <a:t>, </a:t>
-            </a:r>
-            <a:r>
-              <a:rPr lang="de-DE" altLang="de-DE" dirty="0" err="1"/>
-              <a:t>Branches</a:t>
-            </a:r>
-            <a:r>
-              <a:rPr lang="de-DE" altLang="de-DE" dirty="0"/>
-              <a:t>, Tags, … abrufen</a:t>
+              <a:t>Remote zu lokalen Repository hinzuzufügen </a:t>
             </a:r>
           </a:p>
           <a:p>
@@ -8459,74 +9078,43 @@
               <a:rPr lang="de-DE" altLang="de-DE" dirty="0">
                 <a:latin typeface="Consolas" panose="020B0609020204030204" pitchFamily="49" charset="0"/>
               </a:rPr>
-              <a:t> </a:t>
+              <a:t> remote </a:t>
             </a:r>
             <a:r>
               <a:rPr lang="de-DE" altLang="de-DE" dirty="0" err="1">
                 <a:latin typeface="Consolas" panose="020B0609020204030204" pitchFamily="49" charset="0"/>
               </a:rPr>
-              <a:t>fetch</a:t>
+              <a:t>add</a:t>
             </a:r>
             <a:r>
               <a:rPr lang="de-DE" altLang="de-DE" dirty="0">
                 <a:latin typeface="Consolas" panose="020B0609020204030204" pitchFamily="49" charset="0"/>
               </a:rPr>
-              <a:t> &lt;remote&gt;</a:t>
-            </a:r>
-          </a:p>
-          <a:p>
-            <a:pPr marL="57150" indent="0">
-              <a:spcBef>
-                <a:spcPts val="600"/>
-              </a:spcBef>
-              <a:spcAft>
-                <a:spcPts val="300"/>
-              </a:spcAft>
-              <a:buNone/>
-            </a:pPr>
+              <a:t> &lt;</a:t>
+            </a:r>
+            <a:r>
+              <a:rPr lang="de-DE" altLang="de-DE" dirty="0" err="1">
+                <a:latin typeface="Consolas" panose="020B0609020204030204" pitchFamily="49" charset="0"/>
+              </a:rPr>
+              <a:t>name</a:t>
+            </a:r>
             <a:r>
               <a:rPr lang="de-DE" altLang="de-DE" dirty="0">
                 <a:latin typeface="Consolas" panose="020B0609020204030204" pitchFamily="49" charset="0"/>
               </a:rPr>
-              <a:t>	</a:t>
+              <a:t>&gt; &lt;remote-</a:t>
             </a:r>
             <a:r>
               <a:rPr lang="de-DE" altLang="de-DE" dirty="0" err="1">
                 <a:latin typeface="Consolas" panose="020B0609020204030204" pitchFamily="49" charset="0"/>
               </a:rPr>
-              <a:t>git</a:t>
+              <a:t>uri</a:t>
             </a:r>
             <a:r>
               <a:rPr lang="de-DE" altLang="de-DE" dirty="0">
                 <a:latin typeface="Consolas" panose="020B0609020204030204" pitchFamily="49" charset="0"/>
               </a:rPr>
-              <a:t> </a:t>
-            </a:r>
-            <a:r>
-              <a:rPr lang="de-DE" altLang="de-DE" dirty="0" err="1">
-                <a:latin typeface="Consolas" panose="020B0609020204030204" pitchFamily="49" charset="0"/>
-              </a:rPr>
-              <a:t>fetch</a:t>
-            </a:r>
-            <a:r>
-              <a:rPr lang="de-DE" altLang="de-DE" dirty="0">
-                <a:latin typeface="Consolas" panose="020B0609020204030204" pitchFamily="49" charset="0"/>
-              </a:rPr>
-              <a:t> –all (</a:t>
-            </a:r>
-            <a:r>
-              <a:rPr lang="de-DE" altLang="de-DE" dirty="0"/>
-              <a:t>alle verknüpften </a:t>
-            </a:r>
-            <a:r>
-              <a:rPr lang="de-DE" altLang="de-DE" dirty="0" err="1"/>
-              <a:t>Remotes</a:t>
-            </a:r>
-            <a:r>
-              <a:rPr lang="de-DE" altLang="de-DE" dirty="0">
-                <a:latin typeface="Consolas" panose="020B0609020204030204" pitchFamily="49" charset="0"/>
-              </a:rPr>
-              <a:t>)</a:t>
+              <a:t>&gt;</a:t>
             </a:r>
           </a:p>
           <a:p>
@@ -8536,14 +9124,35 @@
               </a:spcAft>
             </a:pPr>
             <a:r>
+              <a:rPr lang="de-DE" altLang="de-DE" dirty="0" err="1">
+                <a:latin typeface="Consolas" panose="020B0609020204030204" pitchFamily="49" charset="0"/>
+              </a:rPr>
+              <a:t>git</a:t>
+            </a:r>
+            <a:r>
+              <a:rPr lang="de-DE" altLang="de-DE" dirty="0">
+                <a:latin typeface="Consolas" panose="020B0609020204030204" pitchFamily="49" charset="0"/>
+              </a:rPr>
+              <a:t> remote </a:t>
+            </a:r>
+            <a:r>
+              <a:rPr lang="de-DE" altLang="de-DE" dirty="0" err="1">
+                <a:latin typeface="Consolas" panose="020B0609020204030204" pitchFamily="49" charset="0"/>
+              </a:rPr>
+              <a:t>add</a:t>
+            </a:r>
+            <a:r>
               <a:rPr lang="de-DE" altLang="de-DE" dirty="0"/>
-              <a:t>Aktualisiert nur Remote Tracking Bereich des </a:t>
+              <a:t> legt alias für die Remote </a:t>
             </a:r>
             <a:r>
               <a:rPr lang="de-DE" altLang="de-DE" dirty="0" err="1"/>
-              <a:t>Repositories</a:t>
-            </a:r>
-            <a:endParaRPr lang="de-DE" altLang="de-DE" dirty="0"/>
+              <a:t>Addresse</a:t>
+            </a:r>
+            <a:r>
+              <a:rPr lang="de-DE" altLang="de-DE" dirty="0"/>
+              <a:t> an</a:t>
+            </a:r>
           </a:p>
           <a:p>
             <a:pPr marL="400050">
@@ -8553,236 +9162,154 @@
             </a:pPr>
             <a:r>
               <a:rPr lang="de-DE" altLang="de-DE" dirty="0"/>
-              <a:t>Änderungen müssen mittels </a:t>
+              <a:t>Ruft Informationen über verfügbare </a:t>
             </a:r>
             <a:r>
               <a:rPr lang="de-DE" altLang="de-DE" dirty="0" err="1"/>
-              <a:t>Merge</a:t>
+              <a:t>Branches</a:t>
             </a:r>
             <a:r>
               <a:rPr lang="de-DE" altLang="de-DE" dirty="0"/>
-              <a:t> oder </a:t>
-            </a:r>
-            <a:r>
-              <a:rPr lang="de-DE" altLang="de-DE" dirty="0" err="1"/>
-              <a:t>Rebase</a:t>
-            </a:r>
-            <a:r>
-              <a:rPr lang="de-DE" altLang="de-DE" dirty="0"/>
-              <a:t> in lokalen Branch übernommen werden</a:t>
-            </a:r>
-          </a:p>
-          <a:p>
-            <a:pPr marL="57150" indent="0">
+              <a:t> ab</a:t>
+            </a:r>
+          </a:p>
+          <a:p>
+            <a:pPr marL="400050">
               <a:spcAft>
                 <a:spcPts val="300"/>
               </a:spcAft>
+            </a:pPr>
+            <a:r>
+              <a:rPr lang="de-DE" altLang="de-DE" dirty="0"/>
+              <a:t>Beispiel</a:t>
+            </a:r>
+          </a:p>
+          <a:p>
+            <a:pPr marL="514350" lvl="1" indent="0">
               <a:buNone/>
             </a:pPr>
             <a:r>
-              <a:rPr lang="de-DE" altLang="de-DE" dirty="0"/>
-              <a:t>	</a:t>
-            </a:r>
-            <a:r>
-              <a:rPr lang="de-DE" altLang="de-DE" dirty="0" err="1">
-                <a:latin typeface="Consolas" panose="020B0609020204030204" pitchFamily="49" charset="0"/>
-              </a:rPr>
-              <a:t>git</a:t>
-            </a:r>
-            <a:r>
-              <a:rPr lang="de-DE" altLang="de-DE" dirty="0">
-                <a:latin typeface="Consolas" panose="020B0609020204030204" pitchFamily="49" charset="0"/>
-              </a:rPr>
-              <a:t> </a:t>
-            </a:r>
-            <a:r>
-              <a:rPr lang="de-DE" altLang="de-DE" dirty="0" err="1">
-                <a:latin typeface="Consolas" panose="020B0609020204030204" pitchFamily="49" charset="0"/>
-              </a:rPr>
-              <a:t>checkout</a:t>
-            </a:r>
-            <a:r>
-              <a:rPr lang="de-DE" altLang="de-DE" dirty="0">
-                <a:latin typeface="Consolas" panose="020B0609020204030204" pitchFamily="49" charset="0"/>
-              </a:rPr>
-              <a:t> feature</a:t>
-            </a:r>
-          </a:p>
-          <a:p>
-            <a:pPr marL="57150" indent="0">
-              <a:spcAft>
-                <a:spcPts val="300"/>
-              </a:spcAft>
+              <a:rPr lang="en-US" sz="1200" dirty="0">
+                <a:latin typeface="Consolas" panose="020B0609020204030204" pitchFamily="49" charset="0"/>
+              </a:rPr>
+              <a:t>$ git remote add </a:t>
+            </a:r>
+            <a:r>
+              <a:rPr lang="en-US" sz="1200" dirty="0">
+                <a:solidFill>
+                  <a:srgbClr val="0249FC"/>
+                </a:solidFill>
+                <a:latin typeface="Consolas" panose="020B0609020204030204" pitchFamily="49" charset="0"/>
+              </a:rPr>
+              <a:t>other</a:t>
+            </a:r>
+            <a:r>
+              <a:rPr lang="en-US" sz="1200" dirty="0">
+                <a:latin typeface="Consolas" panose="020B0609020204030204" pitchFamily="49" charset="0"/>
+              </a:rPr>
+              <a:t> git@gitlab.example.de:git_demo_2 </a:t>
+            </a:r>
+          </a:p>
+          <a:p>
+            <a:pPr marL="514350" lvl="1" indent="0">
               <a:buNone/>
             </a:pPr>
             <a:r>
-              <a:rPr lang="de-DE" altLang="de-DE" dirty="0">
-                <a:latin typeface="Consolas" panose="020B0609020204030204" pitchFamily="49" charset="0"/>
-              </a:rPr>
-              <a:t>	</a:t>
-            </a:r>
-            <a:r>
-              <a:rPr lang="de-DE" altLang="de-DE" dirty="0" err="1">
-                <a:latin typeface="Consolas" panose="020B0609020204030204" pitchFamily="49" charset="0"/>
-              </a:rPr>
-              <a:t>git</a:t>
-            </a:r>
-            <a:r>
-              <a:rPr lang="de-DE" altLang="de-DE" dirty="0">
-                <a:latin typeface="Consolas" panose="020B0609020204030204" pitchFamily="49" charset="0"/>
-              </a:rPr>
-              <a:t> </a:t>
-            </a:r>
-            <a:r>
-              <a:rPr lang="de-DE" altLang="de-DE" dirty="0" err="1">
-                <a:latin typeface="Consolas" panose="020B0609020204030204" pitchFamily="49" charset="0"/>
-              </a:rPr>
-              <a:t>fetch</a:t>
-            </a:r>
-            <a:r>
-              <a:rPr lang="de-DE" altLang="de-DE" dirty="0">
-                <a:latin typeface="Consolas" panose="020B0609020204030204" pitchFamily="49" charset="0"/>
-              </a:rPr>
-              <a:t> </a:t>
-            </a:r>
-            <a:r>
-              <a:rPr lang="de-DE" altLang="de-DE" dirty="0" err="1">
-                <a:latin typeface="Consolas" panose="020B0609020204030204" pitchFamily="49" charset="0"/>
-              </a:rPr>
-              <a:t>origin</a:t>
-            </a:r>
-            <a:endParaRPr lang="de-DE" altLang="de-DE" dirty="0">
+              <a:rPr lang="en-US" sz="1200" dirty="0">
+                <a:latin typeface="Consolas" panose="020B0609020204030204" pitchFamily="49" charset="0"/>
+              </a:rPr>
+              <a:t>$ git branch --all </a:t>
+            </a:r>
+          </a:p>
+          <a:p>
+            <a:pPr marL="514350" lvl="1" indent="0">
+              <a:buNone/>
+            </a:pPr>
+            <a:r>
+              <a:rPr lang="en-US" sz="1200" dirty="0">
+                <a:latin typeface="Consolas" panose="020B0609020204030204" pitchFamily="49" charset="0"/>
+              </a:rPr>
+              <a:t>* main </a:t>
+            </a:r>
+            <a:br>
+              <a:rPr lang="en-US" sz="1200" dirty="0">
+                <a:latin typeface="Consolas" panose="020B0609020204030204" pitchFamily="49" charset="0"/>
+              </a:rPr>
+            </a:br>
+            <a:r>
+              <a:rPr lang="en-US" sz="1200" dirty="0">
+                <a:latin typeface="Consolas" panose="020B0609020204030204" pitchFamily="49" charset="0"/>
+              </a:rPr>
+              <a:t>remotes/origin/HEAD -&gt; origin/main </a:t>
+            </a:r>
+            <a:br>
+              <a:rPr lang="en-US" sz="1200" dirty="0">
+                <a:latin typeface="Consolas" panose="020B0609020204030204" pitchFamily="49" charset="0"/>
+              </a:rPr>
+            </a:br>
+            <a:r>
+              <a:rPr lang="en-US" sz="1200" dirty="0">
+                <a:latin typeface="Consolas" panose="020B0609020204030204" pitchFamily="49" charset="0"/>
+              </a:rPr>
+              <a:t>remotes/origin/feature1 </a:t>
+            </a:r>
+            <a:br>
+              <a:rPr lang="en-US" sz="1200" dirty="0">
+                <a:latin typeface="Consolas" panose="020B0609020204030204" pitchFamily="49" charset="0"/>
+              </a:rPr>
+            </a:br>
+            <a:r>
+              <a:rPr lang="en-US" sz="1200" dirty="0">
+                <a:latin typeface="Consolas" panose="020B0609020204030204" pitchFamily="49" charset="0"/>
+              </a:rPr>
+              <a:t>remotes/origin/feature2 </a:t>
+            </a:r>
+            <a:br>
+              <a:rPr lang="en-US" sz="1200" dirty="0">
+                <a:latin typeface="Consolas" panose="020B0609020204030204" pitchFamily="49" charset="0"/>
+              </a:rPr>
+            </a:br>
+            <a:r>
+              <a:rPr lang="en-US" sz="1200" dirty="0">
+                <a:latin typeface="Consolas" panose="020B0609020204030204" pitchFamily="49" charset="0"/>
+              </a:rPr>
+              <a:t>…</a:t>
+            </a:r>
+            <a:br>
+              <a:rPr lang="en-US" sz="1200" dirty="0">
+                <a:latin typeface="Consolas" panose="020B0609020204030204" pitchFamily="49" charset="0"/>
+              </a:rPr>
+            </a:br>
+            <a:r>
+              <a:rPr lang="en-US" sz="1200" dirty="0">
+                <a:latin typeface="Consolas" panose="020B0609020204030204" pitchFamily="49" charset="0"/>
+              </a:rPr>
+              <a:t>remotes/</a:t>
+            </a:r>
+            <a:r>
+              <a:rPr lang="en-US" sz="1200" dirty="0">
+                <a:solidFill>
+                  <a:srgbClr val="0249FC"/>
+                </a:solidFill>
+                <a:latin typeface="Consolas" panose="020B0609020204030204" pitchFamily="49" charset="0"/>
+              </a:rPr>
+              <a:t>other</a:t>
+            </a:r>
+            <a:r>
+              <a:rPr lang="en-US" sz="1200" dirty="0">
+                <a:latin typeface="Consolas" panose="020B0609020204030204" pitchFamily="49" charset="0"/>
+              </a:rPr>
+              <a:t>/</a:t>
+            </a:r>
+            <a:r>
+              <a:rPr lang="en-US" sz="1200" dirty="0" err="1">
+                <a:latin typeface="Consolas" panose="020B0609020204030204" pitchFamily="49" charset="0"/>
+              </a:rPr>
+              <a:t>other_feature</a:t>
+            </a:r>
+            <a:endParaRPr lang="de-DE" altLang="de-DE" sz="1200" dirty="0">
               <a:latin typeface="Consolas" panose="020B0609020204030204" pitchFamily="49" charset="0"/>
             </a:endParaRPr>
-          </a:p>
-          <a:p>
-            <a:pPr marL="57150" indent="0">
-              <a:spcAft>
-                <a:spcPts val="300"/>
-              </a:spcAft>
-              <a:buNone/>
-            </a:pPr>
-            <a:endParaRPr lang="de-DE" altLang="de-DE" dirty="0">
-              <a:latin typeface="Consolas" panose="020B0609020204030204" pitchFamily="49" charset="0"/>
-            </a:endParaRPr>
-          </a:p>
-          <a:p>
-            <a:pPr marL="57150" indent="0">
-              <a:spcAft>
-                <a:spcPts val="300"/>
-              </a:spcAft>
-              <a:buNone/>
-            </a:pPr>
-            <a:r>
-              <a:rPr lang="de-DE" altLang="de-DE" dirty="0">
-                <a:latin typeface="Consolas" panose="020B0609020204030204" pitchFamily="49" charset="0"/>
-              </a:rPr>
-              <a:t>	</a:t>
-            </a:r>
-            <a:r>
-              <a:rPr lang="de-DE" altLang="de-DE" dirty="0" err="1">
-                <a:latin typeface="Consolas" panose="020B0609020204030204" pitchFamily="49" charset="0"/>
-              </a:rPr>
-              <a:t>git</a:t>
-            </a:r>
-            <a:r>
-              <a:rPr lang="de-DE" altLang="de-DE" dirty="0">
-                <a:latin typeface="Consolas" panose="020B0609020204030204" pitchFamily="49" charset="0"/>
-              </a:rPr>
-              <a:t> </a:t>
-            </a:r>
-            <a:r>
-              <a:rPr lang="de-DE" altLang="de-DE" dirty="0" err="1">
-                <a:latin typeface="Consolas" panose="020B0609020204030204" pitchFamily="49" charset="0"/>
-              </a:rPr>
-              <a:t>merge</a:t>
-            </a:r>
-            <a:r>
-              <a:rPr lang="de-DE" altLang="de-DE" dirty="0">
-                <a:latin typeface="Consolas" panose="020B0609020204030204" pitchFamily="49" charset="0"/>
-              </a:rPr>
-              <a:t> </a:t>
-            </a:r>
-            <a:r>
-              <a:rPr lang="de-DE" altLang="de-DE" dirty="0" err="1">
-                <a:latin typeface="Consolas" panose="020B0609020204030204" pitchFamily="49" charset="0"/>
-              </a:rPr>
-              <a:t>origin</a:t>
-            </a:r>
-            <a:r>
-              <a:rPr lang="de-DE" altLang="de-DE" dirty="0">
-                <a:latin typeface="Consolas" panose="020B0609020204030204" pitchFamily="49" charset="0"/>
-              </a:rPr>
-              <a:t>/feature </a:t>
-            </a:r>
-          </a:p>
-          <a:p>
-            <a:pPr marL="57150" indent="0">
-              <a:spcAft>
-                <a:spcPts val="300"/>
-              </a:spcAft>
-              <a:buNone/>
-            </a:pPr>
-            <a:r>
-              <a:rPr lang="de-DE" altLang="de-DE" dirty="0">
-                <a:latin typeface="Consolas" panose="020B0609020204030204" pitchFamily="49" charset="0"/>
-              </a:rPr>
-              <a:t>	</a:t>
-            </a:r>
-            <a:r>
-              <a:rPr lang="de-DE" altLang="de-DE" dirty="0"/>
-              <a:t>oder </a:t>
-            </a:r>
-          </a:p>
-          <a:p>
-            <a:pPr marL="57150" indent="0">
-              <a:spcAft>
-                <a:spcPts val="300"/>
-              </a:spcAft>
-              <a:buNone/>
-            </a:pPr>
-            <a:r>
-              <a:rPr lang="de-DE" altLang="de-DE" dirty="0">
-                <a:latin typeface="Consolas" panose="020B0609020204030204" pitchFamily="49" charset="0"/>
-              </a:rPr>
-              <a:t>	</a:t>
-            </a:r>
-            <a:r>
-              <a:rPr lang="de-DE" altLang="de-DE" dirty="0" err="1">
-                <a:latin typeface="Consolas" panose="020B0609020204030204" pitchFamily="49" charset="0"/>
-              </a:rPr>
-              <a:t>git</a:t>
-            </a:r>
-            <a:r>
-              <a:rPr lang="de-DE" altLang="de-DE" dirty="0">
-                <a:latin typeface="Consolas" panose="020B0609020204030204" pitchFamily="49" charset="0"/>
-              </a:rPr>
-              <a:t> </a:t>
-            </a:r>
-            <a:r>
-              <a:rPr lang="de-DE" altLang="de-DE" dirty="0" err="1">
-                <a:latin typeface="Consolas" panose="020B0609020204030204" pitchFamily="49" charset="0"/>
-              </a:rPr>
-              <a:t>rebase</a:t>
-            </a:r>
-            <a:r>
-              <a:rPr lang="de-DE" altLang="de-DE" dirty="0">
-                <a:latin typeface="Consolas" panose="020B0609020204030204" pitchFamily="49" charset="0"/>
-              </a:rPr>
-              <a:t> </a:t>
-            </a:r>
-            <a:r>
-              <a:rPr lang="de-DE" altLang="de-DE" dirty="0" err="1">
-                <a:latin typeface="Consolas" panose="020B0609020204030204" pitchFamily="49" charset="0"/>
-              </a:rPr>
-              <a:t>origin</a:t>
-            </a:r>
-            <a:r>
-              <a:rPr lang="de-DE" altLang="de-DE" dirty="0">
-                <a:latin typeface="Consolas" panose="020B0609020204030204" pitchFamily="49" charset="0"/>
-              </a:rPr>
-              <a:t>/feature</a:t>
-            </a:r>
           </a:p>
         </p:txBody>
       </p:sp>
@@ -8822,7 +9349,7 @@
     </p:spTree>
     <p:extLst>
       <p:ext uri="{BB962C8B-B14F-4D97-AF65-F5344CB8AC3E}">
-        <p14:creationId xmlns:p14="http://schemas.microsoft.com/office/powerpoint/2010/main" val="3053364118"/>
+        <p14:creationId xmlns:p14="http://schemas.microsoft.com/office/powerpoint/2010/main" val="995659121"/>
       </p:ext>
     </p:extLst>
   </p:cSld>
@@ -8886,7 +9413,7 @@
             </a:pPr>
             <a:r>
               <a:rPr lang="de-DE" altLang="de-DE" b="1" dirty="0"/>
-              <a:t>Pull Befehl</a:t>
+              <a:t>Abrufen von Änderungen aus Remote Repository</a:t>
             </a:r>
           </a:p>
           <a:p>
@@ -8899,98 +9426,25 @@
               </a:spcAft>
             </a:pPr>
             <a:r>
-              <a:rPr lang="de-DE" altLang="de-DE" dirty="0" err="1">
-                <a:latin typeface="Consolas" panose="020B0609020204030204" pitchFamily="49" charset="0"/>
-              </a:rPr>
-              <a:t>git</a:t>
-            </a:r>
-            <a:r>
-              <a:rPr lang="de-DE" altLang="de-DE" dirty="0">
-                <a:latin typeface="Consolas" panose="020B0609020204030204" pitchFamily="49" charset="0"/>
-              </a:rPr>
-              <a:t> pull </a:t>
-            </a:r>
-            <a:r>
               <a:rPr lang="de-DE" altLang="de-DE" dirty="0"/>
-              <a:t>als Kombination von </a:t>
-            </a:r>
-            <a:r>
-              <a:rPr lang="de-DE" altLang="de-DE" dirty="0" err="1">
-                <a:latin typeface="Consolas" panose="020B0609020204030204" pitchFamily="49" charset="0"/>
-              </a:rPr>
-              <a:t>git</a:t>
-            </a:r>
-            <a:r>
-              <a:rPr lang="de-DE" altLang="de-DE" dirty="0">
-                <a:latin typeface="Consolas" panose="020B0609020204030204" pitchFamily="49" charset="0"/>
-              </a:rPr>
-              <a:t> </a:t>
-            </a:r>
-            <a:r>
-              <a:rPr lang="de-DE" altLang="de-DE" dirty="0" err="1">
-                <a:latin typeface="Consolas" panose="020B0609020204030204" pitchFamily="49" charset="0"/>
-              </a:rPr>
-              <a:t>fetch</a:t>
-            </a:r>
-            <a:r>
-              <a:rPr lang="de-DE" altLang="de-DE" dirty="0">
-                <a:latin typeface="Consolas" panose="020B0609020204030204" pitchFamily="49" charset="0"/>
-              </a:rPr>
-              <a:t> </a:t>
+              <a:t>Informationen über </a:t>
+            </a:r>
+            <a:r>
+              <a:rPr lang="de-DE" altLang="de-DE" dirty="0" err="1"/>
+              <a:t>Commits</a:t>
             </a:r>
             <a:r>
               <a:rPr lang="de-DE" altLang="de-DE" dirty="0"/>
-              <a:t>und </a:t>
-            </a:r>
-            <a:r>
-              <a:rPr lang="de-DE" altLang="de-DE" dirty="0" err="1">
-                <a:latin typeface="Consolas" panose="020B0609020204030204" pitchFamily="49" charset="0"/>
-              </a:rPr>
-              <a:t>git</a:t>
-            </a:r>
-            <a:r>
-              <a:rPr lang="de-DE" altLang="de-DE" dirty="0">
-                <a:latin typeface="Consolas" panose="020B0609020204030204" pitchFamily="49" charset="0"/>
-              </a:rPr>
-              <a:t> </a:t>
-            </a:r>
-            <a:r>
-              <a:rPr lang="de-DE" altLang="de-DE" dirty="0" err="1">
-                <a:latin typeface="Consolas" panose="020B0609020204030204" pitchFamily="49" charset="0"/>
-              </a:rPr>
-              <a:t>merge</a:t>
-            </a:r>
-            <a:r>
-              <a:rPr lang="de-DE" altLang="de-DE" dirty="0">
-                <a:latin typeface="Consolas" panose="020B0609020204030204" pitchFamily="49" charset="0"/>
-              </a:rPr>
-              <a:t> </a:t>
+              <a:t>, </a:t>
+            </a:r>
+            <a:r>
+              <a:rPr lang="de-DE" altLang="de-DE" dirty="0" err="1"/>
+              <a:t>Branches</a:t>
             </a:r>
             <a:r>
               <a:rPr lang="de-DE" altLang="de-DE" dirty="0"/>
-              <a:t>oder </a:t>
-            </a:r>
-            <a:r>
-              <a:rPr lang="de-DE" altLang="de-DE" dirty="0" err="1">
-                <a:latin typeface="Consolas" panose="020B0609020204030204" pitchFamily="49" charset="0"/>
-              </a:rPr>
-              <a:t>git</a:t>
-            </a:r>
-            <a:r>
-              <a:rPr lang="de-DE" altLang="de-DE" dirty="0">
-                <a:latin typeface="Consolas" panose="020B0609020204030204" pitchFamily="49" charset="0"/>
-              </a:rPr>
-              <a:t> </a:t>
-            </a:r>
-            <a:r>
-              <a:rPr lang="de-DE" altLang="de-DE" dirty="0" err="1">
-                <a:latin typeface="Consolas" panose="020B0609020204030204" pitchFamily="49" charset="0"/>
-              </a:rPr>
-              <a:t>rebase</a:t>
-            </a:r>
-            <a:endParaRPr lang="de-DE" altLang="de-DE" dirty="0">
-              <a:latin typeface="Consolas" panose="020B0609020204030204" pitchFamily="49" charset="0"/>
-            </a:endParaRPr>
+              <a:t>, Tags, … abrufen</a:t>
+            </a:r>
           </a:p>
           <a:p>
             <a:pPr marL="57150" indent="0">
@@ -9003,22 +9457,32 @@
               <a:buNone/>
             </a:pPr>
             <a:r>
+              <a:rPr lang="de-DE" altLang="de-DE" dirty="0"/>
+              <a:t>	</a:t>
+            </a:r>
+            <a:r>
+              <a:rPr lang="de-DE" altLang="de-DE" dirty="0" err="1">
+                <a:latin typeface="Consolas" panose="020B0609020204030204" pitchFamily="49" charset="0"/>
+              </a:rPr>
+              <a:t>git</a:t>
+            </a:r>
+            <a:r>
               <a:rPr lang="de-DE" altLang="de-DE" dirty="0">
                 <a:latin typeface="Consolas" panose="020B0609020204030204" pitchFamily="49" charset="0"/>
               </a:rPr>
-              <a:t>	</a:t>
+              <a:t> </a:t>
             </a:r>
             <a:r>
               <a:rPr lang="de-DE" altLang="de-DE" dirty="0" err="1">
                 <a:latin typeface="Consolas" panose="020B0609020204030204" pitchFamily="49" charset="0"/>
               </a:rPr>
-              <a:t>git</a:t>
+              <a:t>fetch</a:t>
             </a:r>
             <a:r>
               <a:rPr lang="de-DE" altLang="de-DE" dirty="0">
                 <a:latin typeface="Consolas" panose="020B0609020204030204" pitchFamily="49" charset="0"/>
               </a:rPr>
-              <a:t> pull</a:t>
+              <a:t> &lt;remote&gt;</a:t>
             </a:r>
           </a:p>
           <a:p>
@@ -9047,190 +9511,33 @@
               <a:rPr lang="de-DE" altLang="de-DE" dirty="0">
                 <a:latin typeface="Consolas" panose="020B0609020204030204" pitchFamily="49" charset="0"/>
               </a:rPr>
-              <a:t> pull --</a:t>
+              <a:t> </a:t>
             </a:r>
             <a:r>
               <a:rPr lang="de-DE" altLang="de-DE" dirty="0" err="1">
                 <a:latin typeface="Consolas" panose="020B0609020204030204" pitchFamily="49" charset="0"/>
               </a:rPr>
-              <a:t>merge</a:t>
-            </a:r>
-            <a:endParaRPr lang="de-DE" altLang="de-DE" dirty="0">
-              <a:latin typeface="Consolas" panose="020B0609020204030204" pitchFamily="49" charset="0"/>
-            </a:endParaRPr>
-          </a:p>
-          <a:p>
-            <a:pPr marL="57150" indent="0">
-              <a:spcBef>
-                <a:spcPts val="600"/>
-              </a:spcBef>
-              <a:spcAft>
-                <a:spcPts val="300"/>
-              </a:spcAft>
-              <a:buNone/>
-            </a:pPr>
+              <a:t>fetch</a:t>
+            </a:r>
             <a:r>
               <a:rPr lang="de-DE" altLang="de-DE" dirty="0">
                 <a:latin typeface="Consolas" panose="020B0609020204030204" pitchFamily="49" charset="0"/>
               </a:rPr>
-              <a:t>	</a:t>
-            </a:r>
-            <a:r>
-              <a:rPr lang="de-DE" altLang="de-DE" dirty="0" err="1">
-                <a:latin typeface="Consolas" panose="020B0609020204030204" pitchFamily="49" charset="0"/>
-              </a:rPr>
-              <a:t>git</a:t>
+              <a:t> –all (</a:t>
+            </a:r>
+            <a:r>
+              <a:rPr lang="de-DE" altLang="de-DE" dirty="0"/>
+              <a:t>alle verknüpften </a:t>
+            </a:r>
+            <a:r>
+              <a:rPr lang="de-DE" altLang="de-DE" dirty="0" err="1"/>
+              <a:t>Remotes</a:t>
             </a:r>
             <a:r>
               <a:rPr lang="de-DE" altLang="de-DE" dirty="0">
                 <a:latin typeface="Consolas" panose="020B0609020204030204" pitchFamily="49" charset="0"/>
               </a:rPr>
-              <a:t> pull --</a:t>
-            </a:r>
-            <a:r>
-              <a:rPr lang="de-DE" altLang="de-DE" dirty="0" err="1">
-                <a:latin typeface="Consolas" panose="020B0609020204030204" pitchFamily="49" charset="0"/>
-              </a:rPr>
-              <a:t>rebase</a:t>
-            </a:r>
-            <a:endParaRPr lang="de-DE" altLang="de-DE" dirty="0">
-              <a:latin typeface="Consolas" panose="020B0609020204030204" pitchFamily="49" charset="0"/>
-            </a:endParaRPr>
-          </a:p>
-          <a:p>
-            <a:pPr marL="400050">
-              <a:spcBef>
-                <a:spcPts val="600"/>
-              </a:spcBef>
-              <a:spcAft>
-                <a:spcPts val="300"/>
-              </a:spcAft>
-            </a:pPr>
-            <a:r>
-              <a:rPr lang="de-DE" altLang="de-DE" dirty="0"/>
-              <a:t>Default bei </a:t>
-            </a:r>
-            <a:r>
-              <a:rPr lang="de-DE" altLang="de-DE" dirty="0" err="1"/>
-              <a:t>git</a:t>
-            </a:r>
-            <a:r>
-              <a:rPr lang="de-DE" altLang="de-DE" dirty="0"/>
-              <a:t> pull ist </a:t>
-            </a:r>
-            <a:r>
-              <a:rPr lang="de-DE" altLang="de-DE" dirty="0" err="1"/>
-              <a:t>Merge</a:t>
-            </a:r>
-            <a:endParaRPr lang="de-DE" altLang="de-DE" dirty="0"/>
-          </a:p>
-          <a:p>
-            <a:pPr marL="400050">
-              <a:spcBef>
-                <a:spcPts val="600"/>
-              </a:spcBef>
-              <a:spcAft>
-                <a:spcPts val="300"/>
-              </a:spcAft>
-            </a:pPr>
-            <a:r>
-              <a:rPr lang="de-DE" altLang="de-DE" dirty="0"/>
-              <a:t>Kann in .</a:t>
-            </a:r>
-            <a:r>
-              <a:rPr lang="de-DE" altLang="de-DE" dirty="0" err="1"/>
-              <a:t>gitconfig</a:t>
-            </a:r>
-            <a:r>
-              <a:rPr lang="de-DE" altLang="de-DE" dirty="0"/>
-              <a:t> umgestellt werden</a:t>
-            </a:r>
-          </a:p>
-          <a:p>
-            <a:pPr marL="57150" indent="0">
-              <a:spcBef>
-                <a:spcPts val="600"/>
-              </a:spcBef>
-              <a:spcAft>
-                <a:spcPts val="300"/>
-              </a:spcAft>
-              <a:buNone/>
-            </a:pPr>
-            <a:r>
-              <a:rPr lang="de-DE" altLang="de-DE" dirty="0"/>
-              <a:t>	</a:t>
-            </a:r>
-            <a:r>
-              <a:rPr lang="en-US" altLang="de-DE" dirty="0">
-                <a:latin typeface="Consolas" panose="020B0609020204030204" pitchFamily="49" charset="0"/>
-              </a:rPr>
-              <a:t>git config --global </a:t>
-            </a:r>
-            <a:r>
-              <a:rPr lang="en-US" altLang="de-DE" dirty="0" err="1">
-                <a:latin typeface="Consolas" panose="020B0609020204030204" pitchFamily="49" charset="0"/>
-              </a:rPr>
-              <a:t>pull.rebase</a:t>
-            </a:r>
-            <a:r>
-              <a:rPr lang="en-US" altLang="de-DE" dirty="0">
-                <a:latin typeface="Consolas" panose="020B0609020204030204" pitchFamily="49" charset="0"/>
-              </a:rPr>
-              <a:t> false</a:t>
-            </a:r>
-            <a:r>
-              <a:rPr lang="en-US" altLang="de-DE" dirty="0"/>
-              <a:t> 	</a:t>
-            </a:r>
-            <a:r>
-              <a:rPr lang="en-US" altLang="de-DE" dirty="0">
-                <a:sym typeface="Wingdings" panose="05000000000000000000" pitchFamily="2" charset="2"/>
-              </a:rPr>
-              <a:t> Merge</a:t>
-            </a:r>
-          </a:p>
-          <a:p>
-            <a:pPr marL="57150" indent="0">
-              <a:spcBef>
-                <a:spcPts val="600"/>
-              </a:spcBef>
-              <a:spcAft>
-                <a:spcPts val="300"/>
-              </a:spcAft>
-              <a:buNone/>
-            </a:pPr>
-            <a:r>
-              <a:rPr lang="en-US" altLang="de-DE" dirty="0">
-                <a:sym typeface="Wingdings" panose="05000000000000000000" pitchFamily="2" charset="2"/>
-              </a:rPr>
-              <a:t>	</a:t>
-            </a:r>
-            <a:r>
-              <a:rPr lang="en-US" altLang="de-DE" dirty="0">
-                <a:latin typeface="Consolas" panose="020B0609020204030204" pitchFamily="49" charset="0"/>
-                <a:sym typeface="Wingdings" panose="05000000000000000000" pitchFamily="2" charset="2"/>
-              </a:rPr>
-              <a:t>git config --global </a:t>
-            </a:r>
-            <a:r>
-              <a:rPr lang="en-US" altLang="de-DE" dirty="0" err="1">
-                <a:latin typeface="Consolas" panose="020B0609020204030204" pitchFamily="49" charset="0"/>
-                <a:sym typeface="Wingdings" panose="05000000000000000000" pitchFamily="2" charset="2"/>
-              </a:rPr>
-              <a:t>pull.rebase</a:t>
-            </a:r>
-            <a:r>
-              <a:rPr lang="en-US" altLang="de-DE" dirty="0">
-                <a:latin typeface="Consolas" panose="020B0609020204030204" pitchFamily="49" charset="0"/>
-                <a:sym typeface="Wingdings" panose="05000000000000000000" pitchFamily="2" charset="2"/>
-              </a:rPr>
-              <a:t> true 	</a:t>
-            </a:r>
-            <a:r>
-              <a:rPr lang="en-US" altLang="de-DE" dirty="0">
-                <a:sym typeface="Wingdings" panose="05000000000000000000" pitchFamily="2" charset="2"/>
-              </a:rPr>
-              <a:t> Rebase</a:t>
+              <a:t>)</a:t>
             </a:r>
           </a:p>
           <a:p>
@@ -9240,50 +9547,41 @@
               </a:spcAft>
             </a:pPr>
             <a:r>
-              <a:rPr lang="en-US" altLang="de-DE" dirty="0" err="1">
-                <a:sym typeface="Wingdings" panose="05000000000000000000" pitchFamily="2" charset="2"/>
-              </a:rPr>
-              <a:t>Einstellung</a:t>
-            </a:r>
-            <a:r>
-              <a:rPr lang="en-US" altLang="de-DE" dirty="0">
-                <a:sym typeface="Wingdings" panose="05000000000000000000" pitchFamily="2" charset="2"/>
-              </a:rPr>
-              <a:t> für </a:t>
-            </a:r>
-            <a:r>
-              <a:rPr lang="en-US" altLang="de-DE" dirty="0" err="1">
-                <a:sym typeface="Wingdings" panose="05000000000000000000" pitchFamily="2" charset="2"/>
-              </a:rPr>
-              <a:t>einzelne</a:t>
-            </a:r>
-            <a:r>
-              <a:rPr lang="en-US" altLang="de-DE" dirty="0">
-                <a:sym typeface="Wingdings" panose="05000000000000000000" pitchFamily="2" charset="2"/>
-              </a:rPr>
-              <a:t> Branches </a:t>
-            </a:r>
-            <a:r>
-              <a:rPr lang="en-US" altLang="de-DE" dirty="0" err="1">
-                <a:sym typeface="Wingdings" panose="05000000000000000000" pitchFamily="2" charset="2"/>
-              </a:rPr>
-              <a:t>ebenfalls</a:t>
-            </a:r>
-            <a:r>
-              <a:rPr lang="en-US" altLang="de-DE" dirty="0">
-                <a:sym typeface="Wingdings" panose="05000000000000000000" pitchFamily="2" charset="2"/>
-              </a:rPr>
-              <a:t> </a:t>
-            </a:r>
-            <a:r>
-              <a:rPr lang="en-US" altLang="de-DE" dirty="0" err="1">
-                <a:sym typeface="Wingdings" panose="05000000000000000000" pitchFamily="2" charset="2"/>
-              </a:rPr>
-              <a:t>möglich</a:t>
-            </a:r>
-            <a:endParaRPr lang="en-US" altLang="de-DE" dirty="0">
-              <a:sym typeface="Wingdings" panose="05000000000000000000" pitchFamily="2" charset="2"/>
-            </a:endParaRPr>
+              <a:rPr lang="de-DE" altLang="de-DE" dirty="0"/>
+              <a:t>Aktualisiert nur Remote Tracking Bereich des </a:t>
+            </a:r>
+            <a:r>
+              <a:rPr lang="de-DE" altLang="de-DE" dirty="0" err="1"/>
+              <a:t>Repositories</a:t>
+            </a:r>
+            <a:endParaRPr lang="de-DE" altLang="de-DE" dirty="0"/>
+          </a:p>
+          <a:p>
+            <a:pPr marL="400050">
+              <a:spcAft>
+                <a:spcPts val="300"/>
+              </a:spcAft>
+            </a:pPr>
+            <a:r>
+              <a:rPr lang="de-DE" altLang="de-DE" dirty="0"/>
+              <a:t>Änderungen müssen mittels </a:t>
+            </a:r>
+            <a:r>
+              <a:rPr lang="de-DE" altLang="de-DE" dirty="0" err="1"/>
+              <a:t>Merge</a:t>
+            </a:r>
+            <a:r>
+              <a:rPr lang="de-DE" altLang="de-DE" dirty="0"/>
+              <a:t> oder </a:t>
+            </a:r>
+            <a:r>
+              <a:rPr lang="de-DE" altLang="de-DE" dirty="0" err="1"/>
+              <a:t>Rebase</a:t>
+            </a:r>
+            <a:r>
+              <a:rPr lang="de-DE" altLang="de-DE" dirty="0"/>
+              <a:t> in lokalen Branch übernommen werden</a:t>
+            </a:r>
           </a:p>
           <a:p>
             <a:pPr marL="57150" indent="0">
@@ -9297,22 +9595,205 @@
               <a:t>	</a:t>
             </a:r>
             <a:r>
-              <a:rPr lang="en-US" altLang="de-DE" dirty="0">
-                <a:latin typeface="Consolas" panose="020B0609020204030204" pitchFamily="49" charset="0"/>
-              </a:rPr>
-              <a:t>git config branch.&lt;branch-name&gt;.rebase true</a:t>
+              <a:rPr lang="de-DE" altLang="de-DE" dirty="0" err="1">
+                <a:latin typeface="Consolas" panose="020B0609020204030204" pitchFamily="49" charset="0"/>
+              </a:rPr>
+              <a:t>git</a:t>
+            </a:r>
+            <a:r>
+              <a:rPr lang="de-DE" altLang="de-DE" dirty="0">
+                <a:latin typeface="Consolas" panose="020B0609020204030204" pitchFamily="49" charset="0"/>
+              </a:rPr>
+              <a:t> </a:t>
+            </a:r>
+            <a:r>
+              <a:rPr lang="de-DE" altLang="de-DE" dirty="0" err="1">
+                <a:latin typeface="Consolas" panose="020B0609020204030204" pitchFamily="49" charset="0"/>
+              </a:rPr>
+              <a:t>checkout</a:t>
+            </a:r>
+            <a:r>
+              <a:rPr lang="de-DE" altLang="de-DE" dirty="0">
+                <a:latin typeface="Consolas" panose="020B0609020204030204" pitchFamily="49" charset="0"/>
+              </a:rPr>
+              <a:t> feature</a:t>
+            </a:r>
+          </a:p>
+          <a:p>
+            <a:pPr marL="57150" indent="0">
+              <a:spcAft>
+                <a:spcPts val="300"/>
+              </a:spcAft>
+              <a:buNone/>
+            </a:pPr>
+            <a:r>
+              <a:rPr lang="de-DE" altLang="de-DE" dirty="0">
+                <a:latin typeface="Consolas" panose="020B0609020204030204" pitchFamily="49" charset="0"/>
+              </a:rPr>
+              <a:t>	</a:t>
+            </a:r>
+            <a:r>
+              <a:rPr lang="de-DE" altLang="de-DE" dirty="0" err="1">
+                <a:latin typeface="Consolas" panose="020B0609020204030204" pitchFamily="49" charset="0"/>
+              </a:rPr>
+              <a:t>git</a:t>
+            </a:r>
+            <a:r>
+              <a:rPr lang="de-DE" altLang="de-DE" dirty="0">
+                <a:latin typeface="Consolas" panose="020B0609020204030204" pitchFamily="49" charset="0"/>
+              </a:rPr>
+              <a:t> </a:t>
+            </a:r>
+            <a:r>
+              <a:rPr lang="de-DE" altLang="de-DE" dirty="0" err="1">
+                <a:latin typeface="Consolas" panose="020B0609020204030204" pitchFamily="49" charset="0"/>
+              </a:rPr>
+              <a:t>fetch</a:t>
+            </a:r>
+            <a:r>
+              <a:rPr lang="de-DE" altLang="de-DE" dirty="0">
+                <a:latin typeface="Consolas" panose="020B0609020204030204" pitchFamily="49" charset="0"/>
+              </a:rPr>
+              <a:t> </a:t>
+            </a:r>
+            <a:r>
+              <a:rPr lang="de-DE" altLang="de-DE" dirty="0" err="1">
+                <a:latin typeface="Consolas" panose="020B0609020204030204" pitchFamily="49" charset="0"/>
+              </a:rPr>
+              <a:t>origin</a:t>
             </a:r>
             <a:endParaRPr lang="de-DE" altLang="de-DE" dirty="0">
               <a:latin typeface="Consolas" panose="020B0609020204030204" pitchFamily="49" charset="0"/>
             </a:endParaRPr>
           </a:p>
           <a:p>
-            <a:pPr marL="400050">
+            <a:pPr marL="57150" indent="0">
               <a:spcAft>
                 <a:spcPts val="300"/>
               </a:spcAft>
-            </a:pPr>
-            <a:endParaRPr lang="en-US" altLang="de-DE" dirty="0"/>
+              <a:buNone/>
+            </a:pPr>
+            <a:endParaRPr lang="de-DE" altLang="de-DE" dirty="0">
+              <a:latin typeface="Consolas" panose="020B0609020204030204" pitchFamily="49" charset="0"/>
+            </a:endParaRPr>
+          </a:p>
+          <a:p>
+            <a:pPr marL="57150" indent="0">
+              <a:spcAft>
+                <a:spcPts val="300"/>
+              </a:spcAft>
+              <a:buNone/>
+            </a:pPr>
+            <a:r>
+              <a:rPr lang="de-DE" altLang="de-DE" dirty="0">
+                <a:latin typeface="Consolas" panose="020B0609020204030204" pitchFamily="49" charset="0"/>
+              </a:rPr>
+              <a:t>	</a:t>
+            </a:r>
+            <a:r>
+              <a:rPr lang="de-DE" altLang="de-DE" dirty="0" err="1">
+                <a:latin typeface="Consolas" panose="020B0609020204030204" pitchFamily="49" charset="0"/>
+              </a:rPr>
+              <a:t>git</a:t>
+            </a:r>
+            <a:r>
+              <a:rPr lang="de-DE" altLang="de-DE" dirty="0">
+                <a:latin typeface="Consolas" panose="020B0609020204030204" pitchFamily="49" charset="0"/>
+              </a:rPr>
+              <a:t> </a:t>
+            </a:r>
+            <a:r>
+              <a:rPr lang="de-DE" altLang="de-DE" dirty="0" err="1">
+                <a:latin typeface="Consolas" panose="020B0609020204030204" pitchFamily="49" charset="0"/>
+              </a:rPr>
+              <a:t>merge</a:t>
+            </a:r>
+            <a:r>
+              <a:rPr lang="de-DE" altLang="de-DE" dirty="0">
+                <a:latin typeface="Consolas" panose="020B0609020204030204" pitchFamily="49" charset="0"/>
+              </a:rPr>
+              <a:t> </a:t>
+            </a:r>
+            <a:r>
+              <a:rPr lang="de-DE" altLang="de-DE" dirty="0" err="1">
+                <a:latin typeface="Consolas" panose="020B0609020204030204" pitchFamily="49" charset="0"/>
+              </a:rPr>
+              <a:t>origin</a:t>
+            </a:r>
+            <a:r>
+              <a:rPr lang="de-DE" altLang="de-DE" dirty="0">
+                <a:latin typeface="Consolas" panose="020B0609020204030204" pitchFamily="49" charset="0"/>
+              </a:rPr>
+              <a:t>/feature </a:t>
+            </a:r>
+          </a:p>
+          <a:p>
+            <a:pPr marL="57150" indent="0">
+              <a:spcAft>
+                <a:spcPts val="300"/>
+              </a:spcAft>
+              <a:buNone/>
+            </a:pPr>
+            <a:r>
+              <a:rPr lang="de-DE" altLang="de-DE" dirty="0">
+                <a:latin typeface="Consolas" panose="020B0609020204030204" pitchFamily="49" charset="0"/>
+              </a:rPr>
+              <a:t>	</a:t>
+            </a:r>
+            <a:r>
+              <a:rPr lang="de-DE" altLang="de-DE" dirty="0"/>
+              <a:t>oder </a:t>
+            </a:r>
+          </a:p>
+          <a:p>
+            <a:pPr marL="57150" indent="0">
+              <a:spcAft>
+                <a:spcPts val="300"/>
+              </a:spcAft>
+              <a:buNone/>
+            </a:pPr>
+            <a:r>
+              <a:rPr lang="de-DE" altLang="de-DE" dirty="0">
+                <a:latin typeface="Consolas" panose="020B0609020204030204" pitchFamily="49" charset="0"/>
+              </a:rPr>
+              <a:t>	</a:t>
+            </a:r>
+            <a:r>
+              <a:rPr lang="de-DE" altLang="de-DE" dirty="0" err="1">
+                <a:latin typeface="Consolas" panose="020B0609020204030204" pitchFamily="49" charset="0"/>
+              </a:rPr>
+              <a:t>git</a:t>
+            </a:r>
+            <a:r>
+              <a:rPr lang="de-DE" altLang="de-DE" dirty="0">
+                <a:latin typeface="Consolas" panose="020B0609020204030204" pitchFamily="49" charset="0"/>
+              </a:rPr>
+              <a:t> </a:t>
+            </a:r>
+            <a:r>
+              <a:rPr lang="de-DE" altLang="de-DE" dirty="0" err="1">
+                <a:latin typeface="Consolas" panose="020B0609020204030204" pitchFamily="49" charset="0"/>
+              </a:rPr>
+              <a:t>rebase</a:t>
+            </a:r>
+            <a:r>
+              <a:rPr lang="de-DE" altLang="de-DE" dirty="0">
+                <a:latin typeface="Consolas" panose="020B0609020204030204" pitchFamily="49" charset="0"/>
+              </a:rPr>
+              <a:t> </a:t>
+            </a:r>
+            <a:r>
+              <a:rPr lang="de-DE" altLang="de-DE" dirty="0" err="1">
+                <a:latin typeface="Consolas" panose="020B0609020204030204" pitchFamily="49" charset="0"/>
+              </a:rPr>
+              <a:t>origin</a:t>
+            </a:r>
+            <a:r>
+              <a:rPr lang="de-DE" altLang="de-DE" dirty="0">
+                <a:latin typeface="Consolas" panose="020B0609020204030204" pitchFamily="49" charset="0"/>
+              </a:rPr>
+              <a:t>/feature</a:t>
+            </a:r>
           </a:p>
         </p:txBody>
       </p:sp>
@@ -9352,7 +9833,7 @@
     </p:spTree>
     <p:extLst>
       <p:ext uri="{BB962C8B-B14F-4D97-AF65-F5344CB8AC3E}">
-        <p14:creationId xmlns:p14="http://schemas.microsoft.com/office/powerpoint/2010/main" val="2131263901"/>
+        <p14:creationId xmlns:p14="http://schemas.microsoft.com/office/powerpoint/2010/main" val="3053364118"/>
       </p:ext>
     </p:extLst>
   </p:cSld>

--- a/slides/Tag-1_4-Git-Remote_Light.pptx
+++ b/slides/Tag-1_4-Git-Remote_Light.pptx
@@ -1689,7 +1689,7 @@
               <a:pPr algn="ctr">
                 <a:defRPr/>
               </a:pPr>
-              <a:t>10.06.2024</a:t>
+              <a:t>11.06.2024</a:t>
             </a:fld>
             <a:endParaRPr lang="de-DE" sz="1000" dirty="0">
               <a:solidFill>
@@ -2538,6 +2538,42 @@
           </a:p>
         </p:txBody>
       </p:sp>
+      <p:pic>
+        <p:nvPicPr>
+          <p:cNvPr id="3" name="Grafik 2">
+            <a:extLst>
+              <a:ext uri="{FF2B5EF4-FFF2-40B4-BE49-F238E27FC236}">
+                <a16:creationId xmlns:a16="http://schemas.microsoft.com/office/drawing/2014/main" id="{ECE3DD68-2A3C-BB2B-63DD-13C8A16E1041}"/>
+              </a:ext>
+            </a:extLst>
+          </p:cNvPr>
+          <p:cNvPicPr>
+            <a:picLocks noChangeAspect="1"/>
+          </p:cNvPicPr>
+          <p:nvPr userDrawn="1"/>
+        </p:nvPicPr>
+        <p:blipFill>
+          <a:blip r:embed="rId7">
+            <a:extLst>
+              <a:ext uri="{28A0092B-C50C-407E-A947-70E740481C1C}">
+                <a14:useLocalDpi xmlns:a14="http://schemas.microsoft.com/office/drawing/2010/main" val="0"/>
+              </a:ext>
+            </a:extLst>
+          </a:blip>
+          <a:stretch>
+            <a:fillRect/>
+          </a:stretch>
+        </p:blipFill>
+        <p:spPr>
+          <a:xfrm>
+            <a:off x="8486775" y="-15729"/>
+            <a:ext cx="636272" cy="636272"/>
+          </a:xfrm>
+          <a:prstGeom prst="rect">
+            <a:avLst/>
+          </a:prstGeom>
+        </p:spPr>
+      </p:pic>
     </p:spTree>
   </p:cSld>
   <p:clrMap bg1="lt1" tx1="dk1" bg2="lt2" tx2="dk2" accent1="accent1" accent2="accent2" accent3="accent3" accent4="accent4" accent5="accent5" accent6="accent6" hlink="hlink" folHlink="folHlink"/>
@@ -3787,7 +3823,7 @@
               <a:pPr algn="ctr">
                 <a:defRPr/>
               </a:pPr>
-              <a:t>10.06.2024</a:t>
+              <a:t>11.06.2024</a:t>
             </a:fld>
             <a:endParaRPr lang="de-DE" sz="1000">
               <a:solidFill>
@@ -4636,6 +4672,42 @@
           </a:p>
         </p:txBody>
       </p:sp>
+      <p:pic>
+        <p:nvPicPr>
+          <p:cNvPr id="3" name="Grafik 2">
+            <a:extLst>
+              <a:ext uri="{FF2B5EF4-FFF2-40B4-BE49-F238E27FC236}">
+                <a16:creationId xmlns:a16="http://schemas.microsoft.com/office/drawing/2014/main" id="{B4C711AB-2D5E-633B-FA7F-F6015F1BEBDC}"/>
+              </a:ext>
+            </a:extLst>
+          </p:cNvPr>
+          <p:cNvPicPr>
+            <a:picLocks noChangeAspect="1"/>
+          </p:cNvPicPr>
+          <p:nvPr userDrawn="1"/>
+        </p:nvPicPr>
+        <p:blipFill>
+          <a:blip r:embed="rId7">
+            <a:extLst>
+              <a:ext uri="{28A0092B-C50C-407E-A947-70E740481C1C}">
+                <a14:useLocalDpi xmlns:a14="http://schemas.microsoft.com/office/drawing/2010/main" val="0"/>
+              </a:ext>
+            </a:extLst>
+          </a:blip>
+          <a:stretch>
+            <a:fillRect/>
+          </a:stretch>
+        </p:blipFill>
+        <p:spPr>
+          <a:xfrm>
+            <a:off x="8486775" y="-15729"/>
+            <a:ext cx="636272" cy="636272"/>
+          </a:xfrm>
+          <a:prstGeom prst="rect">
+            <a:avLst/>
+          </a:prstGeom>
+        </p:spPr>
+      </p:pic>
     </p:spTree>
     <p:extLst>
       <p:ext uri="{BB962C8B-B14F-4D97-AF65-F5344CB8AC3E}">

--- a/slides/Tag-1_4-Git-Remote_Light.pptx
+++ b/slides/Tag-1_4-Git-Remote_Light.pptx
@@ -7,10 +7,10 @@
     <p:sldMasterId id="2147483899" r:id="rId3"/>
   </p:sldMasterIdLst>
   <p:notesMasterIdLst>
-    <p:notesMasterId r:id="rId18"/>
+    <p:notesMasterId r:id="rId19"/>
   </p:notesMasterIdLst>
   <p:handoutMasterIdLst>
-    <p:handoutMasterId r:id="rId19"/>
+    <p:handoutMasterId r:id="rId20"/>
   </p:handoutMasterIdLst>
   <p:sldIdLst>
     <p:sldId id="604" r:id="rId4"/>
@@ -26,7 +26,8 @@
     <p:sldId id="376" r:id="rId14"/>
     <p:sldId id="378" r:id="rId15"/>
     <p:sldId id="379" r:id="rId16"/>
-    <p:sldId id="380" r:id="rId17"/>
+    <p:sldId id="605" r:id="rId17"/>
+    <p:sldId id="606" r:id="rId18"/>
   </p:sldIdLst>
   <p:sldSz cx="9144000" cy="6858000" type="screen4x3"/>
   <p:notesSz cx="6784975" cy="9921875"/>
@@ -5556,7 +5557,7 @@
             </a:pPr>
             <a:r>
               <a:rPr lang="de-DE" altLang="de-DE" b="1" dirty="0"/>
-              <a:t>Pull Befehl</a:t>
+              <a:t>Pull</a:t>
             </a:r>
           </a:p>
           <a:p>
@@ -5786,11 +5787,11 @@
             </a:r>
             <a:r>
               <a:rPr lang="de-DE" altLang="de-DE" dirty="0"/>
-              <a:t> pull ist </a:t>
+              <a:t> pull ist --</a:t>
             </a:r>
             <a:r>
               <a:rPr lang="de-DE" altLang="de-DE" dirty="0" err="1"/>
-              <a:t>Merge</a:t>
+              <a:t>merge</a:t>
             </a:r>
             <a:endParaRPr lang="de-DE" altLang="de-DE" dirty="0"/>
           </a:p>
@@ -6110,8 +6111,13 @@
             </a:r>
             <a:r>
               <a:rPr lang="en-US" altLang="de-DE" dirty="0"/>
-              <a:t> warden</a:t>
-            </a:r>
+              <a:t> </a:t>
+            </a:r>
+            <a:r>
+              <a:rPr lang="en-US" altLang="de-DE" dirty="0" err="1"/>
+              <a:t>werden</a:t>
+            </a:r>
+            <a:endParaRPr lang="en-US" altLang="de-DE" dirty="0"/>
           </a:p>
           <a:p>
             <a:pPr marL="57150" indent="0">
@@ -6172,13 +6178,8 @@
             </a:r>
             <a:r>
               <a:rPr lang="en-US" altLang="de-DE" dirty="0"/>
-              <a:t> Merge-Commit </a:t>
-            </a:r>
-            <a:r>
-              <a:rPr lang="en-US" altLang="de-DE" dirty="0" err="1"/>
-              <a:t>erstellen</a:t>
-            </a:r>
-            <a:endParaRPr lang="en-US" altLang="de-DE" dirty="0"/>
+              <a:t> Merge-Commit</a:t>
+            </a:r>
           </a:p>
           <a:p>
             <a:pPr lvl="1">
@@ -6234,11 +6235,11 @@
             </a:br>
             <a:r>
               <a:rPr lang="en-US" altLang="de-DE" dirty="0"/>
-              <a:t>Nur FF, </a:t>
+              <a:t>Nur FF, falls </a:t>
             </a:r>
             <a:r>
               <a:rPr lang="en-US" altLang="de-DE" dirty="0" err="1"/>
-              <a:t>wenn</a:t>
+              <a:t>nicht</a:t>
             </a:r>
             <a:r>
               <a:rPr lang="en-US" altLang="de-DE" dirty="0"/>
@@ -6246,19 +6247,11 @@
             </a:r>
             <a:r>
               <a:rPr lang="en-US" altLang="de-DE" dirty="0" err="1"/>
-              <a:t>nicht</a:t>
+              <a:t>möglich</a:t>
             </a:r>
             <a:r>
               <a:rPr lang="en-US" altLang="de-DE" dirty="0"/>
-              <a:t> </a:t>
-            </a:r>
-            <a:r>
-              <a:rPr lang="en-US" altLang="de-DE" dirty="0" err="1"/>
-              <a:t>möglich</a:t>
-            </a:r>
-            <a:r>
-              <a:rPr lang="en-US" altLang="de-DE" dirty="0"/>
-              <a:t> </a:t>
+              <a:t>, </a:t>
             </a:r>
             <a:r>
               <a:rPr lang="en-US" altLang="de-DE" dirty="0" err="1"/>
@@ -6526,7 +6519,15 @@
             </a:r>
             <a:r>
               <a:rPr lang="de-DE" altLang="de-DE" dirty="0"/>
-              <a:t> auf den Remote Branch zurücksetzen</a:t>
+              <a:t> auf Stand des Remote </a:t>
+            </a:r>
+            <a:r>
+              <a:rPr lang="de-DE" altLang="de-DE" dirty="0" err="1"/>
+              <a:t>Branches</a:t>
+            </a:r>
+            <a:r>
+              <a:rPr lang="de-DE" altLang="de-DE" dirty="0"/>
+              <a:t> zurücksetzen</a:t>
             </a:r>
           </a:p>
           <a:p>
@@ -6691,7 +6692,7 @@
             </a:pPr>
             <a:r>
               <a:rPr lang="de-DE" altLang="de-DE" b="1" dirty="0"/>
-              <a:t>Push Befehl</a:t>
+              <a:t>Push</a:t>
             </a:r>
           </a:p>
           <a:p>
@@ -6789,7 +6790,7 @@
             </a:r>
             <a:r>
               <a:rPr lang="de-DE" altLang="de-DE" dirty="0"/>
-              <a:t> wird konfigurierte Upstream genutzt</a:t>
+              <a:t> wird konfigurierter Upstream genutzt</a:t>
             </a:r>
           </a:p>
           <a:p>
@@ -6930,104 +6931,6 @@
               <a:rPr lang="de-DE" altLang="de-DE" dirty="0"/>
               <a:t>, die Remote noch nicht existieren</a:t>
             </a:r>
-          </a:p>
-          <a:p>
-            <a:pPr marL="400050">
-              <a:spcAft>
-                <a:spcPts val="300"/>
-              </a:spcAft>
-            </a:pPr>
-            <a:r>
-              <a:rPr lang="de-DE" altLang="de-DE" dirty="0">
-                <a:latin typeface="Consolas" panose="020B0609020204030204" pitchFamily="49" charset="0"/>
-              </a:rPr>
-              <a:t>--all </a:t>
-            </a:r>
-            <a:r>
-              <a:rPr lang="de-DE" altLang="de-DE" dirty="0"/>
-              <a:t>ermöglicht pushen von allen </a:t>
-            </a:r>
-            <a:r>
-              <a:rPr lang="de-DE" altLang="de-DE" dirty="0" err="1"/>
-              <a:t>Branches</a:t>
-            </a:r>
-            <a:endParaRPr lang="de-DE" altLang="de-DE" dirty="0"/>
-          </a:p>
-          <a:p>
-            <a:pPr marL="400050">
-              <a:spcAft>
-                <a:spcPts val="300"/>
-              </a:spcAft>
-            </a:pPr>
-            <a:r>
-              <a:rPr lang="de-DE" altLang="de-DE" dirty="0">
-                <a:latin typeface="Consolas" panose="020B0609020204030204" pitchFamily="49" charset="0"/>
-              </a:rPr>
-              <a:t>--tags </a:t>
-            </a:r>
-            <a:r>
-              <a:rPr lang="de-DE" altLang="de-DE" dirty="0" err="1"/>
-              <a:t>pushed</a:t>
-            </a:r>
-            <a:r>
-              <a:rPr lang="de-DE" altLang="de-DE" dirty="0"/>
-              <a:t> zusätzlich zu dem </a:t>
-            </a:r>
-            <a:r>
-              <a:rPr lang="de-DE" altLang="de-DE" dirty="0" err="1"/>
-              <a:t>angebenen</a:t>
-            </a:r>
-            <a:r>
-              <a:rPr lang="de-DE" altLang="de-DE" dirty="0"/>
-              <a:t> Branch alle Tags</a:t>
-            </a:r>
-          </a:p>
-          <a:p>
-            <a:pPr marL="400050">
-              <a:spcAft>
-                <a:spcPts val="300"/>
-              </a:spcAft>
-            </a:pPr>
-            <a:r>
-              <a:rPr lang="de-DE" altLang="de-DE" dirty="0">
-                <a:latin typeface="Consolas" panose="020B0609020204030204" pitchFamily="49" charset="0"/>
-              </a:rPr>
-              <a:t>--</a:t>
-            </a:r>
-            <a:r>
-              <a:rPr lang="de-DE" altLang="de-DE" dirty="0" err="1">
-                <a:latin typeface="Consolas" panose="020B0609020204030204" pitchFamily="49" charset="0"/>
-              </a:rPr>
-              <a:t>force</a:t>
-            </a:r>
-            <a:r>
-              <a:rPr lang="de-DE" altLang="de-DE" dirty="0">
-                <a:latin typeface="Consolas" panose="020B0609020204030204" pitchFamily="49" charset="0"/>
-              </a:rPr>
-              <a:t> </a:t>
-            </a:r>
-            <a:r>
-              <a:rPr lang="de-DE" altLang="de-DE" dirty="0"/>
-              <a:t>oder </a:t>
-            </a:r>
-            <a:r>
-              <a:rPr lang="de-DE" altLang="de-DE" dirty="0">
-                <a:latin typeface="Consolas" panose="020B0609020204030204" pitchFamily="49" charset="0"/>
-              </a:rPr>
-              <a:t>-f</a:t>
-            </a:r>
-            <a:r>
-              <a:rPr lang="de-DE" altLang="de-DE" dirty="0"/>
-              <a:t> ermöglicht Push, auch wenn Commit-Historie nicht zusammenpasst</a:t>
-            </a:r>
-          </a:p>
-          <a:p>
-            <a:pPr marL="800100" lvl="1">
-              <a:spcAft>
-                <a:spcPts val="300"/>
-              </a:spcAft>
-            </a:pPr>
-            <a:endParaRPr lang="de-DE" altLang="de-DE" dirty="0"/>
           </a:p>
         </p:txBody>
       </p:sp>
@@ -7120,62 +7023,128 @@
           <a:bodyPr/>
           <a:lstStyle/>
           <a:p>
-            <a:pPr marL="400050">
+            <a:pPr marL="57150" indent="0">
               <a:spcBef>
                 <a:spcPts val="600"/>
               </a:spcBef>
               <a:spcAft>
                 <a:spcPts val="300"/>
               </a:spcAft>
-            </a:pPr>
-            <a:r>
-              <a:rPr lang="de-DE" altLang="de-DE" dirty="0"/>
-              <a:t>Push benötigt Schreibrechte auf jeweiligen Remote</a:t>
+              <a:buNone/>
+            </a:pPr>
+            <a:r>
+              <a:rPr lang="de-DE" altLang="de-DE" b="1" dirty="0"/>
+              <a:t>Push</a:t>
             </a:r>
           </a:p>
           <a:p>
             <a:pPr marL="400050">
-              <a:spcBef>
-                <a:spcPts val="600"/>
-              </a:spcBef>
               <a:spcAft>
                 <a:spcPts val="300"/>
               </a:spcAft>
             </a:pPr>
             <a:r>
+              <a:rPr lang="de-DE" altLang="de-DE" dirty="0">
+                <a:latin typeface="Consolas" panose="020B0609020204030204" pitchFamily="49" charset="0"/>
+              </a:rPr>
+              <a:t>--all </a:t>
+            </a:r>
+            <a:r>
+              <a:rPr lang="de-DE" altLang="de-DE" dirty="0" err="1"/>
+              <a:t>pushed</a:t>
+            </a:r>
+            <a:r>
               <a:rPr lang="de-DE" altLang="de-DE" dirty="0"/>
-              <a:t>Push muss via Fast-Forward </a:t>
+              <a:t> </a:t>
+            </a:r>
+            <a:r>
+              <a:rPr lang="de-DE" altLang="de-DE" i="1" dirty="0"/>
+              <a:t>alle</a:t>
+            </a:r>
+            <a:r>
+              <a:rPr lang="de-DE" altLang="de-DE" dirty="0"/>
+              <a:t> </a:t>
             </a:r>
             <a:r>
               <a:rPr lang="de-DE" altLang="de-DE" dirty="0" err="1"/>
-              <a:t>Merge</a:t>
-            </a:r>
-            <a:r>
-              <a:rPr lang="de-DE" altLang="de-DE" dirty="0"/>
-              <a:t> im Remote Repository eingebaut werden </a:t>
-            </a:r>
+              <a:t>Branches</a:t>
+            </a:r>
+            <a:endParaRPr lang="de-DE" altLang="de-DE" dirty="0"/>
           </a:p>
           <a:p>
             <a:pPr marL="400050">
-              <a:spcBef>
-                <a:spcPts val="600"/>
-              </a:spcBef>
               <a:spcAft>
                 <a:spcPts val="300"/>
               </a:spcAft>
             </a:pPr>
             <a:r>
+              <a:rPr lang="de-DE" altLang="de-DE" dirty="0">
+                <a:latin typeface="Consolas" panose="020B0609020204030204" pitchFamily="49" charset="0"/>
+              </a:rPr>
+              <a:t>--tags </a:t>
+            </a:r>
+            <a:r>
               <a:rPr lang="de-DE" altLang="de-DE" dirty="0" err="1"/>
-              <a:t>Git</a:t>
+              <a:t>pushed</a:t>
             </a:r>
             <a:r>
               <a:rPr lang="de-DE" altLang="de-DE" dirty="0"/>
-              <a:t> erlaubt ausschließlich Push in Bare </a:t>
+              <a:t> zusätzlich zu dem angegebenen Branch alle Tags</a:t>
+            </a:r>
+          </a:p>
+          <a:p>
+            <a:pPr marL="400050">
+              <a:spcAft>
+                <a:spcPts val="300"/>
+              </a:spcAft>
+            </a:pPr>
+            <a:r>
+              <a:rPr lang="de-DE" altLang="de-DE" dirty="0">
+                <a:latin typeface="Consolas" panose="020B0609020204030204" pitchFamily="49" charset="0"/>
+              </a:rPr>
+              <a:t>--</a:t>
+            </a:r>
+            <a:r>
+              <a:rPr lang="de-DE" altLang="de-DE" dirty="0" err="1">
+                <a:latin typeface="Consolas" panose="020B0609020204030204" pitchFamily="49" charset="0"/>
+              </a:rPr>
+              <a:t>force</a:t>
+            </a:r>
+            <a:r>
+              <a:rPr lang="de-DE" altLang="de-DE" dirty="0">
+                <a:latin typeface="Consolas" panose="020B0609020204030204" pitchFamily="49" charset="0"/>
+              </a:rPr>
+              <a:t> </a:t>
+            </a:r>
+            <a:r>
+              <a:rPr lang="de-DE" altLang="de-DE" dirty="0"/>
+              <a:t>oder </a:t>
+            </a:r>
+            <a:r>
+              <a:rPr lang="de-DE" altLang="de-DE" dirty="0">
+                <a:latin typeface="Consolas" panose="020B0609020204030204" pitchFamily="49" charset="0"/>
+              </a:rPr>
+              <a:t>-f</a:t>
+            </a:r>
+            <a:r>
+              <a:rPr lang="de-DE" altLang="de-DE" dirty="0"/>
+              <a:t> ermöglicht Push, auch wenn Commit-Historie nicht zusammenpasst (z.B. nach </a:t>
             </a:r>
             <a:r>
               <a:rPr lang="de-DE" altLang="de-DE" dirty="0" err="1"/>
-              <a:t>Repositories</a:t>
-            </a:r>
+              <a:t>Rebase</a:t>
+            </a:r>
+            <a:r>
+              <a:rPr lang="de-DE" altLang="de-DE" dirty="0"/>
+              <a:t>)</a:t>
+            </a:r>
+          </a:p>
+          <a:p>
+            <a:pPr marL="800100" lvl="1">
+              <a:spcAft>
+                <a:spcPts val="300"/>
+              </a:spcAft>
+            </a:pPr>
             <a:endParaRPr lang="de-DE" altLang="de-DE" dirty="0"/>
           </a:p>
         </p:txBody>
@@ -7216,7 +7185,171 @@
     </p:spTree>
     <p:extLst>
       <p:ext uri="{BB962C8B-B14F-4D97-AF65-F5344CB8AC3E}">
-        <p14:creationId xmlns:p14="http://schemas.microsoft.com/office/powerpoint/2010/main" val="275338280"/>
+        <p14:creationId xmlns:p14="http://schemas.microsoft.com/office/powerpoint/2010/main" val="3036587770"/>
+      </p:ext>
+    </p:extLst>
+  </p:cSld>
+  <p:clrMapOvr>
+    <a:masterClrMapping/>
+  </p:clrMapOvr>
+</p:sld>
+</file>
+
+<file path=ppt/slides/slide15.xml><?xml version="1.0" encoding="utf-8"?>
+<p:sld xmlns:a="http://schemas.openxmlformats.org/drawingml/2006/main" xmlns:r="http://schemas.openxmlformats.org/officeDocument/2006/relationships" xmlns:p="http://schemas.openxmlformats.org/presentationml/2006/main">
+  <p:cSld>
+    <p:spTree>
+      <p:nvGrpSpPr>
+        <p:cNvPr id="1" name=""/>
+        <p:cNvGrpSpPr/>
+        <p:nvPr/>
+      </p:nvGrpSpPr>
+      <p:grpSpPr>
+        <a:xfrm>
+          <a:off x="0" y="0"/>
+          <a:ext cx="0" cy="0"/>
+          <a:chOff x="0" y="0"/>
+          <a:chExt cx="0" cy="0"/>
+        </a:xfrm>
+      </p:grpSpPr>
+      <p:sp>
+        <p:nvSpPr>
+          <p:cNvPr id="6146" name="Inhaltsplatzhalter 18">
+            <a:extLst>
+              <a:ext uri="{FF2B5EF4-FFF2-40B4-BE49-F238E27FC236}">
+                <a16:creationId xmlns:a16="http://schemas.microsoft.com/office/drawing/2014/main" id="{BE3C4C95-FD5D-27F0-ED0C-AB8113CAC9F1}"/>
+              </a:ext>
+            </a:extLst>
+          </p:cNvPr>
+          <p:cNvSpPr>
+            <a:spLocks noGrp="1"/>
+          </p:cNvSpPr>
+          <p:nvPr>
+            <p:ph idx="1"/>
+          </p:nvPr>
+        </p:nvSpPr>
+        <p:spPr>
+          <a:xfrm>
+            <a:off x="303213" y="981075"/>
+            <a:ext cx="8517259" cy="5400675"/>
+          </a:xfrm>
+        </p:spPr>
+        <p:txBody>
+          <a:bodyPr/>
+          <a:lstStyle/>
+          <a:p>
+            <a:pPr marL="57150" indent="0">
+              <a:spcBef>
+                <a:spcPts val="600"/>
+              </a:spcBef>
+              <a:spcAft>
+                <a:spcPts val="300"/>
+              </a:spcAft>
+              <a:buNone/>
+            </a:pPr>
+            <a:r>
+              <a:rPr lang="de-DE" altLang="de-DE" b="1" dirty="0"/>
+              <a:t>Push</a:t>
+            </a:r>
+          </a:p>
+          <a:p>
+            <a:pPr marL="400050">
+              <a:spcBef>
+                <a:spcPts val="600"/>
+              </a:spcBef>
+              <a:spcAft>
+                <a:spcPts val="300"/>
+              </a:spcAft>
+            </a:pPr>
+            <a:r>
+              <a:rPr lang="de-DE" altLang="de-DE" dirty="0"/>
+              <a:t>Schreibrechte auf jeweilige Remote benötigt</a:t>
+            </a:r>
+          </a:p>
+          <a:p>
+            <a:pPr marL="400050">
+              <a:spcBef>
+                <a:spcPts val="600"/>
+              </a:spcBef>
+              <a:spcAft>
+                <a:spcPts val="300"/>
+              </a:spcAft>
+            </a:pPr>
+            <a:r>
+              <a:rPr lang="de-DE" altLang="de-DE" dirty="0"/>
+              <a:t>Muss via Fast-Forward </a:t>
+            </a:r>
+            <a:r>
+              <a:rPr lang="de-DE" altLang="de-DE" dirty="0" err="1"/>
+              <a:t>Merge</a:t>
+            </a:r>
+            <a:r>
+              <a:rPr lang="de-DE" altLang="de-DE" dirty="0"/>
+              <a:t> im Remote Repository eingebaut werden können</a:t>
+            </a:r>
+          </a:p>
+          <a:p>
+            <a:pPr marL="400050">
+              <a:spcBef>
+                <a:spcPts val="600"/>
+              </a:spcBef>
+              <a:spcAft>
+                <a:spcPts val="300"/>
+              </a:spcAft>
+            </a:pPr>
+            <a:r>
+              <a:rPr lang="de-DE" altLang="de-DE" dirty="0" err="1"/>
+              <a:t>Git</a:t>
+            </a:r>
+            <a:r>
+              <a:rPr lang="de-DE" altLang="de-DE" dirty="0"/>
+              <a:t> erlaubt ausschließlich Push in Bare </a:t>
+            </a:r>
+            <a:r>
+              <a:rPr lang="de-DE" altLang="de-DE" dirty="0" err="1"/>
+              <a:t>Repositories</a:t>
+            </a:r>
+            <a:endParaRPr lang="de-DE" altLang="de-DE" dirty="0"/>
+          </a:p>
+        </p:txBody>
+      </p:sp>
+      <p:sp>
+        <p:nvSpPr>
+          <p:cNvPr id="6147" name="Rectangle 1062">
+            <a:extLst>
+              <a:ext uri="{FF2B5EF4-FFF2-40B4-BE49-F238E27FC236}">
+                <a16:creationId xmlns:a16="http://schemas.microsoft.com/office/drawing/2014/main" id="{C46E9340-3256-8D55-A265-94F2F41E288E}"/>
+              </a:ext>
+            </a:extLst>
+          </p:cNvPr>
+          <p:cNvSpPr>
+            <a:spLocks noGrp="1" noChangeArrowheads="1"/>
+          </p:cNvSpPr>
+          <p:nvPr>
+            <p:ph type="title"/>
+          </p:nvPr>
+        </p:nvSpPr>
+        <p:spPr>
+          <a:xfrm>
+            <a:off x="285750" y="142875"/>
+            <a:ext cx="5654675" cy="706438"/>
+          </a:xfrm>
+        </p:spPr>
+        <p:txBody>
+          <a:bodyPr/>
+          <a:lstStyle/>
+          <a:p>
+            <a:r>
+              <a:rPr lang="de-DE" altLang="de-DE" dirty="0"/>
+              <a:t>Remote Repository</a:t>
+            </a:r>
+          </a:p>
+        </p:txBody>
+      </p:sp>
+    </p:spTree>
+    <p:extLst>
+      <p:ext uri="{BB962C8B-B14F-4D97-AF65-F5344CB8AC3E}">
+        <p14:creationId xmlns:p14="http://schemas.microsoft.com/office/powerpoint/2010/main" val="2704766437"/>
       </p:ext>
     </p:extLst>
   </p:cSld>
@@ -8228,7 +8361,16 @@
               <a:rPr lang="de-DE" altLang="de-DE" dirty="0">
                 <a:sym typeface="Wingdings" panose="05000000000000000000" pitchFamily="2" charset="2"/>
               </a:rPr>
-              <a:t>Konzepte wie </a:t>
+              <a:t>Zugriff über HTTPS oder SSH</a:t>
+            </a:r>
+          </a:p>
+          <a:p>
+            <a:pPr lvl="1"/>
+            <a:r>
+              <a:rPr lang="de-DE" altLang="de-DE" dirty="0">
+                <a:sym typeface="Wingdings" panose="05000000000000000000" pitchFamily="2" charset="2"/>
+              </a:rPr>
+              <a:t>Dienste wie </a:t>
             </a:r>
             <a:r>
               <a:rPr lang="de-DE" altLang="de-DE" dirty="0" err="1">
@@ -8252,7 +8394,7 @@
               <a:rPr lang="de-DE" altLang="de-DE" dirty="0">
                 <a:sym typeface="Wingdings" panose="05000000000000000000" pitchFamily="2" charset="2"/>
               </a:rPr>
-              <a:t> usw. ergänzen Hosting um viele Features</a:t>
+              <a:t> usw. ergänzen Hosting um weitere Features</a:t>
             </a:r>
           </a:p>
           <a:p>
@@ -8284,7 +8426,7 @@
               <a:t> sind häufig </a:t>
             </a:r>
             <a:r>
-              <a:rPr lang="de-DE" altLang="de-DE" b="1" dirty="0">
+              <a:rPr lang="de-DE" altLang="de-DE" i="1" dirty="0">
                 <a:sym typeface="Wingdings" panose="05000000000000000000" pitchFamily="2" charset="2"/>
               </a:rPr>
               <a:t>Bare</a:t>
@@ -8440,12 +8582,8 @@
               <a:buNone/>
             </a:pPr>
             <a:r>
-              <a:rPr lang="de-DE" altLang="de-DE" b="1" dirty="0" err="1"/>
-              <a:t>Clonen</a:t>
-            </a:r>
-            <a:r>
               <a:rPr lang="de-DE" altLang="de-DE" b="1" dirty="0"/>
-              <a:t> eines vorhandenen Remote </a:t>
+              <a:t>Klonen eines vorhandenen Remote </a:t>
             </a:r>
             <a:r>
               <a:rPr lang="de-DE" altLang="de-DE" b="1" dirty="0" err="1"/>
@@ -8525,7 +8663,7 @@
               <a:rPr lang="de-DE" altLang="de-DE" dirty="0" err="1">
                 <a:latin typeface="Consolas" panose="020B0609020204030204" pitchFamily="49" charset="0"/>
               </a:rPr>
-              <a:t>refernce</a:t>
+              <a:t>reference</a:t>
             </a:r>
             <a:r>
               <a:rPr lang="de-DE" altLang="de-DE" dirty="0">
@@ -8648,7 +8786,7 @@
             </a:r>
             <a:r>
               <a:rPr lang="de-DE" altLang="de-DE" dirty="0"/>
-              <a:t> definiert den zu einem lokalen Branch zugehörigen Branch, auf dem beim </a:t>
+              <a:t> definiert den zu einem lokalen Branch zugehörigen remote Branch, auf dem beim </a:t>
             </a:r>
             <a:r>
               <a:rPr lang="de-DE" altLang="de-DE" dirty="0" err="1">
@@ -8780,15 +8918,11 @@
             </a:pPr>
             <a:r>
               <a:rPr lang="de-DE" altLang="de-DE" b="1" dirty="0"/>
-              <a:t>Beispiel </a:t>
-            </a:r>
-            <a:r>
-              <a:rPr lang="de-DE" altLang="de-DE" dirty="0" err="1"/>
-              <a:t>clonen</a:t>
+              <a:t>Beispiel: </a:t>
             </a:r>
             <a:r>
               <a:rPr lang="de-DE" altLang="de-DE" dirty="0"/>
-              <a:t> eines Projektes</a:t>
+              <a:t>Klonen eines Projektes</a:t>
             </a:r>
           </a:p>
           <a:p>
@@ -9123,7 +9257,7 @@
             </a:pPr>
             <a:r>
               <a:rPr lang="de-DE" altLang="de-DE" dirty="0"/>
-              <a:t>Remote zu lokalen Repository hinzuzufügen </a:t>
+              <a:t>Remote zu lokalem Repository hinzuzufügen </a:t>
             </a:r>
           </a:p>
           <a:p>
@@ -9253,7 +9387,7 @@
             </a:pPr>
             <a:r>
               <a:rPr lang="de-DE" altLang="de-DE" dirty="0"/>
-              <a:t>Beispiel</a:t>
+              <a:t>Beispiel:</a:t>
             </a:r>
           </a:p>
           <a:p>
@@ -9595,7 +9729,7 @@
               <a:rPr lang="de-DE" altLang="de-DE" dirty="0">
                 <a:latin typeface="Consolas" panose="020B0609020204030204" pitchFamily="49" charset="0"/>
               </a:rPr>
-              <a:t> –all (</a:t>
+              <a:t> --all (</a:t>
             </a:r>
             <a:r>
               <a:rPr lang="de-DE" altLang="de-DE" dirty="0"/>
@@ -9624,7 +9758,7 @@
             </a:r>
             <a:r>
               <a:rPr lang="de-DE" altLang="de-DE" dirty="0" err="1"/>
-              <a:t>Repositories</a:t>
+              <a:t>Repositorys</a:t>
             </a:r>
             <a:endParaRPr lang="de-DE" altLang="de-DE" dirty="0"/>
           </a:p>
